--- a/Flow.pptx
+++ b/Flow.pptx
@@ -1,11 +1,11 @@
 
 <file path=ppt/presentation.xml><?xml version="1.0" encoding="utf-8"?>
-<p:presentation xmlns:a="http://schemas.openxmlformats.org/drawingml/2006/main" xmlns:r="http://schemas.openxmlformats.org/officeDocument/2006/relationships" xmlns:p="http://schemas.openxmlformats.org/presentationml/2006/main" saveSubsetFonts="1">
+<p:presentation xmlns:a="http://schemas.openxmlformats.org/drawingml/2006/main" xmlns:r="http://schemas.openxmlformats.org/officeDocument/2006/relationships" xmlns:p="http://schemas.openxmlformats.org/presentationml/2006/main">
   <p:sldMasterIdLst>
     <p:sldMasterId id="2147483648" r:id="rId1"/>
   </p:sldMasterIdLst>
   <p:sldIdLst>
-    <p:sldId id="256" r:id="rId2"/>
+    <p:sldId id="256" r:id="rId3"/>
   </p:sldIdLst>
   <p:sldSz cx="9144000" cy="6858000" type="screen4x3"/>
   <p:notesSz cx="6858000" cy="9144000"/>
@@ -114,117 +114,39 @@
   <dgm:catLst>
     <dgm:cat type="accent1" pri="11200"/>
   </dgm:catLst>
-  <dgm:styleLbl name="node0">
+  <dgm:styleLbl name="alignAcc1">
     <dgm:fillClrLst meth="repeat">
-      <a:schemeClr val="accent1"/>
-    </dgm:fillClrLst>
-    <dgm:linClrLst meth="repeat">
-      <a:schemeClr val="lt1"/>
-    </dgm:linClrLst>
-    <dgm:effectClrLst/>
-    <dgm:txLinClrLst/>
-    <dgm:txFillClrLst/>
-    <dgm:txEffectClrLst/>
-  </dgm:styleLbl>
-  <dgm:styleLbl name="alignNode1">
-    <dgm:fillClrLst meth="repeat">
-      <a:schemeClr val="accent1"/>
+      <a:schemeClr val="lt1">
+        <a:alpha val="90000"/>
+      </a:schemeClr>
     </dgm:fillClrLst>
     <dgm:linClrLst meth="repeat">
       <a:schemeClr val="accent1"/>
     </dgm:linClrLst>
     <dgm:effectClrLst/>
     <dgm:txLinClrLst/>
-    <dgm:txFillClrLst/>
+    <dgm:txFillClrLst meth="repeat">
+      <a:schemeClr val="dk1"/>
+    </dgm:txFillClrLst>
     <dgm:txEffectClrLst/>
   </dgm:styleLbl>
-  <dgm:styleLbl name="node1">
-    <dgm:fillClrLst meth="repeat">
-      <a:schemeClr val="accent1"/>
-    </dgm:fillClrLst>
-    <dgm:linClrLst meth="repeat">
-      <a:schemeClr val="lt1"/>
-    </dgm:linClrLst>
-    <dgm:effectClrLst/>
-    <dgm:txLinClrLst/>
-    <dgm:txFillClrLst/>
-    <dgm:txEffectClrLst/>
-  </dgm:styleLbl>
-  <dgm:styleLbl name="lnNode1">
-    <dgm:fillClrLst meth="repeat">
-      <a:schemeClr val="accent1"/>
-    </dgm:fillClrLst>
-    <dgm:linClrLst meth="repeat">
-      <a:schemeClr val="lt1"/>
-    </dgm:linClrLst>
-    <dgm:effectClrLst/>
-    <dgm:txLinClrLst/>
-    <dgm:txFillClrLst/>
-    <dgm:txEffectClrLst/>
-  </dgm:styleLbl>
-  <dgm:styleLbl name="vennNode1">
+  <dgm:styleLbl name="alignAccFollowNode1">
     <dgm:fillClrLst meth="repeat">
       <a:schemeClr val="accent1">
-        <a:alpha val="50000"/>
+        <a:alpha val="90000"/>
+        <a:tint val="40000"/>
       </a:schemeClr>
     </dgm:fillClrLst>
     <dgm:linClrLst meth="repeat">
-      <a:schemeClr val="lt1"/>
-    </dgm:linClrLst>
-    <dgm:effectClrLst/>
-    <dgm:txLinClrLst/>
-    <dgm:txFillClrLst/>
-    <dgm:txEffectClrLst/>
-  </dgm:styleLbl>
-  <dgm:styleLbl name="node2">
-    <dgm:fillClrLst meth="repeat">
-      <a:schemeClr val="accent1"/>
-    </dgm:fillClrLst>
-    <dgm:linClrLst meth="repeat">
-      <a:schemeClr val="lt1"/>
-    </dgm:linClrLst>
-    <dgm:effectClrLst/>
-    <dgm:txLinClrLst/>
-    <dgm:txFillClrLst/>
-    <dgm:txEffectClrLst/>
-  </dgm:styleLbl>
-  <dgm:styleLbl name="node3">
-    <dgm:fillClrLst meth="repeat">
-      <a:schemeClr val="accent1"/>
-    </dgm:fillClrLst>
-    <dgm:linClrLst meth="repeat">
-      <a:schemeClr val="lt1"/>
-    </dgm:linClrLst>
-    <dgm:effectClrLst/>
-    <dgm:txLinClrLst/>
-    <dgm:txFillClrLst/>
-    <dgm:txEffectClrLst/>
-  </dgm:styleLbl>
-  <dgm:styleLbl name="node4">
-    <dgm:fillClrLst meth="repeat">
-      <a:schemeClr val="accent1"/>
-    </dgm:fillClrLst>
-    <dgm:linClrLst meth="repeat">
-      <a:schemeClr val="lt1"/>
-    </dgm:linClrLst>
-    <dgm:effectClrLst/>
-    <dgm:txLinClrLst/>
-    <dgm:txFillClrLst/>
-    <dgm:txEffectClrLst/>
-  </dgm:styleLbl>
-  <dgm:styleLbl name="fgImgPlace1">
-    <dgm:fillClrLst meth="repeat">
       <a:schemeClr val="accent1">
-        <a:tint val="50000"/>
+        <a:alpha val="90000"/>
+        <a:tint val="40000"/>
       </a:schemeClr>
-    </dgm:fillClrLst>
-    <dgm:linClrLst meth="repeat">
-      <a:schemeClr val="lt1"/>
     </dgm:linClrLst>
     <dgm:effectClrLst/>
     <dgm:txLinClrLst/>
     <dgm:txFillClrLst meth="repeat">
-      <a:schemeClr val="lt1"/>
+      <a:schemeClr val="dk1"/>
     </dgm:txFillClrLst>
     <dgm:txEffectClrLst/>
   </dgm:styleLbl>
@@ -244,6 +166,114 @@
     </dgm:txFillClrLst>
     <dgm:txEffectClrLst/>
   </dgm:styleLbl>
+  <dgm:styleLbl name="alignNode1">
+    <dgm:fillClrLst meth="repeat">
+      <a:schemeClr val="accent1"/>
+    </dgm:fillClrLst>
+    <dgm:linClrLst meth="repeat">
+      <a:schemeClr val="accent1"/>
+    </dgm:linClrLst>
+    <dgm:effectClrLst/>
+    <dgm:txLinClrLst/>
+    <dgm:txFillClrLst/>
+    <dgm:txEffectClrLst/>
+  </dgm:styleLbl>
+  <dgm:styleLbl name="asst0">
+    <dgm:fillClrLst meth="repeat">
+      <a:schemeClr val="accent1"/>
+    </dgm:fillClrLst>
+    <dgm:linClrLst meth="repeat">
+      <a:schemeClr val="lt1"/>
+    </dgm:linClrLst>
+    <dgm:effectClrLst/>
+    <dgm:txLinClrLst/>
+    <dgm:txFillClrLst/>
+    <dgm:txEffectClrLst/>
+  </dgm:styleLbl>
+  <dgm:styleLbl name="asst1">
+    <dgm:fillClrLst meth="repeat">
+      <a:schemeClr val="accent1"/>
+    </dgm:fillClrLst>
+    <dgm:linClrLst meth="repeat">
+      <a:schemeClr val="lt1"/>
+    </dgm:linClrLst>
+    <dgm:effectClrLst/>
+    <dgm:txLinClrLst/>
+    <dgm:txFillClrLst/>
+    <dgm:txEffectClrLst/>
+  </dgm:styleLbl>
+  <dgm:styleLbl name="asst2">
+    <dgm:fillClrLst meth="repeat">
+      <a:schemeClr val="accent1"/>
+    </dgm:fillClrLst>
+    <dgm:linClrLst meth="repeat">
+      <a:schemeClr val="lt1"/>
+    </dgm:linClrLst>
+    <dgm:effectClrLst/>
+    <dgm:txLinClrLst/>
+    <dgm:txFillClrLst/>
+    <dgm:txEffectClrLst/>
+  </dgm:styleLbl>
+  <dgm:styleLbl name="asst3">
+    <dgm:fillClrLst meth="repeat">
+      <a:schemeClr val="accent1"/>
+    </dgm:fillClrLst>
+    <dgm:linClrLst meth="repeat">
+      <a:schemeClr val="lt1"/>
+    </dgm:linClrLst>
+    <dgm:effectClrLst/>
+    <dgm:txLinClrLst/>
+    <dgm:txFillClrLst/>
+    <dgm:txEffectClrLst/>
+  </dgm:styleLbl>
+  <dgm:styleLbl name="asst4">
+    <dgm:fillClrLst meth="repeat">
+      <a:schemeClr val="accent1"/>
+    </dgm:fillClrLst>
+    <dgm:linClrLst meth="repeat">
+      <a:schemeClr val="lt1"/>
+    </dgm:linClrLst>
+    <dgm:effectClrLst/>
+    <dgm:txLinClrLst/>
+    <dgm:txFillClrLst/>
+    <dgm:txEffectClrLst/>
+  </dgm:styleLbl>
+  <dgm:styleLbl name="bgAcc1">
+    <dgm:fillClrLst meth="repeat">
+      <a:schemeClr val="lt1">
+        <a:alpha val="90000"/>
+      </a:schemeClr>
+    </dgm:fillClrLst>
+    <dgm:linClrLst meth="repeat">
+      <a:schemeClr val="accent1"/>
+    </dgm:linClrLst>
+    <dgm:effectClrLst/>
+    <dgm:txLinClrLst/>
+    <dgm:txFillClrLst meth="repeat">
+      <a:schemeClr val="dk1"/>
+    </dgm:txFillClrLst>
+    <dgm:txEffectClrLst/>
+  </dgm:styleLbl>
+  <dgm:styleLbl name="bgAccFollowNode1">
+    <dgm:fillClrLst meth="repeat">
+      <a:schemeClr val="accent1">
+        <a:alpha val="90000"/>
+        <a:tint val="40000"/>
+      </a:schemeClr>
+    </dgm:fillClrLst>
+    <dgm:linClrLst meth="repeat">
+      <a:schemeClr val="accent1">
+        <a:alpha val="90000"/>
+        <a:tint val="40000"/>
+      </a:schemeClr>
+    </dgm:linClrLst>
+    <dgm:effectClrLst/>
+    <dgm:txLinClrLst/>
+    <dgm:txFillClrLst meth="repeat">
+      <a:schemeClr val="dk1"/>
+    </dgm:txFillClrLst>
+    <dgm:txEffectClrLst/>
+  </dgm:styleLbl>
   <dgm:styleLbl name="bgImgPlace1">
     <dgm:fillClrLst meth="repeat">
       <a:schemeClr val="accent1">
@@ -260,36 +290,20 @@
     </dgm:txFillClrLst>
     <dgm:txEffectClrLst/>
   </dgm:styleLbl>
-  <dgm:styleLbl name="sibTrans2D1">
+  <dgm:styleLbl name="bgShp">
     <dgm:fillClrLst meth="repeat">
       <a:schemeClr val="accent1">
-        <a:tint val="60000"/>
+        <a:tint val="40000"/>
       </a:schemeClr>
     </dgm:fillClrLst>
     <dgm:linClrLst meth="repeat">
-      <a:schemeClr val="accent1">
-        <a:tint val="60000"/>
-      </a:schemeClr>
+      <a:schemeClr val="accent1"/>
     </dgm:linClrLst>
     <dgm:effectClrLst/>
     <dgm:txLinClrLst/>
-    <dgm:txFillClrLst/>
-    <dgm:txEffectClrLst/>
-  </dgm:styleLbl>
-  <dgm:styleLbl name="fgSibTrans2D1">
-    <dgm:fillClrLst meth="repeat">
-      <a:schemeClr val="accent1">
-        <a:tint val="60000"/>
-      </a:schemeClr>
-    </dgm:fillClrLst>
-    <dgm:linClrLst meth="repeat">
-      <a:schemeClr val="accent1">
-        <a:tint val="60000"/>
-      </a:schemeClr>
-    </dgm:linClrLst>
-    <dgm:effectClrLst/>
-    <dgm:txLinClrLst/>
-    <dgm:txFillClrLst/>
+    <dgm:txFillClrLst meth="repeat">
+      <a:schemeClr val="dk1"/>
+    </dgm:txFillClrLst>
     <dgm:txEffectClrLst/>
   </dgm:styleLbl>
   <dgm:styleLbl name="bgSibTrans2D1">
@@ -308,20 +322,6 @@
     <dgm:txFillClrLst/>
     <dgm:txEffectClrLst/>
   </dgm:styleLbl>
-  <dgm:styleLbl name="sibTrans1D1">
-    <dgm:fillClrLst meth="repeat">
-      <a:schemeClr val="accent1"/>
-    </dgm:fillClrLst>
-    <dgm:linClrLst meth="repeat">
-      <a:schemeClr val="accent1"/>
-    </dgm:linClrLst>
-    <dgm:effectClrLst/>
-    <dgm:txLinClrLst/>
-    <dgm:txFillClrLst meth="repeat">
-      <a:schemeClr val="tx1"/>
-    </dgm:txFillClrLst>
-    <dgm:txEffectClrLst/>
-  </dgm:styleLbl>
   <dgm:styleLbl name="callout">
     <dgm:fillClrLst meth="repeat">
       <a:schemeClr val="accent1"/>
@@ -338,87 +338,27 @@
     </dgm:txFillClrLst>
     <dgm:txEffectClrLst/>
   </dgm:styleLbl>
-  <dgm:styleLbl name="asst0">
+  <dgm:styleLbl name="conFgAcc1">
     <dgm:fillClrLst meth="repeat">
-      <a:schemeClr val="accent1"/>
-    </dgm:fillClrLst>
-    <dgm:linClrLst meth="repeat">
-      <a:schemeClr val="lt1"/>
-    </dgm:linClrLst>
-    <dgm:effectClrLst/>
-    <dgm:txLinClrLst/>
-    <dgm:txFillClrLst/>
-    <dgm:txEffectClrLst/>
-  </dgm:styleLbl>
-  <dgm:styleLbl name="asst1">
-    <dgm:fillClrLst meth="repeat">
-      <a:schemeClr val="accent1"/>
-    </dgm:fillClrLst>
-    <dgm:linClrLst meth="repeat">
-      <a:schemeClr val="lt1"/>
-    </dgm:linClrLst>
-    <dgm:effectClrLst/>
-    <dgm:txLinClrLst/>
-    <dgm:txFillClrLst/>
-    <dgm:txEffectClrLst/>
-  </dgm:styleLbl>
-  <dgm:styleLbl name="asst2">
-    <dgm:fillClrLst meth="repeat">
-      <a:schemeClr val="accent1"/>
-    </dgm:fillClrLst>
-    <dgm:linClrLst meth="repeat">
-      <a:schemeClr val="lt1"/>
-    </dgm:linClrLst>
-    <dgm:effectClrLst/>
-    <dgm:txLinClrLst/>
-    <dgm:txFillClrLst/>
-    <dgm:txEffectClrLst/>
-  </dgm:styleLbl>
-  <dgm:styleLbl name="asst3">
-    <dgm:fillClrLst meth="repeat">
-      <a:schemeClr val="accent1"/>
-    </dgm:fillClrLst>
-    <dgm:linClrLst meth="repeat">
-      <a:schemeClr val="lt1"/>
-    </dgm:linClrLst>
-    <dgm:effectClrLst/>
-    <dgm:txLinClrLst/>
-    <dgm:txFillClrLst/>
-    <dgm:txEffectClrLst/>
-  </dgm:styleLbl>
-  <dgm:styleLbl name="asst4">
-    <dgm:fillClrLst meth="repeat">
-      <a:schemeClr val="accent1"/>
-    </dgm:fillClrLst>
-    <dgm:linClrLst meth="repeat">
-      <a:schemeClr val="lt1"/>
-    </dgm:linClrLst>
-    <dgm:effectClrLst/>
-    <dgm:txLinClrLst/>
-    <dgm:txFillClrLst/>
-    <dgm:txEffectClrLst/>
-  </dgm:styleLbl>
-  <dgm:styleLbl name="parChTrans2D1">
-    <dgm:fillClrLst meth="repeat">
-      <a:schemeClr val="accent1">
-        <a:tint val="60000"/>
+      <a:schemeClr val="lt1">
+        <a:alpha val="90000"/>
       </a:schemeClr>
     </dgm:fillClrLst>
     <dgm:linClrLst meth="repeat">
-      <a:schemeClr val="accent1">
-        <a:tint val="60000"/>
-      </a:schemeClr>
+      <a:schemeClr val="accent1"/>
     </dgm:linClrLst>
     <dgm:effectClrLst/>
     <dgm:txLinClrLst/>
     <dgm:txFillClrLst meth="repeat">
-      <a:schemeClr val="lt1"/>
+      <a:schemeClr val="dk1"/>
     </dgm:txFillClrLst>
     <dgm:txEffectClrLst/>
   </dgm:styleLbl>
-  <dgm:styleLbl name="parChTrans2D2">
+  <dgm:styleLbl name="dkBgShp">
     <dgm:fillClrLst meth="repeat">
-      <a:schemeClr val="accent1"/>
+      <a:schemeClr val="accent1">
+        <a:shade val="80000"/>
+      </a:schemeClr>
     </dgm:fillClrLst>
     <dgm:linClrLst meth="repeat">
       <a:schemeClr val="accent1"/>
@@ -430,9 +370,11 @@
     </dgm:txFillClrLst>
     <dgm:txEffectClrLst/>
   </dgm:styleLbl>
-  <dgm:styleLbl name="parChTrans2D3">
+  <dgm:styleLbl name="fgAcc0">
     <dgm:fillClrLst meth="repeat">
-      <a:schemeClr val="accent1"/>
+      <a:schemeClr val="lt1">
+        <a:alpha val="90000"/>
+      </a:schemeClr>
     </dgm:fillClrLst>
     <dgm:linClrLst meth="repeat">
       <a:schemeClr val="accent1"/>
@@ -440,85 +382,7 @@
     <dgm:effectClrLst/>
     <dgm:txLinClrLst/>
     <dgm:txFillClrLst meth="repeat">
-      <a:schemeClr val="lt1"/>
-    </dgm:txFillClrLst>
-    <dgm:txEffectClrLst/>
-  </dgm:styleLbl>
-  <dgm:styleLbl name="parChTrans2D4">
-    <dgm:fillClrLst meth="repeat">
-      <a:schemeClr val="accent1"/>
-    </dgm:fillClrLst>
-    <dgm:linClrLst meth="repeat">
-      <a:schemeClr val="accent1"/>
-    </dgm:linClrLst>
-    <dgm:effectClrLst/>
-    <dgm:txLinClrLst/>
-    <dgm:txFillClrLst meth="repeat">
-      <a:schemeClr val="lt1"/>
-    </dgm:txFillClrLst>
-    <dgm:txEffectClrLst/>
-  </dgm:styleLbl>
-  <dgm:styleLbl name="parChTrans1D1">
-    <dgm:fillClrLst meth="repeat">
-      <a:schemeClr val="accent1"/>
-    </dgm:fillClrLst>
-    <dgm:linClrLst meth="repeat">
-      <a:schemeClr val="accent1">
-        <a:shade val="60000"/>
-      </a:schemeClr>
-    </dgm:linClrLst>
-    <dgm:effectClrLst/>
-    <dgm:txLinClrLst/>
-    <dgm:txFillClrLst meth="repeat">
-      <a:schemeClr val="tx1"/>
-    </dgm:txFillClrLst>
-    <dgm:txEffectClrLst/>
-  </dgm:styleLbl>
-  <dgm:styleLbl name="parChTrans1D2">
-    <dgm:fillClrLst meth="repeat">
-      <a:schemeClr val="accent1"/>
-    </dgm:fillClrLst>
-    <dgm:linClrLst meth="repeat">
-      <a:schemeClr val="accent1">
-        <a:shade val="60000"/>
-      </a:schemeClr>
-    </dgm:linClrLst>
-    <dgm:effectClrLst/>
-    <dgm:txLinClrLst/>
-    <dgm:txFillClrLst meth="repeat">
-      <a:schemeClr val="tx1"/>
-    </dgm:txFillClrLst>
-    <dgm:txEffectClrLst/>
-  </dgm:styleLbl>
-  <dgm:styleLbl name="parChTrans1D3">
-    <dgm:fillClrLst meth="repeat">
-      <a:schemeClr val="accent1"/>
-    </dgm:fillClrLst>
-    <dgm:linClrLst meth="repeat">
-      <a:schemeClr val="accent1">
-        <a:shade val="80000"/>
-      </a:schemeClr>
-    </dgm:linClrLst>
-    <dgm:effectClrLst/>
-    <dgm:txLinClrLst/>
-    <dgm:txFillClrLst meth="repeat">
-      <a:schemeClr val="tx1"/>
-    </dgm:txFillClrLst>
-    <dgm:txEffectClrLst/>
-  </dgm:styleLbl>
-  <dgm:styleLbl name="parChTrans1D4">
-    <dgm:fillClrLst meth="repeat">
-      <a:schemeClr val="accent1"/>
-    </dgm:fillClrLst>
-    <dgm:linClrLst meth="repeat">
-      <a:schemeClr val="accent1">
-        <a:shade val="80000"/>
-      </a:schemeClr>
-    </dgm:linClrLst>
-    <dgm:effectClrLst/>
-    <dgm:txLinClrLst/>
-    <dgm:txFillClrLst meth="repeat">
-      <a:schemeClr val="tx1"/>
+      <a:schemeClr val="dk1"/>
     </dgm:txFillClrLst>
     <dgm:txEffectClrLst/>
   </dgm:styleLbl>
@@ -538,7 +402,7 @@
     </dgm:txFillClrLst>
     <dgm:txEffectClrLst/>
   </dgm:styleLbl>
-  <dgm:styleLbl name="conFgAcc1">
+  <dgm:styleLbl name="fgAcc2">
     <dgm:fillClrLst meth="repeat">
       <a:schemeClr val="lt1">
         <a:alpha val="90000"/>
@@ -554,7 +418,7 @@
     </dgm:txFillClrLst>
     <dgm:txEffectClrLst/>
   </dgm:styleLbl>
-  <dgm:styleLbl name="alignAcc1">
+  <dgm:styleLbl name="fgAcc3">
     <dgm:fillClrLst meth="repeat">
       <a:schemeClr val="lt1">
         <a:alpha val="90000"/>
@@ -570,69 +434,11 @@
     </dgm:txFillClrLst>
     <dgm:txEffectClrLst/>
   </dgm:styleLbl>
-  <dgm:styleLbl name="trAlignAcc1">
-    <dgm:fillClrLst meth="repeat">
-      <a:schemeClr val="lt1">
-        <a:alpha val="40000"/>
-      </a:schemeClr>
-    </dgm:fillClrLst>
-    <dgm:linClrLst meth="repeat">
-      <a:schemeClr val="accent1"/>
-    </dgm:linClrLst>
-    <dgm:effectClrLst/>
-    <dgm:txLinClrLst/>
-    <dgm:txFillClrLst meth="repeat">
-      <a:schemeClr val="dk1"/>
-    </dgm:txFillClrLst>
-    <dgm:txEffectClrLst/>
-  </dgm:styleLbl>
-  <dgm:styleLbl name="bgAcc1">
+  <dgm:styleLbl name="fgAcc4">
     <dgm:fillClrLst meth="repeat">
       <a:schemeClr val="lt1">
         <a:alpha val="90000"/>
       </a:schemeClr>
-    </dgm:fillClrLst>
-    <dgm:linClrLst meth="repeat">
-      <a:schemeClr val="accent1"/>
-    </dgm:linClrLst>
-    <dgm:effectClrLst/>
-    <dgm:txLinClrLst/>
-    <dgm:txFillClrLst meth="repeat">
-      <a:schemeClr val="dk1"/>
-    </dgm:txFillClrLst>
-    <dgm:txEffectClrLst/>
-  </dgm:styleLbl>
-  <dgm:styleLbl name="solidFgAcc1">
-    <dgm:fillClrLst meth="repeat">
-      <a:schemeClr val="lt1"/>
-    </dgm:fillClrLst>
-    <dgm:linClrLst meth="repeat">
-      <a:schemeClr val="accent1"/>
-    </dgm:linClrLst>
-    <dgm:effectClrLst/>
-    <dgm:txLinClrLst/>
-    <dgm:txFillClrLst meth="repeat">
-      <a:schemeClr val="dk1"/>
-    </dgm:txFillClrLst>
-    <dgm:txEffectClrLst/>
-  </dgm:styleLbl>
-  <dgm:styleLbl name="solidAlignAcc1">
-    <dgm:fillClrLst meth="repeat">
-      <a:schemeClr val="lt1"/>
-    </dgm:fillClrLst>
-    <dgm:linClrLst meth="repeat">
-      <a:schemeClr val="accent1"/>
-    </dgm:linClrLst>
-    <dgm:effectClrLst/>
-    <dgm:txLinClrLst/>
-    <dgm:txFillClrLst meth="repeat">
-      <a:schemeClr val="dk1"/>
-    </dgm:txFillClrLst>
-    <dgm:txEffectClrLst/>
-  </dgm:styleLbl>
-  <dgm:styleLbl name="solidBgAcc1">
-    <dgm:fillClrLst meth="repeat">
-      <a:schemeClr val="lt1"/>
     </dgm:fillClrLst>
     <dgm:linClrLst meth="repeat">
       <a:schemeClr val="accent1"/>
@@ -664,151 +470,14 @@
     </dgm:txFillClrLst>
     <dgm:txEffectClrLst/>
   </dgm:styleLbl>
-  <dgm:styleLbl name="alignAccFollowNode1">
+  <dgm:styleLbl name="fgImgPlace1">
     <dgm:fillClrLst meth="repeat">
       <a:schemeClr val="accent1">
-        <a:alpha val="90000"/>
-        <a:tint val="40000"/>
+        <a:tint val="50000"/>
       </a:schemeClr>
     </dgm:fillClrLst>
     <dgm:linClrLst meth="repeat">
-      <a:schemeClr val="accent1">
-        <a:alpha val="90000"/>
-        <a:tint val="40000"/>
-      </a:schemeClr>
-    </dgm:linClrLst>
-    <dgm:effectClrLst/>
-    <dgm:txLinClrLst/>
-    <dgm:txFillClrLst meth="repeat">
-      <a:schemeClr val="dk1"/>
-    </dgm:txFillClrLst>
-    <dgm:txEffectClrLst/>
-  </dgm:styleLbl>
-  <dgm:styleLbl name="bgAccFollowNode1">
-    <dgm:fillClrLst meth="repeat">
-      <a:schemeClr val="accent1">
-        <a:alpha val="90000"/>
-        <a:tint val="40000"/>
-      </a:schemeClr>
-    </dgm:fillClrLst>
-    <dgm:linClrLst meth="repeat">
-      <a:schemeClr val="accent1">
-        <a:alpha val="90000"/>
-        <a:tint val="40000"/>
-      </a:schemeClr>
-    </dgm:linClrLst>
-    <dgm:effectClrLst/>
-    <dgm:txLinClrLst/>
-    <dgm:txFillClrLst meth="repeat">
-      <a:schemeClr val="dk1"/>
-    </dgm:txFillClrLst>
-    <dgm:txEffectClrLst/>
-  </dgm:styleLbl>
-  <dgm:styleLbl name="fgAcc0">
-    <dgm:fillClrLst meth="repeat">
-      <a:schemeClr val="lt1">
-        <a:alpha val="90000"/>
-      </a:schemeClr>
-    </dgm:fillClrLst>
-    <dgm:linClrLst meth="repeat">
-      <a:schemeClr val="accent1"/>
-    </dgm:linClrLst>
-    <dgm:effectClrLst/>
-    <dgm:txLinClrLst/>
-    <dgm:txFillClrLst meth="repeat">
-      <a:schemeClr val="dk1"/>
-    </dgm:txFillClrLst>
-    <dgm:txEffectClrLst/>
-  </dgm:styleLbl>
-  <dgm:styleLbl name="fgAcc2">
-    <dgm:fillClrLst meth="repeat">
-      <a:schemeClr val="lt1">
-        <a:alpha val="90000"/>
-      </a:schemeClr>
-    </dgm:fillClrLst>
-    <dgm:linClrLst meth="repeat">
-      <a:schemeClr val="accent1"/>
-    </dgm:linClrLst>
-    <dgm:effectClrLst/>
-    <dgm:txLinClrLst/>
-    <dgm:txFillClrLst meth="repeat">
-      <a:schemeClr val="dk1"/>
-    </dgm:txFillClrLst>
-    <dgm:txEffectClrLst/>
-  </dgm:styleLbl>
-  <dgm:styleLbl name="fgAcc3">
-    <dgm:fillClrLst meth="repeat">
-      <a:schemeClr val="lt1">
-        <a:alpha val="90000"/>
-      </a:schemeClr>
-    </dgm:fillClrLst>
-    <dgm:linClrLst meth="repeat">
-      <a:schemeClr val="accent1"/>
-    </dgm:linClrLst>
-    <dgm:effectClrLst/>
-    <dgm:txLinClrLst/>
-    <dgm:txFillClrLst meth="repeat">
-      <a:schemeClr val="dk1"/>
-    </dgm:txFillClrLst>
-    <dgm:txEffectClrLst/>
-  </dgm:styleLbl>
-  <dgm:styleLbl name="fgAcc4">
-    <dgm:fillClrLst meth="repeat">
-      <a:schemeClr val="lt1">
-        <a:alpha val="90000"/>
-      </a:schemeClr>
-    </dgm:fillClrLst>
-    <dgm:linClrLst meth="repeat">
-      <a:schemeClr val="accent1"/>
-    </dgm:linClrLst>
-    <dgm:effectClrLst/>
-    <dgm:txLinClrLst/>
-    <dgm:txFillClrLst meth="repeat">
-      <a:schemeClr val="dk1"/>
-    </dgm:txFillClrLst>
-    <dgm:txEffectClrLst/>
-  </dgm:styleLbl>
-  <dgm:styleLbl name="bgShp">
-    <dgm:fillClrLst meth="repeat">
-      <a:schemeClr val="accent1">
-        <a:tint val="40000"/>
-      </a:schemeClr>
-    </dgm:fillClrLst>
-    <dgm:linClrLst meth="repeat">
-      <a:schemeClr val="accent1"/>
-    </dgm:linClrLst>
-    <dgm:effectClrLst/>
-    <dgm:txLinClrLst/>
-    <dgm:txFillClrLst meth="repeat">
-      <a:schemeClr val="dk1"/>
-    </dgm:txFillClrLst>
-    <dgm:txEffectClrLst/>
-  </dgm:styleLbl>
-  <dgm:styleLbl name="dkBgShp">
-    <dgm:fillClrLst meth="repeat">
-      <a:schemeClr val="accent1">
-        <a:shade val="80000"/>
-      </a:schemeClr>
-    </dgm:fillClrLst>
-    <dgm:linClrLst meth="repeat">
-      <a:schemeClr val="accent1"/>
-    </dgm:linClrLst>
-    <dgm:effectClrLst/>
-    <dgm:txLinClrLst/>
-    <dgm:txFillClrLst meth="repeat">
       <a:schemeClr val="lt1"/>
-    </dgm:txFillClrLst>
-    <dgm:txEffectClrLst/>
-  </dgm:styleLbl>
-  <dgm:styleLbl name="trBgShp">
-    <dgm:fillClrLst meth="repeat">
-      <a:schemeClr val="accent1">
-        <a:tint val="50000"/>
-        <a:alpha val="40000"/>
-      </a:schemeClr>
-    </dgm:fillClrLst>
-    <dgm:linClrLst meth="repeat">
-      <a:schemeClr val="accent1"/>
     </dgm:linClrLst>
     <dgm:effectClrLst/>
     <dgm:txLinClrLst/>
@@ -830,6 +499,218 @@
     <dgm:txLinClrLst/>
     <dgm:txFillClrLst meth="repeat">
       <a:schemeClr val="dk1"/>
+    </dgm:txFillClrLst>
+    <dgm:txEffectClrLst/>
+  </dgm:styleLbl>
+  <dgm:styleLbl name="fgSibTrans2D1">
+    <dgm:fillClrLst meth="repeat">
+      <a:schemeClr val="accent1">
+        <a:tint val="60000"/>
+      </a:schemeClr>
+    </dgm:fillClrLst>
+    <dgm:linClrLst meth="repeat">
+      <a:schemeClr val="accent1">
+        <a:tint val="60000"/>
+      </a:schemeClr>
+    </dgm:linClrLst>
+    <dgm:effectClrLst/>
+    <dgm:txLinClrLst/>
+    <dgm:txFillClrLst/>
+    <dgm:txEffectClrLst/>
+  </dgm:styleLbl>
+  <dgm:styleLbl name="lnNode1">
+    <dgm:fillClrLst meth="repeat">
+      <a:schemeClr val="accent1"/>
+    </dgm:fillClrLst>
+    <dgm:linClrLst meth="repeat">
+      <a:schemeClr val="lt1"/>
+    </dgm:linClrLst>
+    <dgm:effectClrLst/>
+    <dgm:txLinClrLst/>
+    <dgm:txFillClrLst/>
+    <dgm:txEffectClrLst/>
+  </dgm:styleLbl>
+  <dgm:styleLbl name="node0">
+    <dgm:fillClrLst meth="repeat">
+      <a:schemeClr val="accent1"/>
+    </dgm:fillClrLst>
+    <dgm:linClrLst meth="repeat">
+      <a:schemeClr val="lt1"/>
+    </dgm:linClrLst>
+    <dgm:effectClrLst/>
+    <dgm:txLinClrLst/>
+    <dgm:txFillClrLst/>
+    <dgm:txEffectClrLst/>
+  </dgm:styleLbl>
+  <dgm:styleLbl name="node1">
+    <dgm:fillClrLst meth="repeat">
+      <a:schemeClr val="accent1"/>
+    </dgm:fillClrLst>
+    <dgm:linClrLst meth="repeat">
+      <a:schemeClr val="lt1"/>
+    </dgm:linClrLst>
+    <dgm:effectClrLst/>
+    <dgm:txLinClrLst/>
+    <dgm:txFillClrLst/>
+    <dgm:txEffectClrLst/>
+  </dgm:styleLbl>
+  <dgm:styleLbl name="node2">
+    <dgm:fillClrLst meth="repeat">
+      <a:schemeClr val="accent1"/>
+    </dgm:fillClrLst>
+    <dgm:linClrLst meth="repeat">
+      <a:schemeClr val="lt1"/>
+    </dgm:linClrLst>
+    <dgm:effectClrLst/>
+    <dgm:txLinClrLst/>
+    <dgm:txFillClrLst/>
+    <dgm:txEffectClrLst/>
+  </dgm:styleLbl>
+  <dgm:styleLbl name="node3">
+    <dgm:fillClrLst meth="repeat">
+      <a:schemeClr val="accent1"/>
+    </dgm:fillClrLst>
+    <dgm:linClrLst meth="repeat">
+      <a:schemeClr val="lt1"/>
+    </dgm:linClrLst>
+    <dgm:effectClrLst/>
+    <dgm:txLinClrLst/>
+    <dgm:txFillClrLst/>
+    <dgm:txEffectClrLst/>
+  </dgm:styleLbl>
+  <dgm:styleLbl name="node4">
+    <dgm:fillClrLst meth="repeat">
+      <a:schemeClr val="accent1"/>
+    </dgm:fillClrLst>
+    <dgm:linClrLst meth="repeat">
+      <a:schemeClr val="lt1"/>
+    </dgm:linClrLst>
+    <dgm:effectClrLst/>
+    <dgm:txLinClrLst/>
+    <dgm:txFillClrLst/>
+    <dgm:txEffectClrLst/>
+  </dgm:styleLbl>
+  <dgm:styleLbl name="parChTrans1D1">
+    <dgm:fillClrLst meth="repeat">
+      <a:schemeClr val="accent1"/>
+    </dgm:fillClrLst>
+    <dgm:linClrLst meth="repeat">
+      <a:schemeClr val="accent1">
+        <a:shade val="60000"/>
+      </a:schemeClr>
+    </dgm:linClrLst>
+    <dgm:effectClrLst/>
+    <dgm:txLinClrLst/>
+    <dgm:txFillClrLst meth="repeat">
+      <a:schemeClr val="tx1"/>
+    </dgm:txFillClrLst>
+    <dgm:txEffectClrLst/>
+  </dgm:styleLbl>
+  <dgm:styleLbl name="parChTrans1D2">
+    <dgm:fillClrLst meth="repeat">
+      <a:schemeClr val="accent1"/>
+    </dgm:fillClrLst>
+    <dgm:linClrLst meth="repeat">
+      <a:schemeClr val="accent1">
+        <a:shade val="60000"/>
+      </a:schemeClr>
+    </dgm:linClrLst>
+    <dgm:effectClrLst/>
+    <dgm:txLinClrLst/>
+    <dgm:txFillClrLst meth="repeat">
+      <a:schemeClr val="tx1"/>
+    </dgm:txFillClrLst>
+    <dgm:txEffectClrLst/>
+  </dgm:styleLbl>
+  <dgm:styleLbl name="parChTrans1D3">
+    <dgm:fillClrLst meth="repeat">
+      <a:schemeClr val="accent1"/>
+    </dgm:fillClrLst>
+    <dgm:linClrLst meth="repeat">
+      <a:schemeClr val="accent1">
+        <a:shade val="80000"/>
+      </a:schemeClr>
+    </dgm:linClrLst>
+    <dgm:effectClrLst/>
+    <dgm:txLinClrLst/>
+    <dgm:txFillClrLst meth="repeat">
+      <a:schemeClr val="tx1"/>
+    </dgm:txFillClrLst>
+    <dgm:txEffectClrLst/>
+  </dgm:styleLbl>
+  <dgm:styleLbl name="parChTrans1D4">
+    <dgm:fillClrLst meth="repeat">
+      <a:schemeClr val="accent1"/>
+    </dgm:fillClrLst>
+    <dgm:linClrLst meth="repeat">
+      <a:schemeClr val="accent1">
+        <a:shade val="80000"/>
+      </a:schemeClr>
+    </dgm:linClrLst>
+    <dgm:effectClrLst/>
+    <dgm:txLinClrLst/>
+    <dgm:txFillClrLst meth="repeat">
+      <a:schemeClr val="tx1"/>
+    </dgm:txFillClrLst>
+    <dgm:txEffectClrLst/>
+  </dgm:styleLbl>
+  <dgm:styleLbl name="parChTrans2D1">
+    <dgm:fillClrLst meth="repeat">
+      <a:schemeClr val="accent1">
+        <a:tint val="60000"/>
+      </a:schemeClr>
+    </dgm:fillClrLst>
+    <dgm:linClrLst meth="repeat">
+      <a:schemeClr val="accent1">
+        <a:tint val="60000"/>
+      </a:schemeClr>
+    </dgm:linClrLst>
+    <dgm:effectClrLst/>
+    <dgm:txLinClrLst/>
+    <dgm:txFillClrLst meth="repeat">
+      <a:schemeClr val="lt1"/>
+    </dgm:txFillClrLst>
+    <dgm:txEffectClrLst/>
+  </dgm:styleLbl>
+  <dgm:styleLbl name="parChTrans2D2">
+    <dgm:fillClrLst meth="repeat">
+      <a:schemeClr val="accent1"/>
+    </dgm:fillClrLst>
+    <dgm:linClrLst meth="repeat">
+      <a:schemeClr val="accent1"/>
+    </dgm:linClrLst>
+    <dgm:effectClrLst/>
+    <dgm:txLinClrLst/>
+    <dgm:txFillClrLst meth="repeat">
+      <a:schemeClr val="lt1"/>
+    </dgm:txFillClrLst>
+    <dgm:txEffectClrLst/>
+  </dgm:styleLbl>
+  <dgm:styleLbl name="parChTrans2D3">
+    <dgm:fillClrLst meth="repeat">
+      <a:schemeClr val="accent1"/>
+    </dgm:fillClrLst>
+    <dgm:linClrLst meth="repeat">
+      <a:schemeClr val="accent1"/>
+    </dgm:linClrLst>
+    <dgm:effectClrLst/>
+    <dgm:txLinClrLst/>
+    <dgm:txFillClrLst meth="repeat">
+      <a:schemeClr val="lt1"/>
+    </dgm:txFillClrLst>
+    <dgm:txEffectClrLst/>
+  </dgm:styleLbl>
+  <dgm:styleLbl name="parChTrans2D4">
+    <dgm:fillClrLst meth="repeat">
+      <a:schemeClr val="accent1"/>
+    </dgm:fillClrLst>
+    <dgm:linClrLst meth="repeat">
+      <a:schemeClr val="accent1"/>
+    </dgm:linClrLst>
+    <dgm:effectClrLst/>
+    <dgm:txLinClrLst/>
+    <dgm:txFillClrLst meth="repeat">
+      <a:schemeClr val="lt1"/>
     </dgm:txFillClrLst>
     <dgm:txEffectClrLst/>
   </dgm:styleLbl>
@@ -851,6 +732,125 @@
     </dgm:txFillClrLst>
     <dgm:txEffectClrLst/>
   </dgm:styleLbl>
+  <dgm:styleLbl name="sibTrans1D1">
+    <dgm:fillClrLst meth="repeat">
+      <a:schemeClr val="accent1"/>
+    </dgm:fillClrLst>
+    <dgm:linClrLst meth="repeat">
+      <a:schemeClr val="accent1"/>
+    </dgm:linClrLst>
+    <dgm:effectClrLst/>
+    <dgm:txLinClrLst/>
+    <dgm:txFillClrLst meth="repeat">
+      <a:schemeClr val="tx1"/>
+    </dgm:txFillClrLst>
+    <dgm:txEffectClrLst/>
+  </dgm:styleLbl>
+  <dgm:styleLbl name="sibTrans2D1">
+    <dgm:fillClrLst meth="repeat">
+      <a:schemeClr val="accent1">
+        <a:tint val="60000"/>
+      </a:schemeClr>
+    </dgm:fillClrLst>
+    <dgm:linClrLst meth="repeat">
+      <a:schemeClr val="accent1">
+        <a:tint val="60000"/>
+      </a:schemeClr>
+    </dgm:linClrLst>
+    <dgm:effectClrLst/>
+    <dgm:txLinClrLst/>
+    <dgm:txFillClrLst/>
+    <dgm:txEffectClrLst/>
+  </dgm:styleLbl>
+  <dgm:styleLbl name="solidAlignAcc1">
+    <dgm:fillClrLst meth="repeat">
+      <a:schemeClr val="lt1"/>
+    </dgm:fillClrLst>
+    <dgm:linClrLst meth="repeat">
+      <a:schemeClr val="accent1"/>
+    </dgm:linClrLst>
+    <dgm:effectClrLst/>
+    <dgm:txLinClrLst/>
+    <dgm:txFillClrLst meth="repeat">
+      <a:schemeClr val="dk1"/>
+    </dgm:txFillClrLst>
+    <dgm:txEffectClrLst/>
+  </dgm:styleLbl>
+  <dgm:styleLbl name="solidBgAcc1">
+    <dgm:fillClrLst meth="repeat">
+      <a:schemeClr val="lt1"/>
+    </dgm:fillClrLst>
+    <dgm:linClrLst meth="repeat">
+      <a:schemeClr val="accent1"/>
+    </dgm:linClrLst>
+    <dgm:effectClrLst/>
+    <dgm:txLinClrLst/>
+    <dgm:txFillClrLst meth="repeat">
+      <a:schemeClr val="dk1"/>
+    </dgm:txFillClrLst>
+    <dgm:txEffectClrLst/>
+  </dgm:styleLbl>
+  <dgm:styleLbl name="solidFgAcc1">
+    <dgm:fillClrLst meth="repeat">
+      <a:schemeClr val="lt1"/>
+    </dgm:fillClrLst>
+    <dgm:linClrLst meth="repeat">
+      <a:schemeClr val="accent1"/>
+    </dgm:linClrLst>
+    <dgm:effectClrLst/>
+    <dgm:txLinClrLst/>
+    <dgm:txFillClrLst meth="repeat">
+      <a:schemeClr val="dk1"/>
+    </dgm:txFillClrLst>
+    <dgm:txEffectClrLst/>
+  </dgm:styleLbl>
+  <dgm:styleLbl name="trAlignAcc1">
+    <dgm:fillClrLst meth="repeat">
+      <a:schemeClr val="lt1">
+        <a:alpha val="40000"/>
+      </a:schemeClr>
+    </dgm:fillClrLst>
+    <dgm:linClrLst meth="repeat">
+      <a:schemeClr val="accent1"/>
+    </dgm:linClrLst>
+    <dgm:effectClrLst/>
+    <dgm:txLinClrLst/>
+    <dgm:txFillClrLst meth="repeat">
+      <a:schemeClr val="dk1"/>
+    </dgm:txFillClrLst>
+    <dgm:txEffectClrLst/>
+  </dgm:styleLbl>
+  <dgm:styleLbl name="trBgShp">
+    <dgm:fillClrLst meth="repeat">
+      <a:schemeClr val="accent1">
+        <a:tint val="50000"/>
+        <a:alpha val="40000"/>
+      </a:schemeClr>
+    </dgm:fillClrLst>
+    <dgm:linClrLst meth="repeat">
+      <a:schemeClr val="accent1"/>
+    </dgm:linClrLst>
+    <dgm:effectClrLst/>
+    <dgm:txLinClrLst/>
+    <dgm:txFillClrLst meth="repeat">
+      <a:schemeClr val="lt1"/>
+    </dgm:txFillClrLst>
+    <dgm:txEffectClrLst/>
+  </dgm:styleLbl>
+  <dgm:styleLbl name="vennNode1">
+    <dgm:fillClrLst meth="repeat">
+      <a:schemeClr val="accent1">
+        <a:alpha val="50000"/>
+      </a:schemeClr>
+    </dgm:fillClrLst>
+    <dgm:linClrLst meth="repeat">
+      <a:schemeClr val="lt1"/>
+    </dgm:linClrLst>
+    <dgm:effectClrLst/>
+    <dgm:txLinClrLst/>
+    <dgm:txFillClrLst/>
+    <dgm:txEffectClrLst/>
+  </dgm:styleLbl>
 </dgm:colorsDef>
 </file>
 
@@ -883,7 +883,7 @@
         </a:p>
       </dgm:t>
     </dgm:pt>
-    <dgm:pt modelId="{19289B89-A8A4-4EBD-910D-068219B5D98B}" type="parTrans" cxnId="{97ACD697-A797-44DD-BF14-2648365506F5}">
+    <dgm:pt modelId="{19289B89-A8A4-4EBD-910D-068219B5D98B}" cxnId="{326251C0-3462-4189-9763-0A54B14FCE0F}" type="parTrans">
       <dgm:prSet/>
       <dgm:spPr/>
       <dgm:t>
@@ -894,7 +894,7 @@
         </a:p>
       </dgm:t>
     </dgm:pt>
-    <dgm:pt modelId="{CCD03C31-13D5-476B-8108-43F9227DCA53}" type="sibTrans" cxnId="{97ACD697-A797-44DD-BF14-2648365506F5}">
+    <dgm:pt modelId="{CCD03C31-13D5-476B-8108-43F9227DCA53}" cxnId="{326251C0-3462-4189-9763-0A54B14FCE0F}" type="sibTrans">
       <dgm:prSet/>
       <dgm:spPr/>
       <dgm:t>
@@ -920,7 +920,7 @@
         </a:p>
       </dgm:t>
     </dgm:pt>
-    <dgm:pt modelId="{DD0CEC93-922B-468F-B617-3A19E8ABD9F1}" type="parTrans" cxnId="{1C7BD47E-AFE8-4728-B403-29CD1E291152}">
+    <dgm:pt modelId="{DD0CEC93-922B-468F-B617-3A19E8ABD9F1}" cxnId="{9F2CABBF-9319-4719-A82C-66F03D3EA45F}" type="parTrans">
       <dgm:prSet/>
       <dgm:spPr/>
       <dgm:t>
@@ -931,7 +931,7 @@
         </a:p>
       </dgm:t>
     </dgm:pt>
-    <dgm:pt modelId="{3AF64615-82E0-48ED-BF8D-CAFAF66376CD}" type="sibTrans" cxnId="{1C7BD47E-AFE8-4728-B403-29CD1E291152}">
+    <dgm:pt modelId="{3AF64615-82E0-48ED-BF8D-CAFAF66376CD}" cxnId="{9F2CABBF-9319-4719-A82C-66F03D3EA45F}" type="sibTrans">
       <dgm:prSet/>
       <dgm:spPr/>
       <dgm:t>
@@ -957,7 +957,7 @@
         </a:p>
       </dgm:t>
     </dgm:pt>
-    <dgm:pt modelId="{B7C7932E-C0FE-404A-8E5B-F3DAB42C8FA5}" type="parTrans" cxnId="{184F8FAA-AD3E-41A5-A58B-ECBE95380269}">
+    <dgm:pt modelId="{B7C7932E-C0FE-404A-8E5B-F3DAB42C8FA5}" cxnId="{1D54E664-79CE-42D3-8D6D-3F3C246B0C88}" type="parTrans">
       <dgm:prSet/>
       <dgm:spPr/>
       <dgm:t>
@@ -968,7 +968,7 @@
         </a:p>
       </dgm:t>
     </dgm:pt>
-    <dgm:pt modelId="{71531731-04FA-4C53-827C-B6C97CD2F68E}" type="sibTrans" cxnId="{184F8FAA-AD3E-41A5-A58B-ECBE95380269}">
+    <dgm:pt modelId="{71531731-04FA-4C53-827C-B6C97CD2F68E}" cxnId="{1D54E664-79CE-42D3-8D6D-3F3C246B0C88}" type="sibTrans">
       <dgm:prSet/>
       <dgm:spPr/>
       <dgm:t>
@@ -1002,7 +1002,7 @@
         </a:p>
       </dgm:t>
     </dgm:pt>
-    <dgm:pt modelId="{046656B6-807B-45AE-8ED1-993D97A9A7CF}" type="parTrans" cxnId="{3109C138-89CB-49E6-96FB-3D37A43D689D}">
+    <dgm:pt modelId="{046656B6-807B-45AE-8ED1-993D97A9A7CF}" cxnId="{C021A334-EE71-4D19-ABA6-5C9EDE7A3AD6}" type="parTrans">
       <dgm:prSet/>
       <dgm:spPr/>
       <dgm:t>
@@ -1013,7 +1013,7 @@
         </a:p>
       </dgm:t>
     </dgm:pt>
-    <dgm:pt modelId="{C37C0431-574A-4145-9DB6-C95E93F81744}" type="sibTrans" cxnId="{3109C138-89CB-49E6-96FB-3D37A43D689D}">
+    <dgm:pt modelId="{C37C0431-574A-4145-9DB6-C95E93F81744}" cxnId="{C021A334-EE71-4D19-ABA6-5C9EDE7A3AD6}" type="sibTrans">
       <dgm:prSet/>
       <dgm:spPr/>
       <dgm:t>
@@ -1039,7 +1039,7 @@
         </a:p>
       </dgm:t>
     </dgm:pt>
-    <dgm:pt modelId="{BDD2506F-4973-4F81-85D6-7052E08DA6B2}" type="parTrans" cxnId="{1B7FDECE-8E1A-4E49-89D6-B8DD59AD13D3}">
+    <dgm:pt modelId="{BDD2506F-4973-4F81-85D6-7052E08DA6B2}" cxnId="{976DE0A6-7FAD-40E8-9A98-7BF695604C77}" type="parTrans">
       <dgm:prSet/>
       <dgm:spPr/>
       <dgm:t>
@@ -1050,7 +1050,7 @@
         </a:p>
       </dgm:t>
     </dgm:pt>
-    <dgm:pt modelId="{D86B468C-3DA6-4759-9DDF-40917592BB5B}" type="sibTrans" cxnId="{1B7FDECE-8E1A-4E49-89D6-B8DD59AD13D3}">
+    <dgm:pt modelId="{D86B468C-3DA6-4759-9DDF-40917592BB5B}" cxnId="{976DE0A6-7FAD-40E8-9A98-7BF695604C77}" type="sibTrans">
       <dgm:prSet/>
       <dgm:spPr/>
       <dgm:t>
@@ -1088,7 +1088,7 @@
         </a:p>
       </dgm:t>
     </dgm:pt>
-    <dgm:pt modelId="{85B5BE1D-30CB-4853-BB60-A259FF117308}" type="parTrans" cxnId="{3721C812-9FAC-415D-943C-DF96531E10D0}">
+    <dgm:pt modelId="{85B5BE1D-30CB-4853-BB60-A259FF117308}" cxnId="{BB95DBCC-C269-4C56-A241-CAC419256ED7}" type="parTrans">
       <dgm:prSet/>
       <dgm:spPr/>
       <dgm:t>
@@ -1099,7 +1099,7 @@
         </a:p>
       </dgm:t>
     </dgm:pt>
-    <dgm:pt modelId="{B4D0CC9F-CCB6-4A0B-B29A-139EFE1B4899}" type="sibTrans" cxnId="{3721C812-9FAC-415D-943C-DF96531E10D0}">
+    <dgm:pt modelId="{B4D0CC9F-CCB6-4A0B-B29A-139EFE1B4899}" cxnId="{BB95DBCC-C269-4C56-A241-CAC419256ED7}" type="sibTrans">
       <dgm:prSet/>
       <dgm:spPr/>
       <dgm:t>
@@ -1133,7 +1133,7 @@
         </a:p>
       </dgm:t>
     </dgm:pt>
-    <dgm:pt modelId="{C5407FEB-DF19-4725-BB3B-89361997E00C}" type="parTrans" cxnId="{E396D17F-B8FB-41DC-BD78-C71626AACDDE}">
+    <dgm:pt modelId="{C5407FEB-DF19-4725-BB3B-89361997E00C}" cxnId="{95C52FCC-9D16-4899-9B36-7BE47AC2B30F}" type="parTrans">
       <dgm:prSet/>
       <dgm:spPr/>
       <dgm:t>
@@ -1144,7 +1144,7 @@
         </a:p>
       </dgm:t>
     </dgm:pt>
-    <dgm:pt modelId="{46158A29-6178-4AE8-8A6C-0538663331B6}" type="sibTrans" cxnId="{E396D17F-B8FB-41DC-BD78-C71626AACDDE}">
+    <dgm:pt modelId="{46158A29-6178-4AE8-8A6C-0538663331B6}" cxnId="{95C52FCC-9D16-4899-9B36-7BE47AC2B30F}" type="sibTrans">
       <dgm:prSet/>
       <dgm:spPr/>
       <dgm:t>
@@ -1170,7 +1170,7 @@
         </a:p>
       </dgm:t>
     </dgm:pt>
-    <dgm:pt modelId="{ACB82E48-88E0-409E-8001-901206BCBA7E}" type="parTrans" cxnId="{37384F7A-5B4A-485B-894D-5558F050A119}">
+    <dgm:pt modelId="{ACB82E48-88E0-409E-8001-901206BCBA7E}" cxnId="{9D6FFCB4-0141-4A71-8D4F-A83DD7D181EA}" type="parTrans">
       <dgm:prSet/>
       <dgm:spPr/>
       <dgm:t>
@@ -1181,7 +1181,7 @@
         </a:p>
       </dgm:t>
     </dgm:pt>
-    <dgm:pt modelId="{055D5530-3C39-452F-9080-454E0EDD7B66}" type="sibTrans" cxnId="{37384F7A-5B4A-485B-894D-5558F050A119}">
+    <dgm:pt modelId="{055D5530-3C39-452F-9080-454E0EDD7B66}" cxnId="{9D6FFCB4-0141-4A71-8D4F-A83DD7D181EA}" type="sibTrans">
       <dgm:prSet/>
       <dgm:spPr/>
       <dgm:t>
@@ -1211,7 +1211,7 @@
         </a:p>
       </dgm:t>
     </dgm:pt>
-    <dgm:pt modelId="{535EF58F-C43C-41C7-9444-FEBB2A2C2D40}" type="parTrans" cxnId="{1C06415F-4847-4812-8619-7172F9AE9861}">
+    <dgm:pt modelId="{535EF58F-C43C-41C7-9444-FEBB2A2C2D40}" cxnId="{EEA7A5E3-991C-4C92-BCDA-C76F74C7F120}" type="parTrans">
       <dgm:prSet/>
       <dgm:spPr/>
       <dgm:t>
@@ -1222,7 +1222,7 @@
         </a:p>
       </dgm:t>
     </dgm:pt>
-    <dgm:pt modelId="{8CA570DD-B7F2-498C-8C81-4CBC92B4CCAC}" type="sibTrans" cxnId="{1C06415F-4847-4812-8619-7172F9AE9861}">
+    <dgm:pt modelId="{8CA570DD-B7F2-498C-8C81-4CBC92B4CCAC}" cxnId="{EEA7A5E3-991C-4C92-BCDA-C76F74C7F120}" type="sibTrans">
       <dgm:prSet/>
       <dgm:spPr/>
       <dgm:t>
@@ -1234,25 +1234,55 @@
       </dgm:t>
     </dgm:pt>
     <dgm:pt modelId="{F2D30C52-0B3F-4C99-AAD4-9AB03495DF13}">
-      <dgm:prSet/>
+      <dgm:prSet phldr="0" custT="0"/>
       <dgm:spPr/>
       <dgm:t>
-        <a:bodyPr/>
-        <a:lstStyle/>
+        <a:bodyPr vert="horz" wrap="square"/>
         <a:p>
+          <a:pPr>
+            <a:lnSpc>
+              <a:spcPct val="100000"/>
+            </a:lnSpc>
+            <a:spcBef>
+              <a:spcPct val="0"/>
+            </a:spcBef>
+            <a:spcAft>
+              <a:spcPct val="35000"/>
+            </a:spcAft>
+          </a:pPr>
           <a:r>
             <a:rPr lang="en-US" altLang="zh-CN" dirty="0" smtClean="0"/>
             <a:t>OCV</a:t>
           </a:r>
           <a:r>
             <a:rPr lang="zh-CN" altLang="en-US" dirty="0" smtClean="0"/>
-            <a:t>测试完成判断</a:t>
+            <a:t>测试完成判断（</a:t>
+          </a:r>
+          <a:r>
+            <a:rPr lang="zh-CN" altLang="en-US" dirty="0" smtClean="0"/>
+            <a:t>测正负极</a:t>
+          </a:r>
+          <a:r>
+            <a:rPr lang="zh-CN" altLang="en-US" dirty="0" smtClean="0"/>
+            <a:t>，</a:t>
+          </a:r>
+          <a:r>
+            <a:rPr lang="en-US" altLang="zh-CN" dirty="0" smtClean="0"/>
+            <a:t>测试温度</a:t>
+          </a:r>
+          <a:r>
+            <a:rPr lang="zh-CN" altLang="en-US" dirty="0" smtClean="0"/>
+            <a:t>）</a:t>
+          </a:r>
+          <a:r>
+            <a:rPr lang="zh-CN" altLang="en-US" dirty="0"/>
+            <a:t/>
           </a:r>
           <a:endParaRPr lang="zh-CN" altLang="en-US" dirty="0"/>
         </a:p>
       </dgm:t>
     </dgm:pt>
-    <dgm:pt modelId="{5830A598-451C-4D8C-BEEE-B7298A11BF50}" type="parTrans" cxnId="{3E7D75AD-1C7E-48CC-8105-0D7949E7F4E3}">
+    <dgm:pt modelId="{5830A598-451C-4D8C-BEEE-B7298A11BF50}" cxnId="{6EE9E44B-5235-4DC0-B2F2-B3627648FDF7}" type="parTrans">
       <dgm:prSet/>
       <dgm:spPr/>
       <dgm:t>
@@ -1263,7 +1293,7 @@
         </a:p>
       </dgm:t>
     </dgm:pt>
-    <dgm:pt modelId="{9374BF70-103F-44E0-9392-7D18B9BEADF0}" type="sibTrans" cxnId="{3E7D75AD-1C7E-48CC-8105-0D7949E7F4E3}">
+    <dgm:pt modelId="{9374BF70-103F-44E0-9392-7D18B9BEADF0}" cxnId="{6EE9E44B-5235-4DC0-B2F2-B3627648FDF7}" type="sibTrans">
       <dgm:prSet/>
       <dgm:spPr/>
       <dgm:t>
@@ -1289,7 +1319,7 @@
         </a:p>
       </dgm:t>
     </dgm:pt>
-    <dgm:pt modelId="{96642CA4-2AD9-4AC9-8F9D-61DEA3B91420}" type="parTrans" cxnId="{FFB24312-C173-49FE-998C-B6935FAEA8B3}">
+    <dgm:pt modelId="{96642CA4-2AD9-4AC9-8F9D-61DEA3B91420}" cxnId="{09168100-F9FB-4DA3-9552-1453473F0581}" type="parTrans">
       <dgm:prSet/>
       <dgm:spPr/>
       <dgm:t>
@@ -1300,7 +1330,7 @@
         </a:p>
       </dgm:t>
     </dgm:pt>
-    <dgm:pt modelId="{2337C8C6-9153-4C2B-9594-EF42877E4B17}" type="sibTrans" cxnId="{FFB24312-C173-49FE-998C-B6935FAEA8B3}">
+    <dgm:pt modelId="{2337C8C6-9153-4C2B-9594-EF42877E4B17}" cxnId="{09168100-F9FB-4DA3-9552-1453473F0581}" type="sibTrans">
       <dgm:prSet/>
       <dgm:spPr/>
       <dgm:t>
@@ -1330,7 +1360,7 @@
         </a:p>
       </dgm:t>
     </dgm:pt>
-    <dgm:pt modelId="{807535F2-A617-4E7A-A35B-DDF85BD73BE8}" type="parTrans" cxnId="{3544C129-5546-433C-B91D-DA2C13833208}">
+    <dgm:pt modelId="{807535F2-A617-4E7A-A35B-DDF85BD73BE8}" cxnId="{CC8410D0-BB7E-4E46-8887-B3E4C25A2219}" type="parTrans">
       <dgm:prSet/>
       <dgm:spPr/>
       <dgm:t>
@@ -1341,7 +1371,7 @@
         </a:p>
       </dgm:t>
     </dgm:pt>
-    <dgm:pt modelId="{5952F008-2E45-470F-BF56-26F20D392133}" type="sibTrans" cxnId="{3544C129-5546-433C-B91D-DA2C13833208}">
+    <dgm:pt modelId="{5952F008-2E45-470F-BF56-26F20D392133}" cxnId="{CC8410D0-BB7E-4E46-8887-B3E4C25A2219}" type="sibTrans">
       <dgm:prSet/>
       <dgm:spPr/>
       <dgm:t>
@@ -1367,7 +1397,7 @@
         </a:p>
       </dgm:t>
     </dgm:pt>
-    <dgm:pt modelId="{531666D9-C045-45CD-AC50-D6E0E474E8C4}" type="parTrans" cxnId="{A06487E2-80B8-4EAF-BB0B-AF9B7D2A08E8}">
+    <dgm:pt modelId="{531666D9-C045-45CD-AC50-D6E0E474E8C4}" cxnId="{FD6AD115-72E3-4BCE-A59A-3342F5204D60}" type="parTrans">
       <dgm:prSet/>
       <dgm:spPr/>
       <dgm:t>
@@ -1378,7 +1408,7 @@
         </a:p>
       </dgm:t>
     </dgm:pt>
-    <dgm:pt modelId="{E74DD217-2C2F-48DC-B031-1AA425F2B298}" type="sibTrans" cxnId="{A06487E2-80B8-4EAF-BB0B-AF9B7D2A08E8}">
+    <dgm:pt modelId="{E74DD217-2C2F-48DC-B031-1AA425F2B298}" cxnId="{FD6AD115-72E3-4BCE-A59A-3342F5204D60}" type="sibTrans">
       <dgm:prSet/>
       <dgm:spPr/>
       <dgm:t>
@@ -1404,7 +1434,7 @@
         </a:p>
       </dgm:t>
     </dgm:pt>
-    <dgm:pt modelId="{4F1CE718-86C9-4EAC-B10D-CEBFB06EF4F8}" type="parTrans" cxnId="{63CA99F9-E32F-4ECF-838F-BCA311999075}">
+    <dgm:pt modelId="{4F1CE718-86C9-4EAC-B10D-CEBFB06EF4F8}" cxnId="{44614BB4-CC90-49DD-AE96-175D25322408}" type="parTrans">
       <dgm:prSet/>
       <dgm:spPr/>
       <dgm:t>
@@ -1415,7 +1445,7 @@
         </a:p>
       </dgm:t>
     </dgm:pt>
-    <dgm:pt modelId="{7B66EFC1-1EF8-4C21-8FED-2CC0C49812EE}" type="sibTrans" cxnId="{63CA99F9-E32F-4ECF-838F-BCA311999075}">
+    <dgm:pt modelId="{7B66EFC1-1EF8-4C21-8FED-2CC0C49812EE}" cxnId="{44614BB4-CC90-49DD-AE96-175D25322408}" type="sibTrans">
       <dgm:prSet/>
       <dgm:spPr/>
       <dgm:t>
@@ -1441,7 +1471,7 @@
         </a:p>
       </dgm:t>
     </dgm:pt>
-    <dgm:pt modelId="{C27F3E55-C9C6-458C-9256-1F438D1CC239}" type="parTrans" cxnId="{A65F4E5A-4D0F-4D06-8E52-2F21B4C4B518}">
+    <dgm:pt modelId="{C27F3E55-C9C6-458C-9256-1F438D1CC239}" cxnId="{FE04DDB0-EDAC-4CB8-A027-E9EC708A5A9D}" type="parTrans">
       <dgm:prSet/>
       <dgm:spPr/>
       <dgm:t>
@@ -1452,7 +1482,7 @@
         </a:p>
       </dgm:t>
     </dgm:pt>
-    <dgm:pt modelId="{31B92559-BE59-4D1D-A221-E2C35D54BF2A}" type="sibTrans" cxnId="{A65F4E5A-4D0F-4D06-8E52-2F21B4C4B518}">
+    <dgm:pt modelId="{31B92559-BE59-4D1D-A221-E2C35D54BF2A}" cxnId="{FE04DDB0-EDAC-4CB8-A027-E9EC708A5A9D}" type="sibTrans">
       <dgm:prSet/>
       <dgm:spPr/>
       <dgm:t>
@@ -1478,7 +1508,7 @@
         </a:p>
       </dgm:t>
     </dgm:pt>
-    <dgm:pt modelId="{14E93F31-7DF3-4CA7-9A7C-BAE8532DA2F5}" type="parTrans" cxnId="{391A75B9-6A55-43F6-861B-6184DD3A4E72}">
+    <dgm:pt modelId="{14E93F31-7DF3-4CA7-9A7C-BAE8532DA2F5}" cxnId="{FBF523AC-6730-4BFE-A317-B7598C069324}" type="parTrans">
       <dgm:prSet/>
       <dgm:spPr/>
       <dgm:t>
@@ -1489,7 +1519,7 @@
         </a:p>
       </dgm:t>
     </dgm:pt>
-    <dgm:pt modelId="{440BA33D-61ED-486C-8D7E-52455B7F046A}" type="sibTrans" cxnId="{391A75B9-6A55-43F6-861B-6184DD3A4E72}">
+    <dgm:pt modelId="{440BA33D-61ED-486C-8D7E-52455B7F046A}" cxnId="{FBF523AC-6730-4BFE-A317-B7598C069324}" type="sibTrans">
       <dgm:prSet/>
       <dgm:spPr/>
       <dgm:t>
@@ -1533,7 +1563,7 @@
       <dgm:spPr/>
     </dgm:pt>
     <dgm:pt modelId="{89865745-9095-4BBE-A14A-22C15F0F31DE}" type="pres">
-      <dgm:prSet presAssocID="{345E7BEB-41C7-48A7-BB40-02DCF9CA36D9}" presName="padding" presStyleLbl="node1" presStyleIdx="0" presStyleCnt="16"/>
+      <dgm:prSet presAssocID="{345E7BEB-41C7-48A7-BB40-02DCF9CA36D9}" presName="padding" presStyleCnt="0"/>
       <dgm:spPr/>
     </dgm:pt>
     <dgm:pt modelId="{78E6C40F-6BF6-49CD-9067-FDAEE0E95E3B}" type="pres">
@@ -1553,7 +1583,7 @@
       <dgm:spPr/>
     </dgm:pt>
     <dgm:pt modelId="{8E66003D-225F-40F9-8E83-59169B8F1445}" type="pres">
-      <dgm:prSet presAssocID="{9F20A4F9-76C5-45D8-BF5B-E03BCF0EEE8A}" presName="padding" presStyleLbl="node1" presStyleIdx="1" presStyleCnt="16"/>
+      <dgm:prSet presAssocID="{9F20A4F9-76C5-45D8-BF5B-E03BCF0EEE8A}" presName="padding" presStyleCnt="0"/>
       <dgm:spPr/>
     </dgm:pt>
     <dgm:pt modelId="{B3FD1B59-A7F2-4285-A845-B2138697599D}" type="pres">
@@ -1580,7 +1610,7 @@
       <dgm:spPr/>
     </dgm:pt>
     <dgm:pt modelId="{A739A5FE-BD39-4892-A81D-A6F5AB8C367E}" type="pres">
-      <dgm:prSet presAssocID="{67465902-BE76-4775-A3E0-CB0C1DAD7084}" presName="padding" presStyleLbl="node1" presStyleIdx="2" presStyleCnt="16"/>
+      <dgm:prSet presAssocID="{67465902-BE76-4775-A3E0-CB0C1DAD7084}" presName="padding" presStyleCnt="0"/>
       <dgm:spPr/>
     </dgm:pt>
     <dgm:pt modelId="{18B76B29-5D37-4412-B0F1-E18F407316D1}" type="pres">
@@ -1607,7 +1637,7 @@
       <dgm:spPr/>
     </dgm:pt>
     <dgm:pt modelId="{48D9128D-121F-49B4-9C31-AB0A906DDF7D}" type="pres">
-      <dgm:prSet presAssocID="{BE97ACA0-EDD7-4893-9EFD-931909BAF95E}" presName="padding" presStyleLbl="node1" presStyleIdx="3" presStyleCnt="16"/>
+      <dgm:prSet presAssocID="{BE97ACA0-EDD7-4893-9EFD-931909BAF95E}" presName="padding" presStyleCnt="0"/>
       <dgm:spPr/>
     </dgm:pt>
     <dgm:pt modelId="{388B0043-7E2F-4DEE-8133-5F40D4401FB9}" type="pres">
@@ -1627,7 +1657,7 @@
       <dgm:spPr/>
     </dgm:pt>
     <dgm:pt modelId="{99AB5E13-77B8-4396-BCEC-C9CA562E8893}" type="pres">
-      <dgm:prSet presAssocID="{0CCB25E9-7A41-4E1C-9789-62BBF85794F6}" presName="padding" presStyleLbl="node1" presStyleIdx="4" presStyleCnt="16"/>
+      <dgm:prSet presAssocID="{0CCB25E9-7A41-4E1C-9789-62BBF85794F6}" presName="padding" presStyleCnt="0"/>
       <dgm:spPr/>
     </dgm:pt>
     <dgm:pt modelId="{5E63FDEA-692D-43C9-80A7-5EB8ADADE16F}" type="pres">
@@ -1654,7 +1684,7 @@
       <dgm:spPr/>
     </dgm:pt>
     <dgm:pt modelId="{FEA78E5E-C177-4209-9D24-BA31E1C3EC72}" type="pres">
-      <dgm:prSet presAssocID="{56E335E1-74D1-4530-A006-A7F3CF25EA40}" presName="padding" presStyleLbl="node1" presStyleIdx="5" presStyleCnt="16"/>
+      <dgm:prSet presAssocID="{56E335E1-74D1-4530-A006-A7F3CF25EA40}" presName="padding" presStyleCnt="0"/>
       <dgm:spPr/>
     </dgm:pt>
     <dgm:pt modelId="{A4B7A0A1-AA91-404F-8084-177422378F89}" type="pres">
@@ -1674,7 +1704,7 @@
       <dgm:spPr/>
     </dgm:pt>
     <dgm:pt modelId="{3234BA02-1D0B-46E6-B69B-DE2E33CD3298}" type="pres">
-      <dgm:prSet presAssocID="{FBD716DD-B4DD-493D-9F39-D9CDCBF33ECB}" presName="padding" presStyleLbl="node1" presStyleIdx="6" presStyleCnt="16"/>
+      <dgm:prSet presAssocID="{FBD716DD-B4DD-493D-9F39-D9CDCBF33ECB}" presName="padding" presStyleCnt="0"/>
       <dgm:spPr/>
     </dgm:pt>
     <dgm:pt modelId="{8CE3665B-06B6-4127-8A60-857E06BF3FCD}" type="pres">
@@ -1694,7 +1724,7 @@
       <dgm:spPr/>
     </dgm:pt>
     <dgm:pt modelId="{624B4E51-5C84-418C-BEF4-A839265894D0}" type="pres">
-      <dgm:prSet presAssocID="{F07E3D99-7306-49CA-A18F-EF8F01746628}" presName="padding" presStyleLbl="node1" presStyleIdx="7" presStyleCnt="16"/>
+      <dgm:prSet presAssocID="{F07E3D99-7306-49CA-A18F-EF8F01746628}" presName="padding" presStyleCnt="0"/>
       <dgm:spPr/>
     </dgm:pt>
     <dgm:pt modelId="{79B01941-F618-439C-B4EB-5FD94BCB128D}" type="pres">
@@ -1714,7 +1744,7 @@
       <dgm:spPr/>
     </dgm:pt>
     <dgm:pt modelId="{5D699ABB-577D-4D95-ADB1-C2E60F15654F}" type="pres">
-      <dgm:prSet presAssocID="{F2D30C52-0B3F-4C99-AAD4-9AB03495DF13}" presName="padding" presStyleLbl="node1" presStyleIdx="8" presStyleCnt="16"/>
+      <dgm:prSet presAssocID="{F2D30C52-0B3F-4C99-AAD4-9AB03495DF13}" presName="padding" presStyleCnt="0"/>
       <dgm:spPr/>
     </dgm:pt>
     <dgm:pt modelId="{A13C6226-CA96-4B54-9040-9B6E1F6DD7AA}" type="pres">
@@ -1734,7 +1764,7 @@
       <dgm:spPr/>
     </dgm:pt>
     <dgm:pt modelId="{C12F7518-8F05-4F92-BD09-258C75DBF597}" type="pres">
-      <dgm:prSet presAssocID="{A13F3273-A14E-424F-B0CE-93999E7C417C}" presName="padding" presStyleLbl="node1" presStyleIdx="9" presStyleCnt="16"/>
+      <dgm:prSet presAssocID="{A13F3273-A14E-424F-B0CE-93999E7C417C}" presName="padding" presStyleCnt="0"/>
       <dgm:spPr/>
     </dgm:pt>
     <dgm:pt modelId="{0221DA78-ECD3-4E3B-A28A-62649072BFBA}" type="pres">
@@ -1754,7 +1784,7 @@
       <dgm:spPr/>
     </dgm:pt>
     <dgm:pt modelId="{7BB46F0E-61E5-4364-BC21-3C8E13F7A9F2}" type="pres">
-      <dgm:prSet presAssocID="{B4945195-6A25-48C7-9912-2F262399477B}" presName="padding" presStyleLbl="node1" presStyleIdx="10" presStyleCnt="16"/>
+      <dgm:prSet presAssocID="{B4945195-6A25-48C7-9912-2F262399477B}" presName="padding" presStyleCnt="0"/>
       <dgm:spPr/>
     </dgm:pt>
     <dgm:pt modelId="{9EC41427-B82F-441B-99EB-115ED537FFFE}" type="pres">
@@ -1774,7 +1804,7 @@
       <dgm:spPr/>
     </dgm:pt>
     <dgm:pt modelId="{AC29D36F-DAC7-4DE1-89F7-B0959FB7401D}" type="pres">
-      <dgm:prSet presAssocID="{5D4500B0-7424-469D-8A66-2FDF2A7C5793}" presName="padding" presStyleLbl="node1" presStyleIdx="11" presStyleCnt="16"/>
+      <dgm:prSet presAssocID="{5D4500B0-7424-469D-8A66-2FDF2A7C5793}" presName="padding" presStyleCnt="0"/>
       <dgm:spPr/>
     </dgm:pt>
     <dgm:pt modelId="{89946A38-C436-40F5-A830-AF1DBFDE465F}" type="pres">
@@ -1794,7 +1824,7 @@
       <dgm:spPr/>
     </dgm:pt>
     <dgm:pt modelId="{EE42FCAD-35DC-47D9-BE8B-5B5D20352EA2}" type="pres">
-      <dgm:prSet presAssocID="{09E145BE-7A52-4AFF-9E44-BF5CCA3D2A2F}" presName="padding" presStyleLbl="node1" presStyleIdx="12" presStyleCnt="16"/>
+      <dgm:prSet presAssocID="{09E145BE-7A52-4AFF-9E44-BF5CCA3D2A2F}" presName="padding" presStyleCnt="0"/>
       <dgm:spPr/>
     </dgm:pt>
     <dgm:pt modelId="{1CA4E8C6-4323-4106-BE67-7E987C17AC88}" type="pres">
@@ -1814,7 +1844,7 @@
       <dgm:spPr/>
     </dgm:pt>
     <dgm:pt modelId="{BA0ED8A5-CB28-4D1A-9DC9-354BF52F85F3}" type="pres">
-      <dgm:prSet presAssocID="{F486A566-076D-4CD1-827C-7DC1F353A4FB}" presName="padding" presStyleLbl="node1" presStyleIdx="13" presStyleCnt="16"/>
+      <dgm:prSet presAssocID="{F486A566-076D-4CD1-827C-7DC1F353A4FB}" presName="padding" presStyleCnt="0"/>
       <dgm:spPr/>
     </dgm:pt>
     <dgm:pt modelId="{5900D13B-BFCB-4FE7-BB9F-5F363256ED39}" type="pres">
@@ -1839,117 +1869,2349 @@
     </dgm:pt>
   </dgm:ptLst>
   <dgm:cxnLst>
-    <dgm:cxn modelId="{529DE3A8-B69A-443E-980C-858E78058032}" type="presOf" srcId="{09E145BE-7A52-4AFF-9E44-BF5CCA3D2A2F}" destId="{1CA4E8C6-4323-4106-BE67-7E987C17AC88}" srcOrd="0" destOrd="0" presId="urn:microsoft.com/office/officeart/2005/8/layout/bProcess2"/>
-    <dgm:cxn modelId="{3E7D75AD-1C7E-48CC-8105-0D7949E7F4E3}" srcId="{3D31715E-7A14-4D65-8817-87CFB3E86CEF}" destId="{F2D30C52-0B3F-4C99-AAD4-9AB03495DF13}" srcOrd="9" destOrd="0" parTransId="{5830A598-451C-4D8C-BEEE-B7298A11BF50}" sibTransId="{9374BF70-103F-44E0-9392-7D18B9BEADF0}"/>
-    <dgm:cxn modelId="{CC6741F5-80EC-43FE-881B-B504940AE0D5}" type="presOf" srcId="{345E7BEB-41C7-48A7-BB40-02DCF9CA36D9}" destId="{78E6C40F-6BF6-49CD-9067-FDAEE0E95E3B}" srcOrd="0" destOrd="0" presId="urn:microsoft.com/office/officeart/2005/8/layout/bProcess2"/>
-    <dgm:cxn modelId="{2827D203-B509-4374-BD3A-033204E68D1D}" type="presOf" srcId="{BE97ACA0-EDD7-4893-9EFD-931909BAF95E}" destId="{388B0043-7E2F-4DEE-8133-5F40D4401FB9}" srcOrd="0" destOrd="0" presId="urn:microsoft.com/office/officeart/2005/8/layout/bProcess2"/>
-    <dgm:cxn modelId="{16C975C7-1295-4851-AE86-6BA356E5DBC4}" type="presOf" srcId="{A13F3273-A14E-424F-B0CE-93999E7C417C}" destId="{0221DA78-ECD3-4E3B-A28A-62649072BFBA}" srcOrd="0" destOrd="0" presId="urn:microsoft.com/office/officeart/2005/8/layout/bProcess2"/>
-    <dgm:cxn modelId="{E91F4139-5FA8-406A-891F-17DB316DF689}" type="presOf" srcId="{F486A566-076D-4CD1-827C-7DC1F353A4FB}" destId="{5900D13B-BFCB-4FE7-BB9F-5F363256ED39}" srcOrd="0" destOrd="0" presId="urn:microsoft.com/office/officeart/2005/8/layout/bProcess2"/>
-    <dgm:cxn modelId="{4AE868C1-F768-4899-88D5-37E22B2E48CC}" type="presOf" srcId="{B4D0CC9F-CCB6-4A0B-B29A-139EFE1B4899}" destId="{E667DE20-179B-4C3E-B9BF-03AE41624181}" srcOrd="0" destOrd="0" presId="urn:microsoft.com/office/officeart/2005/8/layout/bProcess2"/>
-    <dgm:cxn modelId="{A06487E2-80B8-4EAF-BB0B-AF9B7D2A08E8}" srcId="{3D31715E-7A14-4D65-8817-87CFB3E86CEF}" destId="{5D4500B0-7424-469D-8A66-2FDF2A7C5793}" srcOrd="12" destOrd="0" parTransId="{531666D9-C045-45CD-AC50-D6E0E474E8C4}" sibTransId="{E74DD217-2C2F-48DC-B031-1AA425F2B298}"/>
-    <dgm:cxn modelId="{0CB6BEDB-6CBA-4444-8F82-3C3E1847B28F}" type="presOf" srcId="{71531731-04FA-4C53-827C-B6C97CD2F68E}" destId="{1D775ADC-0BEC-4875-A2FB-95DC41B2326C}" srcOrd="0" destOrd="0" presId="urn:microsoft.com/office/officeart/2005/8/layout/bProcess2"/>
-    <dgm:cxn modelId="{10B83746-A41B-448C-96FE-DC3362DE2932}" type="presOf" srcId="{29DC8BC9-1EAA-46A3-A559-2BDE7862C516}" destId="{AA54F83E-0F4A-4791-871B-1779F45DCC43}" srcOrd="0" destOrd="0" presId="urn:microsoft.com/office/officeart/2005/8/layout/bProcess2"/>
-    <dgm:cxn modelId="{CC2F87E4-C67C-4F71-943F-798121A79F7F}" type="presOf" srcId="{F07E3D99-7306-49CA-A18F-EF8F01746628}" destId="{79B01941-F618-439C-B4EB-5FD94BCB128D}" srcOrd="0" destOrd="0" presId="urn:microsoft.com/office/officeart/2005/8/layout/bProcess2"/>
-    <dgm:cxn modelId="{DE6988ED-5DE0-4253-9005-A8A3B6012A1B}" type="presOf" srcId="{67465902-BE76-4775-A3E0-CB0C1DAD7084}" destId="{18B76B29-5D37-4412-B0F1-E18F407316D1}" srcOrd="0" destOrd="0" presId="urn:microsoft.com/office/officeart/2005/8/layout/bProcess2"/>
-    <dgm:cxn modelId="{E396D17F-B8FB-41DC-BD78-C71626AACDDE}" srcId="{3D31715E-7A14-4D65-8817-87CFB3E86CEF}" destId="{56E335E1-74D1-4530-A006-A7F3CF25EA40}" srcOrd="6" destOrd="0" parTransId="{C5407FEB-DF19-4725-BB3B-89361997E00C}" sibTransId="{46158A29-6178-4AE8-8A6C-0538663331B6}"/>
-    <dgm:cxn modelId="{F81A5E34-9B4C-4EC2-A080-A2757FD80093}" type="presOf" srcId="{A57A884F-46F4-432F-A892-77C5B42AD57D}" destId="{3D9D06BB-D3D3-4449-9FFE-B216A8724DBE}" srcOrd="0" destOrd="0" presId="urn:microsoft.com/office/officeart/2005/8/layout/bProcess2"/>
-    <dgm:cxn modelId="{8FAD57C4-A706-4DAE-A347-4401D786E84C}" type="presOf" srcId="{56E335E1-74D1-4530-A006-A7F3CF25EA40}" destId="{A4B7A0A1-AA91-404F-8084-177422378F89}" srcOrd="0" destOrd="0" presId="urn:microsoft.com/office/officeart/2005/8/layout/bProcess2"/>
-    <dgm:cxn modelId="{10635F60-414C-46AF-9AD9-EFDA06876F39}" type="presOf" srcId="{0CCB25E9-7A41-4E1C-9789-62BBF85794F6}" destId="{5E63FDEA-692D-43C9-80A7-5EB8ADADE16F}" srcOrd="0" destOrd="0" presId="urn:microsoft.com/office/officeart/2005/8/layout/bProcess2"/>
-    <dgm:cxn modelId="{5A8BD283-C14C-41FA-AF08-956EA8FD22A0}" type="presOf" srcId="{2337C8C6-9153-4C2B-9594-EF42877E4B17}" destId="{4F168077-B952-47C6-8730-0C40F27AF78A}" srcOrd="0" destOrd="0" presId="urn:microsoft.com/office/officeart/2005/8/layout/bProcess2"/>
-    <dgm:cxn modelId="{A65F4E5A-4D0F-4D06-8E52-2F21B4C4B518}" srcId="{3D31715E-7A14-4D65-8817-87CFB3E86CEF}" destId="{F486A566-076D-4CD1-827C-7DC1F353A4FB}" srcOrd="14" destOrd="0" parTransId="{C27F3E55-C9C6-458C-9256-1F438D1CC239}" sibTransId="{31B92559-BE59-4D1D-A221-E2C35D54BF2A}"/>
-    <dgm:cxn modelId="{37384F7A-5B4A-485B-894D-5558F050A119}" srcId="{3D31715E-7A14-4D65-8817-87CFB3E86CEF}" destId="{FBD716DD-B4DD-493D-9F39-D9CDCBF33ECB}" srcOrd="7" destOrd="0" parTransId="{ACB82E48-88E0-409E-8001-901206BCBA7E}" sibTransId="{055D5530-3C39-452F-9080-454E0EDD7B66}"/>
-    <dgm:cxn modelId="{97ACD697-A797-44DD-BF14-2648365506F5}" srcId="{3D31715E-7A14-4D65-8817-87CFB3E86CEF}" destId="{29DC8BC9-1EAA-46A3-A559-2BDE7862C516}" srcOrd="0" destOrd="0" parTransId="{19289B89-A8A4-4EBD-910D-068219B5D98B}" sibTransId="{CCD03C31-13D5-476B-8108-43F9227DCA53}"/>
-    <dgm:cxn modelId="{5A17A2C7-98C6-4B71-B247-57AF2231102B}" type="presOf" srcId="{3D31715E-7A14-4D65-8817-87CFB3E86CEF}" destId="{998F1788-2DD3-4250-87AA-DFF5D153EB53}" srcOrd="0" destOrd="0" presId="urn:microsoft.com/office/officeart/2005/8/layout/bProcess2"/>
-    <dgm:cxn modelId="{56B9DB6B-54DA-4759-B48F-C311DE2D3266}" type="presOf" srcId="{D86B468C-3DA6-4759-9DDF-40917592BB5B}" destId="{42D9CAD3-94BE-42F2-9CC1-3850D936E956}" srcOrd="0" destOrd="0" presId="urn:microsoft.com/office/officeart/2005/8/layout/bProcess2"/>
-    <dgm:cxn modelId="{83F2248C-07CA-4BDF-BCD2-5118562A245E}" type="presOf" srcId="{9F20A4F9-76C5-45D8-BF5B-E03BCF0EEE8A}" destId="{B3FD1B59-A7F2-4285-A845-B2138697599D}" srcOrd="0" destOrd="0" presId="urn:microsoft.com/office/officeart/2005/8/layout/bProcess2"/>
-    <dgm:cxn modelId="{D2C84300-6C71-4655-9827-80FE93C058C3}" type="presOf" srcId="{E74DD217-2C2F-48DC-B031-1AA425F2B298}" destId="{58C0B097-FF37-48AF-A63F-37B3E58EC357}" srcOrd="0" destOrd="0" presId="urn:microsoft.com/office/officeart/2005/8/layout/bProcess2"/>
-    <dgm:cxn modelId="{184F8FAA-AD3E-41A5-A58B-ECBE95380269}" srcId="{3D31715E-7A14-4D65-8817-87CFB3E86CEF}" destId="{9F20A4F9-76C5-45D8-BF5B-E03BCF0EEE8A}" srcOrd="2" destOrd="0" parTransId="{B7C7932E-C0FE-404A-8E5B-F3DAB42C8FA5}" sibTransId="{71531731-04FA-4C53-827C-B6C97CD2F68E}"/>
-    <dgm:cxn modelId="{46D1DB19-DD2E-4BF3-B160-60607C160D47}" type="presOf" srcId="{7B66EFC1-1EF8-4C21-8FED-2CC0C49812EE}" destId="{03476D4B-956A-46AE-AF5B-C9E1DDFBDE26}" srcOrd="0" destOrd="0" presId="urn:microsoft.com/office/officeart/2005/8/layout/bProcess2"/>
-    <dgm:cxn modelId="{47C7D9BE-CC2B-42A2-AFA1-90CFF5287D1F}" type="presOf" srcId="{B4945195-6A25-48C7-9912-2F262399477B}" destId="{9EC41427-B82F-441B-99EB-115ED537FFFE}" srcOrd="0" destOrd="0" presId="urn:microsoft.com/office/officeart/2005/8/layout/bProcess2"/>
-    <dgm:cxn modelId="{6A6D335F-BE63-4325-BB71-C12887B7D3E6}" type="presOf" srcId="{FBD716DD-B4DD-493D-9F39-D9CDCBF33ECB}" destId="{8CE3665B-06B6-4127-8A60-857E06BF3FCD}" srcOrd="0" destOrd="0" presId="urn:microsoft.com/office/officeart/2005/8/layout/bProcess2"/>
-    <dgm:cxn modelId="{9B93537C-F668-4960-9F0B-5205E27B8F1C}" type="presOf" srcId="{F2D30C52-0B3F-4C99-AAD4-9AB03495DF13}" destId="{A13C6226-CA96-4B54-9040-9B6E1F6DD7AA}" srcOrd="0" destOrd="0" presId="urn:microsoft.com/office/officeart/2005/8/layout/bProcess2"/>
-    <dgm:cxn modelId="{391A75B9-6A55-43F6-861B-6184DD3A4E72}" srcId="{3D31715E-7A14-4D65-8817-87CFB3E86CEF}" destId="{A57A884F-46F4-432F-A892-77C5B42AD57D}" srcOrd="15" destOrd="0" parTransId="{14E93F31-7DF3-4CA7-9A7C-BAE8532DA2F5}" sibTransId="{440BA33D-61ED-486C-8D7E-52455B7F046A}"/>
-    <dgm:cxn modelId="{FFE7032A-32ED-4FC1-8A25-ED3F9E29D28A}" type="presOf" srcId="{055D5530-3C39-452F-9080-454E0EDD7B66}" destId="{4A3988B4-A5DE-4536-B8CD-75727BC870CB}" srcOrd="0" destOrd="0" presId="urn:microsoft.com/office/officeart/2005/8/layout/bProcess2"/>
-    <dgm:cxn modelId="{1C06415F-4847-4812-8619-7172F9AE9861}" srcId="{3D31715E-7A14-4D65-8817-87CFB3E86CEF}" destId="{F07E3D99-7306-49CA-A18F-EF8F01746628}" srcOrd="8" destOrd="0" parTransId="{535EF58F-C43C-41C7-9444-FEBB2A2C2D40}" sibTransId="{8CA570DD-B7F2-498C-8C81-4CBC92B4CCAC}"/>
-    <dgm:cxn modelId="{3348907C-AB8D-4BE0-B5CA-D9C97CAD86B9}" type="presOf" srcId="{8CA570DD-B7F2-498C-8C81-4CBC92B4CCAC}" destId="{2D815FF0-CFD1-490F-968E-E66B11CDE2E1}" srcOrd="0" destOrd="0" presId="urn:microsoft.com/office/officeart/2005/8/layout/bProcess2"/>
-    <dgm:cxn modelId="{3530B08E-C222-4792-AED4-5C88D90917D7}" type="presOf" srcId="{31B92559-BE59-4D1D-A221-E2C35D54BF2A}" destId="{CC99198C-0D93-4A9A-977F-D0B4318DDFEA}" srcOrd="0" destOrd="0" presId="urn:microsoft.com/office/officeart/2005/8/layout/bProcess2"/>
-    <dgm:cxn modelId="{F6319E1B-F206-4900-9D37-52D1B8BEE736}" type="presOf" srcId="{9374BF70-103F-44E0-9392-7D18B9BEADF0}" destId="{0EE1C8E4-06B6-41B1-B141-C7EAE3B2B5DF}" srcOrd="0" destOrd="0" presId="urn:microsoft.com/office/officeart/2005/8/layout/bProcess2"/>
-    <dgm:cxn modelId="{77CC300D-B040-4446-AB6A-25C2A07F4CEE}" type="presOf" srcId="{3AF64615-82E0-48ED-BF8D-CAFAF66376CD}" destId="{A47FCB38-2482-421F-898E-E94E53327BDF}" srcOrd="0" destOrd="0" presId="urn:microsoft.com/office/officeart/2005/8/layout/bProcess2"/>
-    <dgm:cxn modelId="{3721C812-9FAC-415D-943C-DF96531E10D0}" srcId="{3D31715E-7A14-4D65-8817-87CFB3E86CEF}" destId="{0CCB25E9-7A41-4E1C-9789-62BBF85794F6}" srcOrd="5" destOrd="0" parTransId="{85B5BE1D-30CB-4853-BB60-A259FF117308}" sibTransId="{B4D0CC9F-CCB6-4A0B-B29A-139EFE1B4899}"/>
-    <dgm:cxn modelId="{1B7FDECE-8E1A-4E49-89D6-B8DD59AD13D3}" srcId="{3D31715E-7A14-4D65-8817-87CFB3E86CEF}" destId="{BE97ACA0-EDD7-4893-9EFD-931909BAF95E}" srcOrd="4" destOrd="0" parTransId="{BDD2506F-4973-4F81-85D6-7052E08DA6B2}" sibTransId="{D86B468C-3DA6-4759-9DDF-40917592BB5B}"/>
-    <dgm:cxn modelId="{3544C129-5546-433C-B91D-DA2C13833208}" srcId="{3D31715E-7A14-4D65-8817-87CFB3E86CEF}" destId="{B4945195-6A25-48C7-9912-2F262399477B}" srcOrd="11" destOrd="0" parTransId="{807535F2-A617-4E7A-A35B-DDF85BD73BE8}" sibTransId="{5952F008-2E45-470F-BF56-26F20D392133}"/>
-    <dgm:cxn modelId="{3109C138-89CB-49E6-96FB-3D37A43D689D}" srcId="{3D31715E-7A14-4D65-8817-87CFB3E86CEF}" destId="{67465902-BE76-4775-A3E0-CB0C1DAD7084}" srcOrd="3" destOrd="0" parTransId="{046656B6-807B-45AE-8ED1-993D97A9A7CF}" sibTransId="{C37C0431-574A-4145-9DB6-C95E93F81744}"/>
-    <dgm:cxn modelId="{FFB24312-C173-49FE-998C-B6935FAEA8B3}" srcId="{3D31715E-7A14-4D65-8817-87CFB3E86CEF}" destId="{A13F3273-A14E-424F-B0CE-93999E7C417C}" srcOrd="10" destOrd="0" parTransId="{96642CA4-2AD9-4AC9-8F9D-61DEA3B91420}" sibTransId="{2337C8C6-9153-4C2B-9594-EF42877E4B17}"/>
-    <dgm:cxn modelId="{550066F4-0868-45B8-8D17-2768C2F5E006}" type="presOf" srcId="{46158A29-6178-4AE8-8A6C-0538663331B6}" destId="{A9C1ABC0-2F83-4862-8598-305C06E75CC8}" srcOrd="0" destOrd="0" presId="urn:microsoft.com/office/officeart/2005/8/layout/bProcess2"/>
-    <dgm:cxn modelId="{DA03ACAC-1552-42F1-BEAF-50ACFDEC14CF}" type="presOf" srcId="{C37C0431-574A-4145-9DB6-C95E93F81744}" destId="{906E2B93-F3FF-4634-A8FF-3C9B03C192F9}" srcOrd="0" destOrd="0" presId="urn:microsoft.com/office/officeart/2005/8/layout/bProcess2"/>
-    <dgm:cxn modelId="{DA6DB0F8-B7EC-4FB3-ACBD-3F183A6C8062}" type="presOf" srcId="{CCD03C31-13D5-476B-8108-43F9227DCA53}" destId="{F4236BE6-C15F-434C-A903-04E299E91248}" srcOrd="0" destOrd="0" presId="urn:microsoft.com/office/officeart/2005/8/layout/bProcess2"/>
-    <dgm:cxn modelId="{1927391B-4A05-40CF-A146-C1EE6333B7C9}" type="presOf" srcId="{5952F008-2E45-470F-BF56-26F20D392133}" destId="{74FF711C-7D8D-46EC-B8AC-E6C4A296F923}" srcOrd="0" destOrd="0" presId="urn:microsoft.com/office/officeart/2005/8/layout/bProcess2"/>
-    <dgm:cxn modelId="{EFE87CCD-9FEF-4473-AB6F-5CA0C13F9020}" type="presOf" srcId="{5D4500B0-7424-469D-8A66-2FDF2A7C5793}" destId="{89946A38-C436-40F5-A830-AF1DBFDE465F}" srcOrd="0" destOrd="0" presId="urn:microsoft.com/office/officeart/2005/8/layout/bProcess2"/>
-    <dgm:cxn modelId="{63CA99F9-E32F-4ECF-838F-BCA311999075}" srcId="{3D31715E-7A14-4D65-8817-87CFB3E86CEF}" destId="{09E145BE-7A52-4AFF-9E44-BF5CCA3D2A2F}" srcOrd="13" destOrd="0" parTransId="{4F1CE718-86C9-4EAC-B10D-CEBFB06EF4F8}" sibTransId="{7B66EFC1-1EF8-4C21-8FED-2CC0C49812EE}"/>
-    <dgm:cxn modelId="{1C7BD47E-AFE8-4728-B403-29CD1E291152}" srcId="{3D31715E-7A14-4D65-8817-87CFB3E86CEF}" destId="{345E7BEB-41C7-48A7-BB40-02DCF9CA36D9}" srcOrd="1" destOrd="0" parTransId="{DD0CEC93-922B-468F-B617-3A19E8ABD9F1}" sibTransId="{3AF64615-82E0-48ED-BF8D-CAFAF66376CD}"/>
-    <dgm:cxn modelId="{311FE652-B11D-48E1-8241-CF1EEF3996F4}" type="presParOf" srcId="{998F1788-2DD3-4250-87AA-DFF5D153EB53}" destId="{AA54F83E-0F4A-4791-871B-1779F45DCC43}" srcOrd="0" destOrd="0" presId="urn:microsoft.com/office/officeart/2005/8/layout/bProcess2"/>
-    <dgm:cxn modelId="{FBD53C08-4B7D-4080-BF6F-819E5EFFDAB5}" type="presParOf" srcId="{998F1788-2DD3-4250-87AA-DFF5D153EB53}" destId="{F4236BE6-C15F-434C-A903-04E299E91248}" srcOrd="1" destOrd="0" presId="urn:microsoft.com/office/officeart/2005/8/layout/bProcess2"/>
-    <dgm:cxn modelId="{2D44D1D5-F33D-494C-9715-22539E467A99}" type="presParOf" srcId="{998F1788-2DD3-4250-87AA-DFF5D153EB53}" destId="{01FEBBC6-7A0E-4D77-A01F-B7A8F7E8EFC1}" srcOrd="2" destOrd="0" presId="urn:microsoft.com/office/officeart/2005/8/layout/bProcess2"/>
-    <dgm:cxn modelId="{60DBABED-050F-4138-9963-B1A088D205AE}" type="presParOf" srcId="{01FEBBC6-7A0E-4D77-A01F-B7A8F7E8EFC1}" destId="{89865745-9095-4BBE-A14A-22C15F0F31DE}" srcOrd="0" destOrd="0" presId="urn:microsoft.com/office/officeart/2005/8/layout/bProcess2"/>
-    <dgm:cxn modelId="{9734C89C-6264-4D00-BD39-AB14EADC5CCD}" type="presParOf" srcId="{01FEBBC6-7A0E-4D77-A01F-B7A8F7E8EFC1}" destId="{78E6C40F-6BF6-49CD-9067-FDAEE0E95E3B}" srcOrd="1" destOrd="0" presId="urn:microsoft.com/office/officeart/2005/8/layout/bProcess2"/>
-    <dgm:cxn modelId="{6D4BE611-CD0B-4B8A-948E-029A438112CF}" type="presParOf" srcId="{998F1788-2DD3-4250-87AA-DFF5D153EB53}" destId="{A47FCB38-2482-421F-898E-E94E53327BDF}" srcOrd="3" destOrd="0" presId="urn:microsoft.com/office/officeart/2005/8/layout/bProcess2"/>
-    <dgm:cxn modelId="{AD0687A1-A70A-457F-AF4B-512FBCFBC800}" type="presParOf" srcId="{998F1788-2DD3-4250-87AA-DFF5D153EB53}" destId="{CA4E3C1E-1856-48B5-BCC6-9A8F0E2AAE11}" srcOrd="4" destOrd="0" presId="urn:microsoft.com/office/officeart/2005/8/layout/bProcess2"/>
-    <dgm:cxn modelId="{95F65602-5BC7-4546-BEC5-95E342B00203}" type="presParOf" srcId="{CA4E3C1E-1856-48B5-BCC6-9A8F0E2AAE11}" destId="{8E66003D-225F-40F9-8E83-59169B8F1445}" srcOrd="0" destOrd="0" presId="urn:microsoft.com/office/officeart/2005/8/layout/bProcess2"/>
-    <dgm:cxn modelId="{DA609768-70C1-4BC3-BF94-CA8D5DDEC1FB}" type="presParOf" srcId="{CA4E3C1E-1856-48B5-BCC6-9A8F0E2AAE11}" destId="{B3FD1B59-A7F2-4285-A845-B2138697599D}" srcOrd="1" destOrd="0" presId="urn:microsoft.com/office/officeart/2005/8/layout/bProcess2"/>
-    <dgm:cxn modelId="{AE540242-CA7E-4CD8-AA4A-FE0B809BE1BF}" type="presParOf" srcId="{998F1788-2DD3-4250-87AA-DFF5D153EB53}" destId="{1D775ADC-0BEC-4875-A2FB-95DC41B2326C}" srcOrd="5" destOrd="0" presId="urn:microsoft.com/office/officeart/2005/8/layout/bProcess2"/>
-    <dgm:cxn modelId="{3FA0113A-4D01-47A4-B897-075BAA791A12}" type="presParOf" srcId="{998F1788-2DD3-4250-87AA-DFF5D153EB53}" destId="{C314E055-653B-4A98-A5D1-F6D9C0F3C863}" srcOrd="6" destOrd="0" presId="urn:microsoft.com/office/officeart/2005/8/layout/bProcess2"/>
-    <dgm:cxn modelId="{C27EC32C-486D-4D3D-8854-73D0FCE8ADCE}" type="presParOf" srcId="{C314E055-653B-4A98-A5D1-F6D9C0F3C863}" destId="{A739A5FE-BD39-4892-A81D-A6F5AB8C367E}" srcOrd="0" destOrd="0" presId="urn:microsoft.com/office/officeart/2005/8/layout/bProcess2"/>
-    <dgm:cxn modelId="{411DB7E1-02D6-4645-9F22-81854A727B38}" type="presParOf" srcId="{C314E055-653B-4A98-A5D1-F6D9C0F3C863}" destId="{18B76B29-5D37-4412-B0F1-E18F407316D1}" srcOrd="1" destOrd="0" presId="urn:microsoft.com/office/officeart/2005/8/layout/bProcess2"/>
-    <dgm:cxn modelId="{3E2AF276-90A5-4320-905C-3BC0B079B39B}" type="presParOf" srcId="{998F1788-2DD3-4250-87AA-DFF5D153EB53}" destId="{906E2B93-F3FF-4634-A8FF-3C9B03C192F9}" srcOrd="7" destOrd="0" presId="urn:microsoft.com/office/officeart/2005/8/layout/bProcess2"/>
-    <dgm:cxn modelId="{52428D94-F2AC-46A0-84C9-E51B4069F88E}" type="presParOf" srcId="{998F1788-2DD3-4250-87AA-DFF5D153EB53}" destId="{1CF1C851-8490-4D5C-9D7D-C53E2DE28DC3}" srcOrd="8" destOrd="0" presId="urn:microsoft.com/office/officeart/2005/8/layout/bProcess2"/>
-    <dgm:cxn modelId="{006E5CED-208C-47AA-8A51-BE5EC82C94B5}" type="presParOf" srcId="{1CF1C851-8490-4D5C-9D7D-C53E2DE28DC3}" destId="{48D9128D-121F-49B4-9C31-AB0A906DDF7D}" srcOrd="0" destOrd="0" presId="urn:microsoft.com/office/officeart/2005/8/layout/bProcess2"/>
-    <dgm:cxn modelId="{6DDC1F2F-F595-4D35-8EF9-8BDD9FCE5F11}" type="presParOf" srcId="{1CF1C851-8490-4D5C-9D7D-C53E2DE28DC3}" destId="{388B0043-7E2F-4DEE-8133-5F40D4401FB9}" srcOrd="1" destOrd="0" presId="urn:microsoft.com/office/officeart/2005/8/layout/bProcess2"/>
-    <dgm:cxn modelId="{DFC6DFEC-7C6B-4BE9-A55B-9FF4786BDEC4}" type="presParOf" srcId="{998F1788-2DD3-4250-87AA-DFF5D153EB53}" destId="{42D9CAD3-94BE-42F2-9CC1-3850D936E956}" srcOrd="9" destOrd="0" presId="urn:microsoft.com/office/officeart/2005/8/layout/bProcess2"/>
-    <dgm:cxn modelId="{CEE2CA74-602C-4FA7-9111-08D40C1955CE}" type="presParOf" srcId="{998F1788-2DD3-4250-87AA-DFF5D153EB53}" destId="{B158E685-E7D4-4BF0-ADBF-25A79DBC3D8E}" srcOrd="10" destOrd="0" presId="urn:microsoft.com/office/officeart/2005/8/layout/bProcess2"/>
-    <dgm:cxn modelId="{8A59F531-0E4E-42BB-B3EE-28068FD7440C}" type="presParOf" srcId="{B158E685-E7D4-4BF0-ADBF-25A79DBC3D8E}" destId="{99AB5E13-77B8-4396-BCEC-C9CA562E8893}" srcOrd="0" destOrd="0" presId="urn:microsoft.com/office/officeart/2005/8/layout/bProcess2"/>
-    <dgm:cxn modelId="{14361205-F90C-4D71-8DAB-CE2A2E2748D8}" type="presParOf" srcId="{B158E685-E7D4-4BF0-ADBF-25A79DBC3D8E}" destId="{5E63FDEA-692D-43C9-80A7-5EB8ADADE16F}" srcOrd="1" destOrd="0" presId="urn:microsoft.com/office/officeart/2005/8/layout/bProcess2"/>
-    <dgm:cxn modelId="{BF04DB9A-E945-44A8-8063-3E2829CD29C1}" type="presParOf" srcId="{998F1788-2DD3-4250-87AA-DFF5D153EB53}" destId="{E667DE20-179B-4C3E-B9BF-03AE41624181}" srcOrd="11" destOrd="0" presId="urn:microsoft.com/office/officeart/2005/8/layout/bProcess2"/>
-    <dgm:cxn modelId="{3AFD5E93-CA79-4AE6-8DF7-4FC9BABA5C1A}" type="presParOf" srcId="{998F1788-2DD3-4250-87AA-DFF5D153EB53}" destId="{B61DEB7A-044D-417D-BF76-D4E4B4CD1F95}" srcOrd="12" destOrd="0" presId="urn:microsoft.com/office/officeart/2005/8/layout/bProcess2"/>
-    <dgm:cxn modelId="{B5545941-4A23-47CD-823D-A7DC029BD937}" type="presParOf" srcId="{B61DEB7A-044D-417D-BF76-D4E4B4CD1F95}" destId="{FEA78E5E-C177-4209-9D24-BA31E1C3EC72}" srcOrd="0" destOrd="0" presId="urn:microsoft.com/office/officeart/2005/8/layout/bProcess2"/>
-    <dgm:cxn modelId="{467AF337-D748-4A2A-A75E-E753AAF5A6DF}" type="presParOf" srcId="{B61DEB7A-044D-417D-BF76-D4E4B4CD1F95}" destId="{A4B7A0A1-AA91-404F-8084-177422378F89}" srcOrd="1" destOrd="0" presId="urn:microsoft.com/office/officeart/2005/8/layout/bProcess2"/>
-    <dgm:cxn modelId="{444944EF-E4BF-45C3-87EE-AFC7031C0BC5}" type="presParOf" srcId="{998F1788-2DD3-4250-87AA-DFF5D153EB53}" destId="{A9C1ABC0-2F83-4862-8598-305C06E75CC8}" srcOrd="13" destOrd="0" presId="urn:microsoft.com/office/officeart/2005/8/layout/bProcess2"/>
-    <dgm:cxn modelId="{C848EF6E-8214-42EE-B006-6A74CEE6FAC4}" type="presParOf" srcId="{998F1788-2DD3-4250-87AA-DFF5D153EB53}" destId="{DB52F750-14DE-4D19-8726-0DFEA920C2F3}" srcOrd="14" destOrd="0" presId="urn:microsoft.com/office/officeart/2005/8/layout/bProcess2"/>
-    <dgm:cxn modelId="{1DBC881A-33EA-4BB8-A846-AC4C6B602DC5}" type="presParOf" srcId="{DB52F750-14DE-4D19-8726-0DFEA920C2F3}" destId="{3234BA02-1D0B-46E6-B69B-DE2E33CD3298}" srcOrd="0" destOrd="0" presId="urn:microsoft.com/office/officeart/2005/8/layout/bProcess2"/>
-    <dgm:cxn modelId="{E92A1EE8-ABCB-4420-B244-FA3FCB0CCE5B}" type="presParOf" srcId="{DB52F750-14DE-4D19-8726-0DFEA920C2F3}" destId="{8CE3665B-06B6-4127-8A60-857E06BF3FCD}" srcOrd="1" destOrd="0" presId="urn:microsoft.com/office/officeart/2005/8/layout/bProcess2"/>
-    <dgm:cxn modelId="{72A191F4-14D1-43B7-AE31-FA9C13643F56}" type="presParOf" srcId="{998F1788-2DD3-4250-87AA-DFF5D153EB53}" destId="{4A3988B4-A5DE-4536-B8CD-75727BC870CB}" srcOrd="15" destOrd="0" presId="urn:microsoft.com/office/officeart/2005/8/layout/bProcess2"/>
-    <dgm:cxn modelId="{06CD2067-0196-43CB-98F1-F9DEABBD0EE8}" type="presParOf" srcId="{998F1788-2DD3-4250-87AA-DFF5D153EB53}" destId="{C557A2D0-A605-4BE3-B25C-11968FA8FD49}" srcOrd="16" destOrd="0" presId="urn:microsoft.com/office/officeart/2005/8/layout/bProcess2"/>
-    <dgm:cxn modelId="{30E28B43-9F5D-445B-8065-750689D4ABD0}" type="presParOf" srcId="{C557A2D0-A605-4BE3-B25C-11968FA8FD49}" destId="{624B4E51-5C84-418C-BEF4-A839265894D0}" srcOrd="0" destOrd="0" presId="urn:microsoft.com/office/officeart/2005/8/layout/bProcess2"/>
-    <dgm:cxn modelId="{82FE9F53-F809-4449-A248-B750544B2D6E}" type="presParOf" srcId="{C557A2D0-A605-4BE3-B25C-11968FA8FD49}" destId="{79B01941-F618-439C-B4EB-5FD94BCB128D}" srcOrd="1" destOrd="0" presId="urn:microsoft.com/office/officeart/2005/8/layout/bProcess2"/>
-    <dgm:cxn modelId="{F0E93C1E-CA24-4F09-A0B5-1721817A4C40}" type="presParOf" srcId="{998F1788-2DD3-4250-87AA-DFF5D153EB53}" destId="{2D815FF0-CFD1-490F-968E-E66B11CDE2E1}" srcOrd="17" destOrd="0" presId="urn:microsoft.com/office/officeart/2005/8/layout/bProcess2"/>
-    <dgm:cxn modelId="{6E06621A-4E6F-493F-946A-7031AB13CF90}" type="presParOf" srcId="{998F1788-2DD3-4250-87AA-DFF5D153EB53}" destId="{3E340620-0DFC-478A-9577-B453EE92D620}" srcOrd="18" destOrd="0" presId="urn:microsoft.com/office/officeart/2005/8/layout/bProcess2"/>
-    <dgm:cxn modelId="{C10CCAB3-1C35-4D07-9B39-39C49E462C0D}" type="presParOf" srcId="{3E340620-0DFC-478A-9577-B453EE92D620}" destId="{5D699ABB-577D-4D95-ADB1-C2E60F15654F}" srcOrd="0" destOrd="0" presId="urn:microsoft.com/office/officeart/2005/8/layout/bProcess2"/>
-    <dgm:cxn modelId="{05CDCF90-080E-4B2B-B654-8FDB1E1ED147}" type="presParOf" srcId="{3E340620-0DFC-478A-9577-B453EE92D620}" destId="{A13C6226-CA96-4B54-9040-9B6E1F6DD7AA}" srcOrd="1" destOrd="0" presId="urn:microsoft.com/office/officeart/2005/8/layout/bProcess2"/>
-    <dgm:cxn modelId="{DE673DC3-D49D-40B9-8536-B70E1088C935}" type="presParOf" srcId="{998F1788-2DD3-4250-87AA-DFF5D153EB53}" destId="{0EE1C8E4-06B6-41B1-B141-C7EAE3B2B5DF}" srcOrd="19" destOrd="0" presId="urn:microsoft.com/office/officeart/2005/8/layout/bProcess2"/>
-    <dgm:cxn modelId="{20493A65-312C-4A1A-88CF-9D74815791FF}" type="presParOf" srcId="{998F1788-2DD3-4250-87AA-DFF5D153EB53}" destId="{15B36016-28CD-4C1B-9668-1F5A70C625BD}" srcOrd="20" destOrd="0" presId="urn:microsoft.com/office/officeart/2005/8/layout/bProcess2"/>
-    <dgm:cxn modelId="{29AF5ECA-4175-44AC-8A20-3A744C3E64C5}" type="presParOf" srcId="{15B36016-28CD-4C1B-9668-1F5A70C625BD}" destId="{C12F7518-8F05-4F92-BD09-258C75DBF597}" srcOrd="0" destOrd="0" presId="urn:microsoft.com/office/officeart/2005/8/layout/bProcess2"/>
-    <dgm:cxn modelId="{533CAEA4-F35C-4E0E-AAFB-8588D921BB13}" type="presParOf" srcId="{15B36016-28CD-4C1B-9668-1F5A70C625BD}" destId="{0221DA78-ECD3-4E3B-A28A-62649072BFBA}" srcOrd="1" destOrd="0" presId="urn:microsoft.com/office/officeart/2005/8/layout/bProcess2"/>
-    <dgm:cxn modelId="{0449689B-1D8E-404C-B2F2-A4846223FE91}" type="presParOf" srcId="{998F1788-2DD3-4250-87AA-DFF5D153EB53}" destId="{4F168077-B952-47C6-8730-0C40F27AF78A}" srcOrd="21" destOrd="0" presId="urn:microsoft.com/office/officeart/2005/8/layout/bProcess2"/>
-    <dgm:cxn modelId="{E440AB69-C9DD-41B4-8F01-46CFC331ABAB}" type="presParOf" srcId="{998F1788-2DD3-4250-87AA-DFF5D153EB53}" destId="{7EF894A3-886B-49A8-91E9-1B47106E0B8B}" srcOrd="22" destOrd="0" presId="urn:microsoft.com/office/officeart/2005/8/layout/bProcess2"/>
-    <dgm:cxn modelId="{57C2019A-61B3-4EE0-8125-AB784E27A284}" type="presParOf" srcId="{7EF894A3-886B-49A8-91E9-1B47106E0B8B}" destId="{7BB46F0E-61E5-4364-BC21-3C8E13F7A9F2}" srcOrd="0" destOrd="0" presId="urn:microsoft.com/office/officeart/2005/8/layout/bProcess2"/>
-    <dgm:cxn modelId="{220E1FC8-60C8-4D62-B819-A2F75B128D97}" type="presParOf" srcId="{7EF894A3-886B-49A8-91E9-1B47106E0B8B}" destId="{9EC41427-B82F-441B-99EB-115ED537FFFE}" srcOrd="1" destOrd="0" presId="urn:microsoft.com/office/officeart/2005/8/layout/bProcess2"/>
-    <dgm:cxn modelId="{829D55DD-29B7-40BB-86BE-C09299BD903A}" type="presParOf" srcId="{998F1788-2DD3-4250-87AA-DFF5D153EB53}" destId="{74FF711C-7D8D-46EC-B8AC-E6C4A296F923}" srcOrd="23" destOrd="0" presId="urn:microsoft.com/office/officeart/2005/8/layout/bProcess2"/>
-    <dgm:cxn modelId="{5F0C29F8-DE46-4BD9-A999-083666728E11}" type="presParOf" srcId="{998F1788-2DD3-4250-87AA-DFF5D153EB53}" destId="{F3814262-C19D-4194-913F-C66BA0CD6471}" srcOrd="24" destOrd="0" presId="urn:microsoft.com/office/officeart/2005/8/layout/bProcess2"/>
-    <dgm:cxn modelId="{662898F8-D4FA-4744-B564-455070777AE9}" type="presParOf" srcId="{F3814262-C19D-4194-913F-C66BA0CD6471}" destId="{AC29D36F-DAC7-4DE1-89F7-B0959FB7401D}" srcOrd="0" destOrd="0" presId="urn:microsoft.com/office/officeart/2005/8/layout/bProcess2"/>
-    <dgm:cxn modelId="{C723A683-9A9A-4A67-84B3-CFC5CC8A1583}" type="presParOf" srcId="{F3814262-C19D-4194-913F-C66BA0CD6471}" destId="{89946A38-C436-40F5-A830-AF1DBFDE465F}" srcOrd="1" destOrd="0" presId="urn:microsoft.com/office/officeart/2005/8/layout/bProcess2"/>
-    <dgm:cxn modelId="{0D3A72D2-B4C6-40BB-AA01-5239E1B79F85}" type="presParOf" srcId="{998F1788-2DD3-4250-87AA-DFF5D153EB53}" destId="{58C0B097-FF37-48AF-A63F-37B3E58EC357}" srcOrd="25" destOrd="0" presId="urn:microsoft.com/office/officeart/2005/8/layout/bProcess2"/>
-    <dgm:cxn modelId="{5B91ADC8-694C-4142-8213-1F055A80567D}" type="presParOf" srcId="{998F1788-2DD3-4250-87AA-DFF5D153EB53}" destId="{9D167A59-0E79-4A41-8415-B8AEA34D35BE}" srcOrd="26" destOrd="0" presId="urn:microsoft.com/office/officeart/2005/8/layout/bProcess2"/>
-    <dgm:cxn modelId="{F3B19733-6A58-40D5-8099-6ED2BB5E3E7B}" type="presParOf" srcId="{9D167A59-0E79-4A41-8415-B8AEA34D35BE}" destId="{EE42FCAD-35DC-47D9-BE8B-5B5D20352EA2}" srcOrd="0" destOrd="0" presId="urn:microsoft.com/office/officeart/2005/8/layout/bProcess2"/>
-    <dgm:cxn modelId="{BBFBB18C-658A-4878-B891-E8EF188E860B}" type="presParOf" srcId="{9D167A59-0E79-4A41-8415-B8AEA34D35BE}" destId="{1CA4E8C6-4323-4106-BE67-7E987C17AC88}" srcOrd="1" destOrd="0" presId="urn:microsoft.com/office/officeart/2005/8/layout/bProcess2"/>
-    <dgm:cxn modelId="{3A1FDBD2-7B5C-4195-948F-E79DCBE53789}" type="presParOf" srcId="{998F1788-2DD3-4250-87AA-DFF5D153EB53}" destId="{03476D4B-956A-46AE-AF5B-C9E1DDFBDE26}" srcOrd="27" destOrd="0" presId="urn:microsoft.com/office/officeart/2005/8/layout/bProcess2"/>
-    <dgm:cxn modelId="{717F6EF0-9903-4C3E-8C51-848B6DB2EBD2}" type="presParOf" srcId="{998F1788-2DD3-4250-87AA-DFF5D153EB53}" destId="{76DBE953-AD7A-4F31-AD80-B7E8E2477392}" srcOrd="28" destOrd="0" presId="urn:microsoft.com/office/officeart/2005/8/layout/bProcess2"/>
-    <dgm:cxn modelId="{A87F049B-D05F-4970-8E76-EB87DB0407B8}" type="presParOf" srcId="{76DBE953-AD7A-4F31-AD80-B7E8E2477392}" destId="{BA0ED8A5-CB28-4D1A-9DC9-354BF52F85F3}" srcOrd="0" destOrd="0" presId="urn:microsoft.com/office/officeart/2005/8/layout/bProcess2"/>
-    <dgm:cxn modelId="{DC7D39EC-E126-49B1-A289-148442BA9CE9}" type="presParOf" srcId="{76DBE953-AD7A-4F31-AD80-B7E8E2477392}" destId="{5900D13B-BFCB-4FE7-BB9F-5F363256ED39}" srcOrd="1" destOrd="0" presId="urn:microsoft.com/office/officeart/2005/8/layout/bProcess2"/>
-    <dgm:cxn modelId="{30CAAB01-A626-4060-9D20-803375DA1346}" type="presParOf" srcId="{998F1788-2DD3-4250-87AA-DFF5D153EB53}" destId="{CC99198C-0D93-4A9A-977F-D0B4318DDFEA}" srcOrd="29" destOrd="0" presId="urn:microsoft.com/office/officeart/2005/8/layout/bProcess2"/>
-    <dgm:cxn modelId="{E81E1344-6511-4626-8101-075EB4A6DC2C}" type="presParOf" srcId="{998F1788-2DD3-4250-87AA-DFF5D153EB53}" destId="{3D9D06BB-D3D3-4449-9FFE-B216A8724DBE}" srcOrd="30" destOrd="0" presId="urn:microsoft.com/office/officeart/2005/8/layout/bProcess2"/>
+    <dgm:cxn modelId="{326251C0-3462-4189-9763-0A54B14FCE0F}" srcId="{3D31715E-7A14-4D65-8817-87CFB3E86CEF}" destId="{29DC8BC9-1EAA-46A3-A559-2BDE7862C516}" srcOrd="0" destOrd="0" parTransId="{19289B89-A8A4-4EBD-910D-068219B5D98B}" sibTransId="{CCD03C31-13D5-476B-8108-43F9227DCA53}"/>
+    <dgm:cxn modelId="{9F2CABBF-9319-4719-A82C-66F03D3EA45F}" srcId="{3D31715E-7A14-4D65-8817-87CFB3E86CEF}" destId="{345E7BEB-41C7-48A7-BB40-02DCF9CA36D9}" srcOrd="1" destOrd="0" parTransId="{DD0CEC93-922B-468F-B617-3A19E8ABD9F1}" sibTransId="{3AF64615-82E0-48ED-BF8D-CAFAF66376CD}"/>
+    <dgm:cxn modelId="{1D54E664-79CE-42D3-8D6D-3F3C246B0C88}" srcId="{3D31715E-7A14-4D65-8817-87CFB3E86CEF}" destId="{9F20A4F9-76C5-45D8-BF5B-E03BCF0EEE8A}" srcOrd="2" destOrd="0" parTransId="{B7C7932E-C0FE-404A-8E5B-F3DAB42C8FA5}" sibTransId="{71531731-04FA-4C53-827C-B6C97CD2F68E}"/>
+    <dgm:cxn modelId="{C021A334-EE71-4D19-ABA6-5C9EDE7A3AD6}" srcId="{3D31715E-7A14-4D65-8817-87CFB3E86CEF}" destId="{67465902-BE76-4775-A3E0-CB0C1DAD7084}" srcOrd="3" destOrd="0" parTransId="{046656B6-807B-45AE-8ED1-993D97A9A7CF}" sibTransId="{C37C0431-574A-4145-9DB6-C95E93F81744}"/>
+    <dgm:cxn modelId="{976DE0A6-7FAD-40E8-9A98-7BF695604C77}" srcId="{3D31715E-7A14-4D65-8817-87CFB3E86CEF}" destId="{BE97ACA0-EDD7-4893-9EFD-931909BAF95E}" srcOrd="4" destOrd="0" parTransId="{BDD2506F-4973-4F81-85D6-7052E08DA6B2}" sibTransId="{D86B468C-3DA6-4759-9DDF-40917592BB5B}"/>
+    <dgm:cxn modelId="{BB95DBCC-C269-4C56-A241-CAC419256ED7}" srcId="{3D31715E-7A14-4D65-8817-87CFB3E86CEF}" destId="{0CCB25E9-7A41-4E1C-9789-62BBF85794F6}" srcOrd="5" destOrd="0" parTransId="{85B5BE1D-30CB-4853-BB60-A259FF117308}" sibTransId="{B4D0CC9F-CCB6-4A0B-B29A-139EFE1B4899}"/>
+    <dgm:cxn modelId="{95C52FCC-9D16-4899-9B36-7BE47AC2B30F}" srcId="{3D31715E-7A14-4D65-8817-87CFB3E86CEF}" destId="{56E335E1-74D1-4530-A006-A7F3CF25EA40}" srcOrd="6" destOrd="0" parTransId="{C5407FEB-DF19-4725-BB3B-89361997E00C}" sibTransId="{46158A29-6178-4AE8-8A6C-0538663331B6}"/>
+    <dgm:cxn modelId="{9D6FFCB4-0141-4A71-8D4F-A83DD7D181EA}" srcId="{3D31715E-7A14-4D65-8817-87CFB3E86CEF}" destId="{FBD716DD-B4DD-493D-9F39-D9CDCBF33ECB}" srcOrd="7" destOrd="0" parTransId="{ACB82E48-88E0-409E-8001-901206BCBA7E}" sibTransId="{055D5530-3C39-452F-9080-454E0EDD7B66}"/>
+    <dgm:cxn modelId="{EEA7A5E3-991C-4C92-BCDA-C76F74C7F120}" srcId="{3D31715E-7A14-4D65-8817-87CFB3E86CEF}" destId="{F07E3D99-7306-49CA-A18F-EF8F01746628}" srcOrd="8" destOrd="0" parTransId="{535EF58F-C43C-41C7-9444-FEBB2A2C2D40}" sibTransId="{8CA570DD-B7F2-498C-8C81-4CBC92B4CCAC}"/>
+    <dgm:cxn modelId="{6EE9E44B-5235-4DC0-B2F2-B3627648FDF7}" srcId="{3D31715E-7A14-4D65-8817-87CFB3E86CEF}" destId="{F2D30C52-0B3F-4C99-AAD4-9AB03495DF13}" srcOrd="9" destOrd="0" parTransId="{5830A598-451C-4D8C-BEEE-B7298A11BF50}" sibTransId="{9374BF70-103F-44E0-9392-7D18B9BEADF0}"/>
+    <dgm:cxn modelId="{09168100-F9FB-4DA3-9552-1453473F0581}" srcId="{3D31715E-7A14-4D65-8817-87CFB3E86CEF}" destId="{A13F3273-A14E-424F-B0CE-93999E7C417C}" srcOrd="10" destOrd="0" parTransId="{96642CA4-2AD9-4AC9-8F9D-61DEA3B91420}" sibTransId="{2337C8C6-9153-4C2B-9594-EF42877E4B17}"/>
+    <dgm:cxn modelId="{CC8410D0-BB7E-4E46-8887-B3E4C25A2219}" srcId="{3D31715E-7A14-4D65-8817-87CFB3E86CEF}" destId="{B4945195-6A25-48C7-9912-2F262399477B}" srcOrd="11" destOrd="0" parTransId="{807535F2-A617-4E7A-A35B-DDF85BD73BE8}" sibTransId="{5952F008-2E45-470F-BF56-26F20D392133}"/>
+    <dgm:cxn modelId="{FD6AD115-72E3-4BCE-A59A-3342F5204D60}" srcId="{3D31715E-7A14-4D65-8817-87CFB3E86CEF}" destId="{5D4500B0-7424-469D-8A66-2FDF2A7C5793}" srcOrd="12" destOrd="0" parTransId="{531666D9-C045-45CD-AC50-D6E0E474E8C4}" sibTransId="{E74DD217-2C2F-48DC-B031-1AA425F2B298}"/>
+    <dgm:cxn modelId="{44614BB4-CC90-49DD-AE96-175D25322408}" srcId="{3D31715E-7A14-4D65-8817-87CFB3E86CEF}" destId="{09E145BE-7A52-4AFF-9E44-BF5CCA3D2A2F}" srcOrd="13" destOrd="0" parTransId="{4F1CE718-86C9-4EAC-B10D-CEBFB06EF4F8}" sibTransId="{7B66EFC1-1EF8-4C21-8FED-2CC0C49812EE}"/>
+    <dgm:cxn modelId="{FE04DDB0-EDAC-4CB8-A027-E9EC708A5A9D}" srcId="{3D31715E-7A14-4D65-8817-87CFB3E86CEF}" destId="{F486A566-076D-4CD1-827C-7DC1F353A4FB}" srcOrd="14" destOrd="0" parTransId="{C27F3E55-C9C6-458C-9256-1F438D1CC239}" sibTransId="{31B92559-BE59-4D1D-A221-E2C35D54BF2A}"/>
+    <dgm:cxn modelId="{FBF523AC-6730-4BFE-A317-B7598C069324}" srcId="{3D31715E-7A14-4D65-8817-87CFB3E86CEF}" destId="{A57A884F-46F4-432F-A892-77C5B42AD57D}" srcOrd="15" destOrd="0" parTransId="{14E93F31-7DF3-4CA7-9A7C-BAE8532DA2F5}" sibTransId="{440BA33D-61ED-486C-8D7E-52455B7F046A}"/>
+    <dgm:cxn modelId="{FAB522B8-F040-4F86-AEFC-07C4CC99C80D}" type="presOf" srcId="{3D31715E-7A14-4D65-8817-87CFB3E86CEF}" destId="{998F1788-2DD3-4250-87AA-DFF5D153EB53}" srcOrd="0" destOrd="0" presId="urn:microsoft.com/office/officeart/2005/8/layout/bProcess2"/>
+    <dgm:cxn modelId="{05068C9A-473B-4517-A27E-DD4E510C9249}" type="presParOf" srcId="{998F1788-2DD3-4250-87AA-DFF5D153EB53}" destId="{AA54F83E-0F4A-4791-871B-1779F45DCC43}" srcOrd="0" destOrd="0" presId="urn:microsoft.com/office/officeart/2005/8/layout/bProcess2"/>
+    <dgm:cxn modelId="{434C5D9F-29AE-4337-9783-E9FC0B0C762D}" type="presOf" srcId="{29DC8BC9-1EAA-46A3-A559-2BDE7862C516}" destId="{AA54F83E-0F4A-4791-871B-1779F45DCC43}" srcOrd="0" destOrd="0" presId="urn:microsoft.com/office/officeart/2005/8/layout/bProcess2"/>
+    <dgm:cxn modelId="{FE43A37C-4881-4267-8F98-F99BB8CE3DAB}" type="presParOf" srcId="{998F1788-2DD3-4250-87AA-DFF5D153EB53}" destId="{F4236BE6-C15F-434C-A903-04E299E91248}" srcOrd="1" destOrd="0" presId="urn:microsoft.com/office/officeart/2005/8/layout/bProcess2"/>
+    <dgm:cxn modelId="{E279FDD8-D763-4B56-A762-4DD19687C778}" type="presOf" srcId="{CCD03C31-13D5-476B-8108-43F9227DCA53}" destId="{F4236BE6-C15F-434C-A903-04E299E91248}" srcOrd="0" destOrd="0" presId="urn:microsoft.com/office/officeart/2005/8/layout/bProcess2"/>
+    <dgm:cxn modelId="{4803C9CA-2FE1-4C23-9029-BA58CE3D25EC}" type="presParOf" srcId="{998F1788-2DD3-4250-87AA-DFF5D153EB53}" destId="{01FEBBC6-7A0E-4D77-A01F-B7A8F7E8EFC1}" srcOrd="2" destOrd="0" presId="urn:microsoft.com/office/officeart/2005/8/layout/bProcess2"/>
+    <dgm:cxn modelId="{719DDE68-AA81-441C-833C-64BDEFB69BF2}" type="presParOf" srcId="{01FEBBC6-7A0E-4D77-A01F-B7A8F7E8EFC1}" destId="{89865745-9095-4BBE-A14A-22C15F0F31DE}" srcOrd="0" destOrd="2" presId="urn:microsoft.com/office/officeart/2005/8/layout/bProcess2"/>
+    <dgm:cxn modelId="{5E3F6777-E8AA-4A1E-BFE4-7DD9426703F4}" type="presParOf" srcId="{01FEBBC6-7A0E-4D77-A01F-B7A8F7E8EFC1}" destId="{78E6C40F-6BF6-49CD-9067-FDAEE0E95E3B}" srcOrd="1" destOrd="2" presId="urn:microsoft.com/office/officeart/2005/8/layout/bProcess2"/>
+    <dgm:cxn modelId="{9469AB36-BE82-4AFD-9742-A5B8350E405B}" type="presOf" srcId="{345E7BEB-41C7-48A7-BB40-02DCF9CA36D9}" destId="{78E6C40F-6BF6-49CD-9067-FDAEE0E95E3B}" srcOrd="0" destOrd="0" presId="urn:microsoft.com/office/officeart/2005/8/layout/bProcess2"/>
+    <dgm:cxn modelId="{7D598CC6-7439-48D9-96C1-5FE91171E540}" type="presParOf" srcId="{998F1788-2DD3-4250-87AA-DFF5D153EB53}" destId="{A47FCB38-2482-421F-898E-E94E53327BDF}" srcOrd="3" destOrd="0" presId="urn:microsoft.com/office/officeart/2005/8/layout/bProcess2"/>
+    <dgm:cxn modelId="{67127BE9-FAAB-4937-984D-E987A1636F25}" type="presOf" srcId="{3AF64615-82E0-48ED-BF8D-CAFAF66376CD}" destId="{A47FCB38-2482-421F-898E-E94E53327BDF}" srcOrd="0" destOrd="0" presId="urn:microsoft.com/office/officeart/2005/8/layout/bProcess2"/>
+    <dgm:cxn modelId="{124A328B-CEBF-4651-A1BF-E3863369E8FC}" type="presParOf" srcId="{998F1788-2DD3-4250-87AA-DFF5D153EB53}" destId="{CA4E3C1E-1856-48B5-BCC6-9A8F0E2AAE11}" srcOrd="4" destOrd="0" presId="urn:microsoft.com/office/officeart/2005/8/layout/bProcess2"/>
+    <dgm:cxn modelId="{6BD62BAF-1A23-4348-B015-50939B15FE5C}" type="presParOf" srcId="{CA4E3C1E-1856-48B5-BCC6-9A8F0E2AAE11}" destId="{8E66003D-225F-40F9-8E83-59169B8F1445}" srcOrd="0" destOrd="4" presId="urn:microsoft.com/office/officeart/2005/8/layout/bProcess2"/>
+    <dgm:cxn modelId="{D34DC10B-7F6D-4A63-B06F-6CB4D9D5187E}" type="presParOf" srcId="{CA4E3C1E-1856-48B5-BCC6-9A8F0E2AAE11}" destId="{B3FD1B59-A7F2-4285-A845-B2138697599D}" srcOrd="1" destOrd="4" presId="urn:microsoft.com/office/officeart/2005/8/layout/bProcess2"/>
+    <dgm:cxn modelId="{3866E902-DC3B-44FA-A556-564F9ACD9A15}" type="presOf" srcId="{9F20A4F9-76C5-45D8-BF5B-E03BCF0EEE8A}" destId="{B3FD1B59-A7F2-4285-A845-B2138697599D}" srcOrd="0" destOrd="0" presId="urn:microsoft.com/office/officeart/2005/8/layout/bProcess2"/>
+    <dgm:cxn modelId="{39F24B10-9F98-4B91-BDC2-C2F72F46E240}" type="presParOf" srcId="{998F1788-2DD3-4250-87AA-DFF5D153EB53}" destId="{1D775ADC-0BEC-4875-A2FB-95DC41B2326C}" srcOrd="5" destOrd="0" presId="urn:microsoft.com/office/officeart/2005/8/layout/bProcess2"/>
+    <dgm:cxn modelId="{1702CEF9-B39D-4F53-A775-84046B4FC929}" type="presOf" srcId="{71531731-04FA-4C53-827C-B6C97CD2F68E}" destId="{1D775ADC-0BEC-4875-A2FB-95DC41B2326C}" srcOrd="0" destOrd="0" presId="urn:microsoft.com/office/officeart/2005/8/layout/bProcess2"/>
+    <dgm:cxn modelId="{99E9501F-9BE9-49AE-A680-E628E1B30F20}" type="presParOf" srcId="{998F1788-2DD3-4250-87AA-DFF5D153EB53}" destId="{C314E055-653B-4A98-A5D1-F6D9C0F3C863}" srcOrd="6" destOrd="0" presId="urn:microsoft.com/office/officeart/2005/8/layout/bProcess2"/>
+    <dgm:cxn modelId="{A04A6532-1077-403A-9F7A-9F4AE5819195}" type="presParOf" srcId="{C314E055-653B-4A98-A5D1-F6D9C0F3C863}" destId="{A739A5FE-BD39-4892-A81D-A6F5AB8C367E}" srcOrd="0" destOrd="6" presId="urn:microsoft.com/office/officeart/2005/8/layout/bProcess2"/>
+    <dgm:cxn modelId="{594AE248-352B-45E3-A1BF-FE7A236953B5}" type="presParOf" srcId="{C314E055-653B-4A98-A5D1-F6D9C0F3C863}" destId="{18B76B29-5D37-4412-B0F1-E18F407316D1}" srcOrd="1" destOrd="6" presId="urn:microsoft.com/office/officeart/2005/8/layout/bProcess2"/>
+    <dgm:cxn modelId="{C3867DE6-D7DC-4A5C-A1B0-A946A9A1DFAB}" type="presOf" srcId="{67465902-BE76-4775-A3E0-CB0C1DAD7084}" destId="{18B76B29-5D37-4412-B0F1-E18F407316D1}" srcOrd="0" destOrd="0" presId="urn:microsoft.com/office/officeart/2005/8/layout/bProcess2"/>
+    <dgm:cxn modelId="{A41958EC-E104-4E94-9617-C98E9ADD08F2}" type="presParOf" srcId="{998F1788-2DD3-4250-87AA-DFF5D153EB53}" destId="{906E2B93-F3FF-4634-A8FF-3C9B03C192F9}" srcOrd="7" destOrd="0" presId="urn:microsoft.com/office/officeart/2005/8/layout/bProcess2"/>
+    <dgm:cxn modelId="{DDB62E5A-ED60-4E9F-96A6-C2D7FDC90311}" type="presOf" srcId="{C37C0431-574A-4145-9DB6-C95E93F81744}" destId="{906E2B93-F3FF-4634-A8FF-3C9B03C192F9}" srcOrd="0" destOrd="0" presId="urn:microsoft.com/office/officeart/2005/8/layout/bProcess2"/>
+    <dgm:cxn modelId="{7E908019-7760-4C56-8C11-68FDFC77EEE8}" type="presParOf" srcId="{998F1788-2DD3-4250-87AA-DFF5D153EB53}" destId="{1CF1C851-8490-4D5C-9D7D-C53E2DE28DC3}" srcOrd="8" destOrd="0" presId="urn:microsoft.com/office/officeart/2005/8/layout/bProcess2"/>
+    <dgm:cxn modelId="{E0217EB4-B940-416B-A1D2-1BD202111A23}" type="presParOf" srcId="{1CF1C851-8490-4D5C-9D7D-C53E2DE28DC3}" destId="{48D9128D-121F-49B4-9C31-AB0A906DDF7D}" srcOrd="0" destOrd="8" presId="urn:microsoft.com/office/officeart/2005/8/layout/bProcess2"/>
+    <dgm:cxn modelId="{28870E41-A5F4-4783-AD9D-1E797B7BC7A7}" type="presParOf" srcId="{1CF1C851-8490-4D5C-9D7D-C53E2DE28DC3}" destId="{388B0043-7E2F-4DEE-8133-5F40D4401FB9}" srcOrd="1" destOrd="8" presId="urn:microsoft.com/office/officeart/2005/8/layout/bProcess2"/>
+    <dgm:cxn modelId="{B3ED27CC-E3C5-461F-896C-542810EAA324}" type="presOf" srcId="{BE97ACA0-EDD7-4893-9EFD-931909BAF95E}" destId="{388B0043-7E2F-4DEE-8133-5F40D4401FB9}" srcOrd="0" destOrd="0" presId="urn:microsoft.com/office/officeart/2005/8/layout/bProcess2"/>
+    <dgm:cxn modelId="{6825E152-30A9-4380-AF4B-17FC02CD475A}" type="presParOf" srcId="{998F1788-2DD3-4250-87AA-DFF5D153EB53}" destId="{42D9CAD3-94BE-42F2-9CC1-3850D936E956}" srcOrd="9" destOrd="0" presId="urn:microsoft.com/office/officeart/2005/8/layout/bProcess2"/>
+    <dgm:cxn modelId="{A7E1D1DD-EB5F-4734-9A3B-AB5E198259B3}" type="presOf" srcId="{D86B468C-3DA6-4759-9DDF-40917592BB5B}" destId="{42D9CAD3-94BE-42F2-9CC1-3850D936E956}" srcOrd="0" destOrd="0" presId="urn:microsoft.com/office/officeart/2005/8/layout/bProcess2"/>
+    <dgm:cxn modelId="{356848FB-520D-436B-9996-9AC807AE64F1}" type="presParOf" srcId="{998F1788-2DD3-4250-87AA-DFF5D153EB53}" destId="{B158E685-E7D4-4BF0-ADBF-25A79DBC3D8E}" srcOrd="10" destOrd="0" presId="urn:microsoft.com/office/officeart/2005/8/layout/bProcess2"/>
+    <dgm:cxn modelId="{C7C9CC49-997E-4B0F-802B-364D0866BB6A}" type="presParOf" srcId="{B158E685-E7D4-4BF0-ADBF-25A79DBC3D8E}" destId="{99AB5E13-77B8-4396-BCEC-C9CA562E8893}" srcOrd="0" destOrd="10" presId="urn:microsoft.com/office/officeart/2005/8/layout/bProcess2"/>
+    <dgm:cxn modelId="{F622405B-008B-4320-898E-62951D4AFED7}" type="presParOf" srcId="{B158E685-E7D4-4BF0-ADBF-25A79DBC3D8E}" destId="{5E63FDEA-692D-43C9-80A7-5EB8ADADE16F}" srcOrd="1" destOrd="10" presId="urn:microsoft.com/office/officeart/2005/8/layout/bProcess2"/>
+    <dgm:cxn modelId="{B01D899E-1E1E-4FF9-BAC7-01BBA0B52481}" type="presOf" srcId="{0CCB25E9-7A41-4E1C-9789-62BBF85794F6}" destId="{5E63FDEA-692D-43C9-80A7-5EB8ADADE16F}" srcOrd="0" destOrd="0" presId="urn:microsoft.com/office/officeart/2005/8/layout/bProcess2"/>
+    <dgm:cxn modelId="{2342A5FB-6C24-45EB-9AA6-63E238A6B47A}" type="presParOf" srcId="{998F1788-2DD3-4250-87AA-DFF5D153EB53}" destId="{E667DE20-179B-4C3E-B9BF-03AE41624181}" srcOrd="11" destOrd="0" presId="urn:microsoft.com/office/officeart/2005/8/layout/bProcess2"/>
+    <dgm:cxn modelId="{D7C1622A-2811-44DB-80D7-73403EDE636F}" type="presOf" srcId="{B4D0CC9F-CCB6-4A0B-B29A-139EFE1B4899}" destId="{E667DE20-179B-4C3E-B9BF-03AE41624181}" srcOrd="0" destOrd="0" presId="urn:microsoft.com/office/officeart/2005/8/layout/bProcess2"/>
+    <dgm:cxn modelId="{177566E9-3E37-4146-93E1-F68279D8C2C0}" type="presParOf" srcId="{998F1788-2DD3-4250-87AA-DFF5D153EB53}" destId="{B61DEB7A-044D-417D-BF76-D4E4B4CD1F95}" srcOrd="12" destOrd="0" presId="urn:microsoft.com/office/officeart/2005/8/layout/bProcess2"/>
+    <dgm:cxn modelId="{02A7911A-FE0F-4019-AEEB-F0240DE5BA54}" type="presParOf" srcId="{B61DEB7A-044D-417D-BF76-D4E4B4CD1F95}" destId="{FEA78E5E-C177-4209-9D24-BA31E1C3EC72}" srcOrd="0" destOrd="12" presId="urn:microsoft.com/office/officeart/2005/8/layout/bProcess2"/>
+    <dgm:cxn modelId="{68DC4D7C-9508-4973-BA01-FFB70E84D5CA}" type="presParOf" srcId="{B61DEB7A-044D-417D-BF76-D4E4B4CD1F95}" destId="{A4B7A0A1-AA91-404F-8084-177422378F89}" srcOrd="1" destOrd="12" presId="urn:microsoft.com/office/officeart/2005/8/layout/bProcess2"/>
+    <dgm:cxn modelId="{A53F03DA-DE68-4DAC-8AA2-FD69F4F0FB25}" type="presOf" srcId="{56E335E1-74D1-4530-A006-A7F3CF25EA40}" destId="{A4B7A0A1-AA91-404F-8084-177422378F89}" srcOrd="0" destOrd="0" presId="urn:microsoft.com/office/officeart/2005/8/layout/bProcess2"/>
+    <dgm:cxn modelId="{90009CC2-C172-4860-93B6-482A612E660B}" type="presParOf" srcId="{998F1788-2DD3-4250-87AA-DFF5D153EB53}" destId="{A9C1ABC0-2F83-4862-8598-305C06E75CC8}" srcOrd="13" destOrd="0" presId="urn:microsoft.com/office/officeart/2005/8/layout/bProcess2"/>
+    <dgm:cxn modelId="{587182BD-DDB4-4783-9C65-81195C07AF79}" type="presOf" srcId="{46158A29-6178-4AE8-8A6C-0538663331B6}" destId="{A9C1ABC0-2F83-4862-8598-305C06E75CC8}" srcOrd="0" destOrd="0" presId="urn:microsoft.com/office/officeart/2005/8/layout/bProcess2"/>
+    <dgm:cxn modelId="{DE0D6DF6-249D-4202-A7EE-BE6E86A23115}" type="presParOf" srcId="{998F1788-2DD3-4250-87AA-DFF5D153EB53}" destId="{DB52F750-14DE-4D19-8726-0DFEA920C2F3}" srcOrd="14" destOrd="0" presId="urn:microsoft.com/office/officeart/2005/8/layout/bProcess2"/>
+    <dgm:cxn modelId="{138C93AD-6D4A-4C79-A6F3-59F9BB27FFF5}" type="presParOf" srcId="{DB52F750-14DE-4D19-8726-0DFEA920C2F3}" destId="{3234BA02-1D0B-46E6-B69B-DE2E33CD3298}" srcOrd="0" destOrd="14" presId="urn:microsoft.com/office/officeart/2005/8/layout/bProcess2"/>
+    <dgm:cxn modelId="{0BBBB72A-F066-44BE-9B37-B509B507F350}" type="presParOf" srcId="{DB52F750-14DE-4D19-8726-0DFEA920C2F3}" destId="{8CE3665B-06B6-4127-8A60-857E06BF3FCD}" srcOrd="1" destOrd="14" presId="urn:microsoft.com/office/officeart/2005/8/layout/bProcess2"/>
+    <dgm:cxn modelId="{55B38F8D-6F04-4F41-A121-7BCC1840E416}" type="presOf" srcId="{FBD716DD-B4DD-493D-9F39-D9CDCBF33ECB}" destId="{8CE3665B-06B6-4127-8A60-857E06BF3FCD}" srcOrd="0" destOrd="0" presId="urn:microsoft.com/office/officeart/2005/8/layout/bProcess2"/>
+    <dgm:cxn modelId="{FA96E2C7-ED5E-4A17-92BB-3D9A453B0920}" type="presParOf" srcId="{998F1788-2DD3-4250-87AA-DFF5D153EB53}" destId="{4A3988B4-A5DE-4536-B8CD-75727BC870CB}" srcOrd="15" destOrd="0" presId="urn:microsoft.com/office/officeart/2005/8/layout/bProcess2"/>
+    <dgm:cxn modelId="{796569F4-CA65-4E83-A13E-586130AA6E6A}" type="presOf" srcId="{055D5530-3C39-452F-9080-454E0EDD7B66}" destId="{4A3988B4-A5DE-4536-B8CD-75727BC870CB}" srcOrd="0" destOrd="0" presId="urn:microsoft.com/office/officeart/2005/8/layout/bProcess2"/>
+    <dgm:cxn modelId="{4BC9B237-EA67-4AFF-AE7A-EF7F5B0FB780}" type="presParOf" srcId="{998F1788-2DD3-4250-87AA-DFF5D153EB53}" destId="{C557A2D0-A605-4BE3-B25C-11968FA8FD49}" srcOrd="16" destOrd="0" presId="urn:microsoft.com/office/officeart/2005/8/layout/bProcess2"/>
+    <dgm:cxn modelId="{03B38162-5C76-4D84-887F-DAA8BE21E235}" type="presParOf" srcId="{C557A2D0-A605-4BE3-B25C-11968FA8FD49}" destId="{624B4E51-5C84-418C-BEF4-A839265894D0}" srcOrd="0" destOrd="16" presId="urn:microsoft.com/office/officeart/2005/8/layout/bProcess2"/>
+    <dgm:cxn modelId="{2988859F-C0A7-4519-822D-6A0349A3F4AD}" type="presParOf" srcId="{C557A2D0-A605-4BE3-B25C-11968FA8FD49}" destId="{79B01941-F618-439C-B4EB-5FD94BCB128D}" srcOrd="1" destOrd="16" presId="urn:microsoft.com/office/officeart/2005/8/layout/bProcess2"/>
+    <dgm:cxn modelId="{899B1212-E533-44A4-B7F3-9B43F0A1E498}" type="presOf" srcId="{F07E3D99-7306-49CA-A18F-EF8F01746628}" destId="{79B01941-F618-439C-B4EB-5FD94BCB128D}" srcOrd="0" destOrd="0" presId="urn:microsoft.com/office/officeart/2005/8/layout/bProcess2"/>
+    <dgm:cxn modelId="{B1E0DDCB-D765-4462-8397-40BEC804070D}" type="presParOf" srcId="{998F1788-2DD3-4250-87AA-DFF5D153EB53}" destId="{2D815FF0-CFD1-490F-968E-E66B11CDE2E1}" srcOrd="17" destOrd="0" presId="urn:microsoft.com/office/officeart/2005/8/layout/bProcess2"/>
+    <dgm:cxn modelId="{EFA2AFC8-CA7E-41D4-B432-D4BFF666C47D}" type="presOf" srcId="{8CA570DD-B7F2-498C-8C81-4CBC92B4CCAC}" destId="{2D815FF0-CFD1-490F-968E-E66B11CDE2E1}" srcOrd="0" destOrd="0" presId="urn:microsoft.com/office/officeart/2005/8/layout/bProcess2"/>
+    <dgm:cxn modelId="{FC5EC942-8F35-4286-A80D-D0E3832AFF88}" type="presParOf" srcId="{998F1788-2DD3-4250-87AA-DFF5D153EB53}" destId="{3E340620-0DFC-478A-9577-B453EE92D620}" srcOrd="18" destOrd="0" presId="urn:microsoft.com/office/officeart/2005/8/layout/bProcess2"/>
+    <dgm:cxn modelId="{A24EFF6F-004B-4DE0-8F6E-1CF940FEE069}" type="presParOf" srcId="{3E340620-0DFC-478A-9577-B453EE92D620}" destId="{5D699ABB-577D-4D95-ADB1-C2E60F15654F}" srcOrd="0" destOrd="18" presId="urn:microsoft.com/office/officeart/2005/8/layout/bProcess2"/>
+    <dgm:cxn modelId="{73405421-B674-42B3-AA5D-96DEDEF6D2BD}" type="presParOf" srcId="{3E340620-0DFC-478A-9577-B453EE92D620}" destId="{A13C6226-CA96-4B54-9040-9B6E1F6DD7AA}" srcOrd="1" destOrd="18" presId="urn:microsoft.com/office/officeart/2005/8/layout/bProcess2"/>
+    <dgm:cxn modelId="{C9E2C5BD-92ED-4780-92E2-19E4327C074D}" type="presOf" srcId="{F2D30C52-0B3F-4C99-AAD4-9AB03495DF13}" destId="{A13C6226-CA96-4B54-9040-9B6E1F6DD7AA}" srcOrd="0" destOrd="0" presId="urn:microsoft.com/office/officeart/2005/8/layout/bProcess2"/>
+    <dgm:cxn modelId="{CE836CA4-28D5-4D6B-8705-3B64798EC1D8}" type="presParOf" srcId="{998F1788-2DD3-4250-87AA-DFF5D153EB53}" destId="{0EE1C8E4-06B6-41B1-B141-C7EAE3B2B5DF}" srcOrd="19" destOrd="0" presId="urn:microsoft.com/office/officeart/2005/8/layout/bProcess2"/>
+    <dgm:cxn modelId="{FF96DC48-D789-400C-BE4E-03703AA9A48D}" type="presOf" srcId="{9374BF70-103F-44E0-9392-7D18B9BEADF0}" destId="{0EE1C8E4-06B6-41B1-B141-C7EAE3B2B5DF}" srcOrd="0" destOrd="0" presId="urn:microsoft.com/office/officeart/2005/8/layout/bProcess2"/>
+    <dgm:cxn modelId="{4B1B5A62-47DC-4D1B-91E0-891FEFF0F016}" type="presParOf" srcId="{998F1788-2DD3-4250-87AA-DFF5D153EB53}" destId="{15B36016-28CD-4C1B-9668-1F5A70C625BD}" srcOrd="20" destOrd="0" presId="urn:microsoft.com/office/officeart/2005/8/layout/bProcess2"/>
+    <dgm:cxn modelId="{6D556A6B-A820-466C-AD3C-56F405F6A94B}" type="presParOf" srcId="{15B36016-28CD-4C1B-9668-1F5A70C625BD}" destId="{C12F7518-8F05-4F92-BD09-258C75DBF597}" srcOrd="0" destOrd="20" presId="urn:microsoft.com/office/officeart/2005/8/layout/bProcess2"/>
+    <dgm:cxn modelId="{FECA2C38-72F2-4146-BB9C-8687FC0962A0}" type="presParOf" srcId="{15B36016-28CD-4C1B-9668-1F5A70C625BD}" destId="{0221DA78-ECD3-4E3B-A28A-62649072BFBA}" srcOrd="1" destOrd="20" presId="urn:microsoft.com/office/officeart/2005/8/layout/bProcess2"/>
+    <dgm:cxn modelId="{0FCA2577-A068-4283-A9BF-FDA67D0BBF9C}" type="presOf" srcId="{A13F3273-A14E-424F-B0CE-93999E7C417C}" destId="{0221DA78-ECD3-4E3B-A28A-62649072BFBA}" srcOrd="0" destOrd="0" presId="urn:microsoft.com/office/officeart/2005/8/layout/bProcess2"/>
+    <dgm:cxn modelId="{CDC1A6CF-DADC-414D-8F9E-056194BB184E}" type="presParOf" srcId="{998F1788-2DD3-4250-87AA-DFF5D153EB53}" destId="{4F168077-B952-47C6-8730-0C40F27AF78A}" srcOrd="21" destOrd="0" presId="urn:microsoft.com/office/officeart/2005/8/layout/bProcess2"/>
+    <dgm:cxn modelId="{5C1A39FD-C184-41EE-B9A3-F8286CF3988A}" type="presOf" srcId="{2337C8C6-9153-4C2B-9594-EF42877E4B17}" destId="{4F168077-B952-47C6-8730-0C40F27AF78A}" srcOrd="0" destOrd="0" presId="urn:microsoft.com/office/officeart/2005/8/layout/bProcess2"/>
+    <dgm:cxn modelId="{1BBBC17A-D32E-4537-AA81-D68A0AFF053A}" type="presParOf" srcId="{998F1788-2DD3-4250-87AA-DFF5D153EB53}" destId="{7EF894A3-886B-49A8-91E9-1B47106E0B8B}" srcOrd="22" destOrd="0" presId="urn:microsoft.com/office/officeart/2005/8/layout/bProcess2"/>
+    <dgm:cxn modelId="{CF8BD432-D53E-4B88-A568-890C41A38D9C}" type="presParOf" srcId="{7EF894A3-886B-49A8-91E9-1B47106E0B8B}" destId="{7BB46F0E-61E5-4364-BC21-3C8E13F7A9F2}" srcOrd="0" destOrd="22" presId="urn:microsoft.com/office/officeart/2005/8/layout/bProcess2"/>
+    <dgm:cxn modelId="{EBC22B49-5550-4BC1-B067-84BDEFE0BB0B}" type="presParOf" srcId="{7EF894A3-886B-49A8-91E9-1B47106E0B8B}" destId="{9EC41427-B82F-441B-99EB-115ED537FFFE}" srcOrd="1" destOrd="22" presId="urn:microsoft.com/office/officeart/2005/8/layout/bProcess2"/>
+    <dgm:cxn modelId="{B4358645-8B06-49B4-856F-C204185BCF00}" type="presOf" srcId="{B4945195-6A25-48C7-9912-2F262399477B}" destId="{9EC41427-B82F-441B-99EB-115ED537FFFE}" srcOrd="0" destOrd="0" presId="urn:microsoft.com/office/officeart/2005/8/layout/bProcess2"/>
+    <dgm:cxn modelId="{473DEB5F-4E12-490B-9EBD-C2CBE09F9FE2}" type="presParOf" srcId="{998F1788-2DD3-4250-87AA-DFF5D153EB53}" destId="{74FF711C-7D8D-46EC-B8AC-E6C4A296F923}" srcOrd="23" destOrd="0" presId="urn:microsoft.com/office/officeart/2005/8/layout/bProcess2"/>
+    <dgm:cxn modelId="{D837F220-028C-49EF-B528-9D76689C34F4}" type="presOf" srcId="{5952F008-2E45-470F-BF56-26F20D392133}" destId="{74FF711C-7D8D-46EC-B8AC-E6C4A296F923}" srcOrd="0" destOrd="0" presId="urn:microsoft.com/office/officeart/2005/8/layout/bProcess2"/>
+    <dgm:cxn modelId="{8BBF6227-04F9-421F-B263-793480E88D19}" type="presParOf" srcId="{998F1788-2DD3-4250-87AA-DFF5D153EB53}" destId="{F3814262-C19D-4194-913F-C66BA0CD6471}" srcOrd="24" destOrd="0" presId="urn:microsoft.com/office/officeart/2005/8/layout/bProcess2"/>
+    <dgm:cxn modelId="{8C89BCAF-358E-4B81-8610-CAF06A27371A}" type="presParOf" srcId="{F3814262-C19D-4194-913F-C66BA0CD6471}" destId="{AC29D36F-DAC7-4DE1-89F7-B0959FB7401D}" srcOrd="0" destOrd="24" presId="urn:microsoft.com/office/officeart/2005/8/layout/bProcess2"/>
+    <dgm:cxn modelId="{D46DED34-6672-478A-88EC-7BE6F0611BC7}" type="presParOf" srcId="{F3814262-C19D-4194-913F-C66BA0CD6471}" destId="{89946A38-C436-40F5-A830-AF1DBFDE465F}" srcOrd="1" destOrd="24" presId="urn:microsoft.com/office/officeart/2005/8/layout/bProcess2"/>
+    <dgm:cxn modelId="{B0E3E10D-B595-4C36-A5FE-0504523F725E}" type="presOf" srcId="{5D4500B0-7424-469D-8A66-2FDF2A7C5793}" destId="{89946A38-C436-40F5-A830-AF1DBFDE465F}" srcOrd="0" destOrd="0" presId="urn:microsoft.com/office/officeart/2005/8/layout/bProcess2"/>
+    <dgm:cxn modelId="{7BAA1D9F-8BB2-4420-8D66-AB1FC672438D}" type="presParOf" srcId="{998F1788-2DD3-4250-87AA-DFF5D153EB53}" destId="{58C0B097-FF37-48AF-A63F-37B3E58EC357}" srcOrd="25" destOrd="0" presId="urn:microsoft.com/office/officeart/2005/8/layout/bProcess2"/>
+    <dgm:cxn modelId="{F73CE55E-1963-4685-BECA-E5621940D12B}" type="presOf" srcId="{E74DD217-2C2F-48DC-B031-1AA425F2B298}" destId="{58C0B097-FF37-48AF-A63F-37B3E58EC357}" srcOrd="0" destOrd="0" presId="urn:microsoft.com/office/officeart/2005/8/layout/bProcess2"/>
+    <dgm:cxn modelId="{38D873DB-27FE-4439-A447-1B487EE56275}" type="presParOf" srcId="{998F1788-2DD3-4250-87AA-DFF5D153EB53}" destId="{9D167A59-0E79-4A41-8415-B8AEA34D35BE}" srcOrd="26" destOrd="0" presId="urn:microsoft.com/office/officeart/2005/8/layout/bProcess2"/>
+    <dgm:cxn modelId="{D0586B1E-EB89-41A0-BAEF-35B84AE976EB}" type="presParOf" srcId="{9D167A59-0E79-4A41-8415-B8AEA34D35BE}" destId="{EE42FCAD-35DC-47D9-BE8B-5B5D20352EA2}" srcOrd="0" destOrd="26" presId="urn:microsoft.com/office/officeart/2005/8/layout/bProcess2"/>
+    <dgm:cxn modelId="{0B3098DB-24B1-466D-8DD9-D5F3CE2C9C83}" type="presParOf" srcId="{9D167A59-0E79-4A41-8415-B8AEA34D35BE}" destId="{1CA4E8C6-4323-4106-BE67-7E987C17AC88}" srcOrd="1" destOrd="26" presId="urn:microsoft.com/office/officeart/2005/8/layout/bProcess2"/>
+    <dgm:cxn modelId="{1F712CD2-EA58-411E-B5DB-0AF699B332FA}" type="presOf" srcId="{09E145BE-7A52-4AFF-9E44-BF5CCA3D2A2F}" destId="{1CA4E8C6-4323-4106-BE67-7E987C17AC88}" srcOrd="0" destOrd="0" presId="urn:microsoft.com/office/officeart/2005/8/layout/bProcess2"/>
+    <dgm:cxn modelId="{33711B03-EE81-4BB7-BB1C-095D8DBC40B2}" type="presParOf" srcId="{998F1788-2DD3-4250-87AA-DFF5D153EB53}" destId="{03476D4B-956A-46AE-AF5B-C9E1DDFBDE26}" srcOrd="27" destOrd="0" presId="urn:microsoft.com/office/officeart/2005/8/layout/bProcess2"/>
+    <dgm:cxn modelId="{C0C75A0F-F8BD-4363-A7A0-63714C563925}" type="presOf" srcId="{7B66EFC1-1EF8-4C21-8FED-2CC0C49812EE}" destId="{03476D4B-956A-46AE-AF5B-C9E1DDFBDE26}" srcOrd="0" destOrd="0" presId="urn:microsoft.com/office/officeart/2005/8/layout/bProcess2"/>
+    <dgm:cxn modelId="{49B45725-0002-43EC-B98E-47F195C38F93}" type="presParOf" srcId="{998F1788-2DD3-4250-87AA-DFF5D153EB53}" destId="{76DBE953-AD7A-4F31-AD80-B7E8E2477392}" srcOrd="28" destOrd="0" presId="urn:microsoft.com/office/officeart/2005/8/layout/bProcess2"/>
+    <dgm:cxn modelId="{E3B87B8B-876D-4282-B569-32433FD91211}" type="presParOf" srcId="{76DBE953-AD7A-4F31-AD80-B7E8E2477392}" destId="{BA0ED8A5-CB28-4D1A-9DC9-354BF52F85F3}" srcOrd="0" destOrd="28" presId="urn:microsoft.com/office/officeart/2005/8/layout/bProcess2"/>
+    <dgm:cxn modelId="{0DEFAF3A-90E3-4E23-A8BF-123081A06840}" type="presParOf" srcId="{76DBE953-AD7A-4F31-AD80-B7E8E2477392}" destId="{5900D13B-BFCB-4FE7-BB9F-5F363256ED39}" srcOrd="1" destOrd="28" presId="urn:microsoft.com/office/officeart/2005/8/layout/bProcess2"/>
+    <dgm:cxn modelId="{85019457-BBFE-4BE1-A961-5A75A857E543}" type="presOf" srcId="{F486A566-076D-4CD1-827C-7DC1F353A4FB}" destId="{5900D13B-BFCB-4FE7-BB9F-5F363256ED39}" srcOrd="0" destOrd="0" presId="urn:microsoft.com/office/officeart/2005/8/layout/bProcess2"/>
+    <dgm:cxn modelId="{ED4A7FF3-5913-414F-A1A8-C1674F3D9882}" type="presParOf" srcId="{998F1788-2DD3-4250-87AA-DFF5D153EB53}" destId="{CC99198C-0D93-4A9A-977F-D0B4318DDFEA}" srcOrd="29" destOrd="0" presId="urn:microsoft.com/office/officeart/2005/8/layout/bProcess2"/>
+    <dgm:cxn modelId="{8729D908-FFBC-41F4-9E99-3CCBA1FF4698}" type="presOf" srcId="{31B92559-BE59-4D1D-A221-E2C35D54BF2A}" destId="{CC99198C-0D93-4A9A-977F-D0B4318DDFEA}" srcOrd="0" destOrd="0" presId="urn:microsoft.com/office/officeart/2005/8/layout/bProcess2"/>
+    <dgm:cxn modelId="{0BCBD14B-2F8B-4CBA-A45A-C77A0D92D1B9}" type="presParOf" srcId="{998F1788-2DD3-4250-87AA-DFF5D153EB53}" destId="{3D9D06BB-D3D3-4449-9FFE-B216A8724DBE}" srcOrd="30" destOrd="0" presId="urn:microsoft.com/office/officeart/2005/8/layout/bProcess2"/>
+    <dgm:cxn modelId="{9D86D7B5-3213-47EE-BABC-399546418880}" type="presOf" srcId="{A57A884F-46F4-432F-A892-77C5B42AD57D}" destId="{3D9D06BB-D3D3-4449-9FFE-B216A8724DBE}" srcOrd="0" destOrd="0" presId="urn:microsoft.com/office/officeart/2005/8/layout/bProcess2"/>
   </dgm:cxnLst>
   <dgm:bg/>
   <dgm:whole/>
+  <dgm:extLst>
+    <a:ext uri="http://schemas.microsoft.com/office/drawing/2008/diagram">
+      <dsp:dataModelExt xmlns:dsp="http://schemas.microsoft.com/office/drawing/2008/diagram" relId="rId5" minVer="http://schemas.openxmlformats.org/drawingml/2006/diagram"/>
+    </a:ext>
+  </dgm:extLst>
 </dgm:dataModel>
+</file>
+
+<file path=ppt/diagrams/drawing1.xml><?xml version="1.0" encoding="utf-8"?>
+<dsp:drawing xmlns:dgm="http://schemas.openxmlformats.org/drawingml/2006/diagram" xmlns:dsp="http://schemas.microsoft.com/office/drawing/2008/diagram" xmlns:a="http://schemas.openxmlformats.org/drawingml/2006/main" xmlns:r="http://schemas.openxmlformats.org/officeDocument/2006/relationships">
+  <dsp:spTree>
+    <dsp:nvGrpSpPr>
+      <dsp:cNvPr id="2" name="组合 1"/>
+      <dsp:cNvGrpSpPr/>
+    </dsp:nvGrpSpPr>
+    <dsp:grpSpPr>
+      <a:xfrm>
+        <a:off x="0" y="0"/>
+        <a:ext cx="8072494" cy="6357958"/>
+        <a:chOff x="0" y="0"/>
+        <a:chExt cx="8072494" cy="6357958"/>
+      </a:xfrm>
+    </dsp:grpSpPr>
+    <dsp:sp modelId="{AA54F83E-0F4A-4791-871B-1779F45DCC43}">
+      <dsp:nvSpPr>
+        <dsp:cNvPr id="3" name="椭圆 2"/>
+        <dsp:cNvSpPr/>
+      </dsp:nvSpPr>
+      <dsp:spPr bwMode="white">
+        <a:xfrm>
+          <a:off x="584349" y="14033"/>
+          <a:ext cx="1257386" cy="1257386"/>
+        </a:xfrm>
+        <a:prstGeom prst="ellipse">
+          <a:avLst/>
+        </a:prstGeom>
+      </dsp:spPr>
+      <dsp:style>
+        <a:lnRef idx="2">
+          <a:schemeClr val="lt1"/>
+        </a:lnRef>
+        <a:fillRef idx="1">
+          <a:schemeClr val="accent1"/>
+        </a:fillRef>
+        <a:effectRef idx="0">
+          <a:scrgbClr r="0" g="0" b="0"/>
+        </a:effectRef>
+        <a:fontRef idx="minor">
+          <a:schemeClr val="lt1"/>
+        </a:fontRef>
+      </dsp:style>
+      <dsp:txBody>
+        <a:bodyPr lIns="33020" tIns="33020" rIns="33020" bIns="33020" anchor="ctr"/>
+        <a:lstStyle>
+          <a:lvl1pPr algn="ctr">
+            <a:defRPr sz="2600"/>
+          </a:lvl1pPr>
+          <a:lvl2pPr marL="228600" indent="-228600" algn="ctr">
+            <a:defRPr sz="2000"/>
+          </a:lvl2pPr>
+          <a:lvl3pPr marL="457200" indent="-228600" algn="ctr">
+            <a:defRPr sz="2000"/>
+          </a:lvl3pPr>
+          <a:lvl4pPr marL="685800" indent="-228600" algn="ctr">
+            <a:defRPr sz="2000"/>
+          </a:lvl4pPr>
+          <a:lvl5pPr marL="914400" indent="-228600" algn="ctr">
+            <a:defRPr sz="2000"/>
+          </a:lvl5pPr>
+          <a:lvl6pPr marL="1143000" indent="-228600" algn="ctr">
+            <a:defRPr sz="2000"/>
+          </a:lvl6pPr>
+          <a:lvl7pPr marL="1371600" indent="-228600" algn="ctr">
+            <a:defRPr sz="2000"/>
+          </a:lvl7pPr>
+          <a:lvl8pPr marL="1600200" indent="-228600" algn="ctr">
+            <a:defRPr sz="2000"/>
+          </a:lvl8pPr>
+          <a:lvl9pPr marL="1828800" indent="-228600" algn="ctr">
+            <a:defRPr sz="2000"/>
+          </a:lvl9pPr>
+        </a:lstStyle>
+        <a:p>
+          <a:pPr lvl="0">
+            <a:lnSpc>
+              <a:spcPct val="100000"/>
+            </a:lnSpc>
+            <a:spcBef>
+              <a:spcPct val="0"/>
+            </a:spcBef>
+            <a:spcAft>
+              <a:spcPct val="35000"/>
+            </a:spcAft>
+          </a:pPr>
+          <a:r>
+            <a:rPr lang="zh-CN" altLang="en-US" dirty="0" smtClean="0"/>
+            <a:t>托盘进入</a:t>
+          </a:r>
+          <a:endParaRPr lang="zh-CN" altLang="en-US" dirty="0"/>
+        </a:p>
+      </dsp:txBody>
+      <dsp:txXfrm>
+        <a:off x="584349" y="14033"/>
+        <a:ext cx="1257386" cy="1257386"/>
+      </dsp:txXfrm>
+    </dsp:sp>
+    <dsp:sp modelId="{F4236BE6-C15F-434C-A903-04E299E91248}">
+      <dsp:nvSpPr>
+        <dsp:cNvPr id="4" name="等腰三角形 3"/>
+        <dsp:cNvSpPr/>
+      </dsp:nvSpPr>
+      <dsp:spPr bwMode="white">
+        <a:xfrm rot="10799999">
+          <a:off x="993000" y="1423984"/>
+          <a:ext cx="440085" cy="344310"/>
+        </a:xfrm>
+        <a:prstGeom prst="triangle">
+          <a:avLst/>
+        </a:prstGeom>
+      </dsp:spPr>
+      <dsp:style>
+        <a:lnRef idx="0">
+          <a:schemeClr val="accent1">
+            <a:tint val="60000"/>
+          </a:schemeClr>
+        </a:lnRef>
+        <a:fillRef idx="1">
+          <a:schemeClr val="accent1">
+            <a:tint val="60000"/>
+          </a:schemeClr>
+        </a:fillRef>
+        <a:effectRef idx="0">
+          <a:scrgbClr r="0" g="0" b="0"/>
+        </a:effectRef>
+        <a:fontRef idx="minor">
+          <a:schemeClr val="lt1"/>
+        </a:fontRef>
+      </dsp:style>
+      <dsp:txXfrm rot="10799999">
+        <a:off x="993000" y="1423984"/>
+        <a:ext cx="440085" cy="344310"/>
+      </dsp:txXfrm>
+    </dsp:sp>
+    <dsp:sp modelId="{78E6C40F-6BF6-49CD-9067-FDAEE0E95E3B}">
+      <dsp:nvSpPr>
+        <dsp:cNvPr id="6" name="椭圆 5"/>
+        <dsp:cNvSpPr/>
+      </dsp:nvSpPr>
+      <dsp:spPr bwMode="white">
+        <a:xfrm>
+          <a:off x="793704" y="1920858"/>
+          <a:ext cx="838676" cy="838676"/>
+        </a:xfrm>
+        <a:prstGeom prst="ellipse">
+          <a:avLst/>
+        </a:prstGeom>
+      </dsp:spPr>
+      <dsp:style>
+        <a:lnRef idx="2">
+          <a:schemeClr val="lt1"/>
+        </a:lnRef>
+        <a:fillRef idx="1">
+          <a:schemeClr val="accent1"/>
+        </a:fillRef>
+        <a:effectRef idx="0">
+          <a:scrgbClr r="0" g="0" b="0"/>
+        </a:effectRef>
+        <a:fontRef idx="minor">
+          <a:schemeClr val="lt1"/>
+        </a:fontRef>
+      </dsp:style>
+      <dsp:txBody>
+        <a:bodyPr lIns="10160" tIns="10160" rIns="10160" bIns="10160" anchor="ctr"/>
+        <a:lstStyle>
+          <a:lvl1pPr algn="ctr">
+            <a:defRPr sz="800"/>
+          </a:lvl1pPr>
+          <a:lvl2pPr marL="57150" indent="-57150" algn="ctr">
+            <a:defRPr sz="600"/>
+          </a:lvl2pPr>
+          <a:lvl3pPr marL="114300" indent="-57150" algn="ctr">
+            <a:defRPr sz="600"/>
+          </a:lvl3pPr>
+          <a:lvl4pPr marL="171450" indent="-57150" algn="ctr">
+            <a:defRPr sz="600"/>
+          </a:lvl4pPr>
+          <a:lvl5pPr marL="228600" indent="-57150" algn="ctr">
+            <a:defRPr sz="600"/>
+          </a:lvl5pPr>
+          <a:lvl6pPr marL="285750" indent="-57150" algn="ctr">
+            <a:defRPr sz="600"/>
+          </a:lvl6pPr>
+          <a:lvl7pPr marL="342900" indent="-57150" algn="ctr">
+            <a:defRPr sz="600"/>
+          </a:lvl7pPr>
+          <a:lvl8pPr marL="400050" indent="-57150" algn="ctr">
+            <a:defRPr sz="600"/>
+          </a:lvl8pPr>
+          <a:lvl9pPr marL="457200" indent="-57150" algn="ctr">
+            <a:defRPr sz="600"/>
+          </a:lvl9pPr>
+        </a:lstStyle>
+        <a:p>
+          <a:pPr lvl="0">
+            <a:lnSpc>
+              <a:spcPct val="100000"/>
+            </a:lnSpc>
+            <a:spcBef>
+              <a:spcPct val="0"/>
+            </a:spcBef>
+            <a:spcAft>
+              <a:spcPct val="35000"/>
+            </a:spcAft>
+          </a:pPr>
+          <a:r>
+            <a:rPr lang="zh-CN" altLang="en-US" dirty="0" smtClean="0"/>
+            <a:t>托盘二维码扫描</a:t>
+          </a:r>
+          <a:endParaRPr lang="zh-CN" altLang="en-US" dirty="0"/>
+        </a:p>
+      </dsp:txBody>
+      <dsp:txXfrm>
+        <a:off x="793704" y="1920858"/>
+        <a:ext cx="838676" cy="838676"/>
+      </dsp:txXfrm>
+    </dsp:sp>
+    <dsp:sp modelId="{A47FCB38-2482-421F-898E-E94E53327BDF}">
+      <dsp:nvSpPr>
+        <dsp:cNvPr id="7" name="等腰三角形 6"/>
+        <dsp:cNvSpPr/>
+      </dsp:nvSpPr>
+      <dsp:spPr bwMode="white">
+        <a:xfrm rot="10799999">
+          <a:off x="993000" y="3016777"/>
+          <a:ext cx="440085" cy="344310"/>
+        </a:xfrm>
+        <a:prstGeom prst="triangle">
+          <a:avLst/>
+        </a:prstGeom>
+      </dsp:spPr>
+      <dsp:style>
+        <a:lnRef idx="0">
+          <a:schemeClr val="accent1">
+            <a:tint val="60000"/>
+          </a:schemeClr>
+        </a:lnRef>
+        <a:fillRef idx="1">
+          <a:schemeClr val="accent1">
+            <a:tint val="60000"/>
+          </a:schemeClr>
+        </a:fillRef>
+        <a:effectRef idx="0">
+          <a:scrgbClr r="0" g="0" b="0"/>
+        </a:effectRef>
+        <a:fontRef idx="minor">
+          <a:schemeClr val="lt1"/>
+        </a:fontRef>
+      </dsp:style>
+      <dsp:txXfrm rot="10799999">
+        <a:off x="993000" y="3016777"/>
+        <a:ext cx="440085" cy="344310"/>
+      </dsp:txXfrm>
+    </dsp:sp>
+    <dsp:sp modelId="{B3FD1B59-A7F2-4285-A845-B2138697599D}">
+      <dsp:nvSpPr>
+        <dsp:cNvPr id="9" name="椭圆 8"/>
+        <dsp:cNvSpPr/>
+      </dsp:nvSpPr>
+      <dsp:spPr bwMode="white">
+        <a:xfrm>
+          <a:off x="793704" y="3618329"/>
+          <a:ext cx="838676" cy="838676"/>
+        </a:xfrm>
+        <a:prstGeom prst="ellipse">
+          <a:avLst/>
+        </a:prstGeom>
+      </dsp:spPr>
+      <dsp:style>
+        <a:lnRef idx="2">
+          <a:schemeClr val="lt1"/>
+        </a:lnRef>
+        <a:fillRef idx="1">
+          <a:schemeClr val="accent1"/>
+        </a:fillRef>
+        <a:effectRef idx="0">
+          <a:scrgbClr r="0" g="0" b="0"/>
+        </a:effectRef>
+        <a:fontRef idx="minor">
+          <a:schemeClr val="lt1"/>
+        </a:fontRef>
+      </dsp:style>
+      <dsp:txBody>
+        <a:bodyPr lIns="10160" tIns="10160" rIns="10160" bIns="10160" anchor="ctr"/>
+        <a:lstStyle>
+          <a:lvl1pPr algn="ctr">
+            <a:defRPr sz="800"/>
+          </a:lvl1pPr>
+          <a:lvl2pPr marL="57150" indent="-57150" algn="ctr">
+            <a:defRPr sz="600"/>
+          </a:lvl2pPr>
+          <a:lvl3pPr marL="114300" indent="-57150" algn="ctr">
+            <a:defRPr sz="600"/>
+          </a:lvl3pPr>
+          <a:lvl4pPr marL="171450" indent="-57150" algn="ctr">
+            <a:defRPr sz="600"/>
+          </a:lvl4pPr>
+          <a:lvl5pPr marL="228600" indent="-57150" algn="ctr">
+            <a:defRPr sz="600"/>
+          </a:lvl5pPr>
+          <a:lvl6pPr marL="285750" indent="-57150" algn="ctr">
+            <a:defRPr sz="600"/>
+          </a:lvl6pPr>
+          <a:lvl7pPr marL="342900" indent="-57150" algn="ctr">
+            <a:defRPr sz="600"/>
+          </a:lvl7pPr>
+          <a:lvl8pPr marL="400050" indent="-57150" algn="ctr">
+            <a:defRPr sz="600"/>
+          </a:lvl8pPr>
+          <a:lvl9pPr marL="457200" indent="-57150" algn="ctr">
+            <a:defRPr sz="600"/>
+          </a:lvl9pPr>
+        </a:lstStyle>
+        <a:p>
+          <a:pPr lvl="0">
+            <a:lnSpc>
+              <a:spcPct val="100000"/>
+            </a:lnSpc>
+            <a:spcBef>
+              <a:spcPct val="0"/>
+            </a:spcBef>
+            <a:spcAft>
+              <a:spcPct val="35000"/>
+            </a:spcAft>
+          </a:pPr>
+          <a:r>
+            <a:rPr lang="zh-CN" altLang="en-US" dirty="0" smtClean="0"/>
+            <a:t>扫描完毕判断是否直接排出</a:t>
+          </a:r>
+          <a:endParaRPr lang="zh-CN" altLang="en-US" dirty="0"/>
+        </a:p>
+      </dsp:txBody>
+      <dsp:txXfrm>
+        <a:off x="793704" y="3618329"/>
+        <a:ext cx="838676" cy="838676"/>
+      </dsp:txXfrm>
+    </dsp:sp>
+    <dsp:sp modelId="{1D775ADC-0BEC-4875-A2FB-95DC41B2326C}">
+      <dsp:nvSpPr>
+        <dsp:cNvPr id="10" name="等腰三角形 9"/>
+        <dsp:cNvSpPr/>
+      </dsp:nvSpPr>
+      <dsp:spPr bwMode="white">
+        <a:xfrm rot="10799999">
+          <a:off x="993000" y="4714247"/>
+          <a:ext cx="440085" cy="344310"/>
+        </a:xfrm>
+        <a:prstGeom prst="triangle">
+          <a:avLst/>
+        </a:prstGeom>
+      </dsp:spPr>
+      <dsp:style>
+        <a:lnRef idx="0">
+          <a:schemeClr val="accent1">
+            <a:tint val="60000"/>
+          </a:schemeClr>
+        </a:lnRef>
+        <a:fillRef idx="1">
+          <a:schemeClr val="accent1">
+            <a:tint val="60000"/>
+          </a:schemeClr>
+        </a:fillRef>
+        <a:effectRef idx="0">
+          <a:scrgbClr r="0" g="0" b="0"/>
+        </a:effectRef>
+        <a:fontRef idx="minor">
+          <a:schemeClr val="lt1"/>
+        </a:fontRef>
+      </dsp:style>
+      <dsp:txXfrm rot="10799999">
+        <a:off x="993000" y="4714247"/>
+        <a:ext cx="440085" cy="344310"/>
+      </dsp:txXfrm>
+    </dsp:sp>
+    <dsp:sp modelId="{18B76B29-5D37-4412-B0F1-E18F407316D1}">
+      <dsp:nvSpPr>
+        <dsp:cNvPr id="12" name="椭圆 11"/>
+        <dsp:cNvSpPr/>
+      </dsp:nvSpPr>
+      <dsp:spPr bwMode="white">
+        <a:xfrm>
+          <a:off x="793704" y="5315799"/>
+          <a:ext cx="838676" cy="838676"/>
+        </a:xfrm>
+        <a:prstGeom prst="ellipse">
+          <a:avLst/>
+        </a:prstGeom>
+      </dsp:spPr>
+      <dsp:style>
+        <a:lnRef idx="2">
+          <a:schemeClr val="lt1"/>
+        </a:lnRef>
+        <a:fillRef idx="1">
+          <a:schemeClr val="accent1"/>
+        </a:fillRef>
+        <a:effectRef idx="0">
+          <a:scrgbClr r="0" g="0" b="0"/>
+        </a:effectRef>
+        <a:fontRef idx="minor">
+          <a:schemeClr val="lt1"/>
+        </a:fontRef>
+      </dsp:style>
+      <dsp:txBody>
+        <a:bodyPr lIns="10160" tIns="10160" rIns="10160" bIns="10160" anchor="ctr"/>
+        <a:lstStyle>
+          <a:lvl1pPr algn="ctr">
+            <a:defRPr sz="800"/>
+          </a:lvl1pPr>
+          <a:lvl2pPr marL="57150" indent="-57150" algn="ctr">
+            <a:defRPr sz="600"/>
+          </a:lvl2pPr>
+          <a:lvl3pPr marL="114300" indent="-57150" algn="ctr">
+            <a:defRPr sz="600"/>
+          </a:lvl3pPr>
+          <a:lvl4pPr marL="171450" indent="-57150" algn="ctr">
+            <a:defRPr sz="600"/>
+          </a:lvl4pPr>
+          <a:lvl5pPr marL="228600" indent="-57150" algn="ctr">
+            <a:defRPr sz="600"/>
+          </a:lvl5pPr>
+          <a:lvl6pPr marL="285750" indent="-57150" algn="ctr">
+            <a:defRPr sz="600"/>
+          </a:lvl6pPr>
+          <a:lvl7pPr marL="342900" indent="-57150" algn="ctr">
+            <a:defRPr sz="600"/>
+          </a:lvl7pPr>
+          <a:lvl8pPr marL="400050" indent="-57150" algn="ctr">
+            <a:defRPr sz="600"/>
+          </a:lvl8pPr>
+          <a:lvl9pPr marL="457200" indent="-57150" algn="ctr">
+            <a:defRPr sz="600"/>
+          </a:lvl9pPr>
+        </a:lstStyle>
+        <a:p>
+          <a:pPr lvl="0">
+            <a:lnSpc>
+              <a:spcPct val="100000"/>
+            </a:lnSpc>
+            <a:spcBef>
+              <a:spcPct val="0"/>
+            </a:spcBef>
+            <a:spcAft>
+              <a:spcPct val="35000"/>
+            </a:spcAft>
+          </a:pPr>
+          <a:r>
+            <a:rPr lang="zh-CN" altLang="en-US" dirty="0" smtClean="0"/>
+            <a:t>上传信息至</a:t>
+          </a:r>
+          <a:r>
+            <a:rPr lang="en-US" altLang="zh-CN" dirty="0" smtClean="0"/>
+            <a:t>MES</a:t>
+          </a:r>
+          <a:r>
+            <a:rPr lang="zh-CN" altLang="en-US" dirty="0" smtClean="0"/>
+            <a:t>获取电池数据</a:t>
+          </a:r>
+          <a:endParaRPr lang="zh-CN" altLang="en-US" dirty="0"/>
+        </a:p>
+      </dsp:txBody>
+      <dsp:txXfrm>
+        <a:off x="793704" y="5315799"/>
+        <a:ext cx="838676" cy="838676"/>
+      </dsp:txXfrm>
+    </dsp:sp>
+    <dsp:sp modelId="{906E2B93-F3FF-4634-A8FF-3C9B03C192F9}">
+      <dsp:nvSpPr>
+        <dsp:cNvPr id="13" name="等腰三角形 12"/>
+        <dsp:cNvSpPr/>
+      </dsp:nvSpPr>
+      <dsp:spPr bwMode="white">
+        <a:xfrm rot="5363644">
+          <a:off x="1934068" y="5553030"/>
+          <a:ext cx="440085" cy="344310"/>
+        </a:xfrm>
+        <a:prstGeom prst="triangle">
+          <a:avLst/>
+        </a:prstGeom>
+      </dsp:spPr>
+      <dsp:style>
+        <a:lnRef idx="0">
+          <a:schemeClr val="accent1">
+            <a:tint val="60000"/>
+          </a:schemeClr>
+        </a:lnRef>
+        <a:fillRef idx="1">
+          <a:schemeClr val="accent1">
+            <a:tint val="60000"/>
+          </a:schemeClr>
+        </a:fillRef>
+        <a:effectRef idx="0">
+          <a:scrgbClr r="0" g="0" b="0"/>
+        </a:effectRef>
+        <a:fontRef idx="minor">
+          <a:schemeClr val="lt1"/>
+        </a:fontRef>
+      </dsp:style>
+      <dsp:txXfrm rot="5363644">
+        <a:off x="1934068" y="5553030"/>
+        <a:ext cx="440085" cy="344310"/>
+      </dsp:txXfrm>
+    </dsp:sp>
+    <dsp:sp modelId="{388B0043-7E2F-4DEE-8133-5F40D4401FB9}">
+      <dsp:nvSpPr>
+        <dsp:cNvPr id="15" name="椭圆 14"/>
+        <dsp:cNvSpPr/>
+      </dsp:nvSpPr>
+      <dsp:spPr bwMode="white">
+        <a:xfrm>
+          <a:off x="2675841" y="5295894"/>
+          <a:ext cx="838676" cy="838676"/>
+        </a:xfrm>
+        <a:prstGeom prst="ellipse">
+          <a:avLst/>
+        </a:prstGeom>
+      </dsp:spPr>
+      <dsp:style>
+        <a:lnRef idx="2">
+          <a:schemeClr val="lt1"/>
+        </a:lnRef>
+        <a:fillRef idx="1">
+          <a:schemeClr val="accent1"/>
+        </a:fillRef>
+        <a:effectRef idx="0">
+          <a:scrgbClr r="0" g="0" b="0"/>
+        </a:effectRef>
+        <a:fontRef idx="minor">
+          <a:schemeClr val="lt1"/>
+        </a:fontRef>
+      </dsp:style>
+      <dsp:txBody>
+        <a:bodyPr lIns="10160" tIns="10160" rIns="10160" bIns="10160" anchor="ctr"/>
+        <a:lstStyle>
+          <a:lvl1pPr algn="ctr">
+            <a:defRPr sz="800"/>
+          </a:lvl1pPr>
+          <a:lvl2pPr marL="57150" indent="-57150" algn="ctr">
+            <a:defRPr sz="600"/>
+          </a:lvl2pPr>
+          <a:lvl3pPr marL="114300" indent="-57150" algn="ctr">
+            <a:defRPr sz="600"/>
+          </a:lvl3pPr>
+          <a:lvl4pPr marL="171450" indent="-57150" algn="ctr">
+            <a:defRPr sz="600"/>
+          </a:lvl4pPr>
+          <a:lvl5pPr marL="228600" indent="-57150" algn="ctr">
+            <a:defRPr sz="600"/>
+          </a:lvl5pPr>
+          <a:lvl6pPr marL="285750" indent="-57150" algn="ctr">
+            <a:defRPr sz="600"/>
+          </a:lvl6pPr>
+          <a:lvl7pPr marL="342900" indent="-57150" algn="ctr">
+            <a:defRPr sz="600"/>
+          </a:lvl7pPr>
+          <a:lvl8pPr marL="400050" indent="-57150" algn="ctr">
+            <a:defRPr sz="600"/>
+          </a:lvl8pPr>
+          <a:lvl9pPr marL="457200" indent="-57150" algn="ctr">
+            <a:defRPr sz="600"/>
+          </a:lvl9pPr>
+        </a:lstStyle>
+        <a:p>
+          <a:pPr lvl="0">
+            <a:lnSpc>
+              <a:spcPct val="100000"/>
+            </a:lnSpc>
+            <a:spcBef>
+              <a:spcPct val="0"/>
+            </a:spcBef>
+            <a:spcAft>
+              <a:spcPct val="35000"/>
+            </a:spcAft>
+          </a:pPr>
+          <a:r>
+            <a:rPr lang="zh-CN" altLang="en-US" dirty="0" smtClean="0"/>
+            <a:t>刷新读取电池型号？</a:t>
+          </a:r>
+          <a:endParaRPr lang="zh-CN" altLang="en-US" dirty="0"/>
+        </a:p>
+      </dsp:txBody>
+      <dsp:txXfrm>
+        <a:off x="2675841" y="5295894"/>
+        <a:ext cx="838676" cy="838676"/>
+      </dsp:txXfrm>
+    </dsp:sp>
+    <dsp:sp modelId="{42D9CAD3-94BE-42F2-9CC1-3850D936E956}">
+      <dsp:nvSpPr>
+        <dsp:cNvPr id="16" name="等腰三角形 15"/>
+        <dsp:cNvSpPr/>
+      </dsp:nvSpPr>
+      <dsp:spPr bwMode="white">
+        <a:xfrm>
+          <a:off x="2875136" y="4694342"/>
+          <a:ext cx="440085" cy="344310"/>
+        </a:xfrm>
+        <a:prstGeom prst="triangle">
+          <a:avLst/>
+        </a:prstGeom>
+      </dsp:spPr>
+      <dsp:style>
+        <a:lnRef idx="0">
+          <a:schemeClr val="accent1">
+            <a:tint val="60000"/>
+          </a:schemeClr>
+        </a:lnRef>
+        <a:fillRef idx="1">
+          <a:schemeClr val="accent1">
+            <a:tint val="60000"/>
+          </a:schemeClr>
+        </a:fillRef>
+        <a:effectRef idx="0">
+          <a:scrgbClr r="0" g="0" b="0"/>
+        </a:effectRef>
+        <a:fontRef idx="minor">
+          <a:schemeClr val="lt1"/>
+        </a:fontRef>
+      </dsp:style>
+      <dsp:txXfrm>
+        <a:off x="2875136" y="4694342"/>
+        <a:ext cx="440085" cy="344310"/>
+      </dsp:txXfrm>
+    </dsp:sp>
+    <dsp:sp modelId="{5E63FDEA-692D-43C9-80A7-5EB8ADADE16F}">
+      <dsp:nvSpPr>
+        <dsp:cNvPr id="18" name="椭圆 17"/>
+        <dsp:cNvSpPr/>
+      </dsp:nvSpPr>
+      <dsp:spPr bwMode="white">
+        <a:xfrm>
+          <a:off x="2675841" y="3598424"/>
+          <a:ext cx="838676" cy="838676"/>
+        </a:xfrm>
+        <a:prstGeom prst="ellipse">
+          <a:avLst/>
+        </a:prstGeom>
+      </dsp:spPr>
+      <dsp:style>
+        <a:lnRef idx="2">
+          <a:schemeClr val="lt1"/>
+        </a:lnRef>
+        <a:fillRef idx="1">
+          <a:schemeClr val="accent1"/>
+        </a:fillRef>
+        <a:effectRef idx="0">
+          <a:scrgbClr r="0" g="0" b="0"/>
+        </a:effectRef>
+        <a:fontRef idx="minor">
+          <a:schemeClr val="lt1"/>
+        </a:fontRef>
+      </dsp:style>
+      <dsp:txBody>
+        <a:bodyPr lIns="10160" tIns="10160" rIns="10160" bIns="10160" anchor="ctr"/>
+        <a:lstStyle>
+          <a:lvl1pPr algn="ctr">
+            <a:defRPr sz="800"/>
+          </a:lvl1pPr>
+          <a:lvl2pPr marL="57150" indent="-57150" algn="ctr">
+            <a:defRPr sz="600"/>
+          </a:lvl2pPr>
+          <a:lvl3pPr marL="114300" indent="-57150" algn="ctr">
+            <a:defRPr sz="600"/>
+          </a:lvl3pPr>
+          <a:lvl4pPr marL="171450" indent="-57150" algn="ctr">
+            <a:defRPr sz="600"/>
+          </a:lvl4pPr>
+          <a:lvl5pPr marL="228600" indent="-57150" algn="ctr">
+            <a:defRPr sz="600"/>
+          </a:lvl5pPr>
+          <a:lvl6pPr marL="285750" indent="-57150" algn="ctr">
+            <a:defRPr sz="600"/>
+          </a:lvl6pPr>
+          <a:lvl7pPr marL="342900" indent="-57150" algn="ctr">
+            <a:defRPr sz="600"/>
+          </a:lvl7pPr>
+          <a:lvl8pPr marL="400050" indent="-57150" algn="ctr">
+            <a:defRPr sz="600"/>
+          </a:lvl8pPr>
+          <a:lvl9pPr marL="457200" indent="-57150" algn="ctr">
+            <a:defRPr sz="600"/>
+          </a:lvl9pPr>
+        </a:lstStyle>
+        <a:p>
+          <a:pPr lvl="0">
+            <a:lnSpc>
+              <a:spcPct val="100000"/>
+            </a:lnSpc>
+            <a:spcBef>
+              <a:spcPct val="0"/>
+            </a:spcBef>
+            <a:spcAft>
+              <a:spcPct val="35000"/>
+            </a:spcAft>
+          </a:pPr>
+          <a:r>
+            <a:rPr lang="zh-CN" altLang="en-US" dirty="0" smtClean="0"/>
+            <a:t>判断</a:t>
+          </a:r>
+          <a:r>
+            <a:rPr lang="en-US" altLang="zh-CN" dirty="0" smtClean="0"/>
+            <a:t>OCV</a:t>
+          </a:r>
+          <a:r>
+            <a:rPr lang="zh-CN" altLang="en-US" dirty="0" smtClean="0"/>
+            <a:t>工艺信息是否</a:t>
+          </a:r>
+          <a:r>
+            <a:rPr lang="en-US" altLang="zh-CN" dirty="0" smtClean="0"/>
+            <a:t>NG</a:t>
+          </a:r>
+          <a:endParaRPr lang="zh-CN" altLang="en-US" dirty="0"/>
+        </a:p>
+      </dsp:txBody>
+      <dsp:txXfrm>
+        <a:off x="2675841" y="3598424"/>
+        <a:ext cx="838676" cy="838676"/>
+      </dsp:txXfrm>
+    </dsp:sp>
+    <dsp:sp modelId="{E667DE20-179B-4C3E-B9BF-03AE41624181}">
+      <dsp:nvSpPr>
+        <dsp:cNvPr id="19" name="等腰三角形 18"/>
+        <dsp:cNvSpPr/>
+      </dsp:nvSpPr>
+      <dsp:spPr bwMode="white">
+        <a:xfrm>
+          <a:off x="2875136" y="2996872"/>
+          <a:ext cx="440085" cy="344310"/>
+        </a:xfrm>
+        <a:prstGeom prst="triangle">
+          <a:avLst/>
+        </a:prstGeom>
+      </dsp:spPr>
+      <dsp:style>
+        <a:lnRef idx="0">
+          <a:schemeClr val="accent1">
+            <a:tint val="60000"/>
+          </a:schemeClr>
+        </a:lnRef>
+        <a:fillRef idx="1">
+          <a:schemeClr val="accent1">
+            <a:tint val="60000"/>
+          </a:schemeClr>
+        </a:fillRef>
+        <a:effectRef idx="0">
+          <a:scrgbClr r="0" g="0" b="0"/>
+        </a:effectRef>
+        <a:fontRef idx="minor">
+          <a:schemeClr val="lt1"/>
+        </a:fontRef>
+      </dsp:style>
+      <dsp:txXfrm>
+        <a:off x="2875136" y="2996872"/>
+        <a:ext cx="440085" cy="344310"/>
+      </dsp:txXfrm>
+    </dsp:sp>
+    <dsp:sp modelId="{A4B7A0A1-AA91-404F-8084-177422378F89}">
+      <dsp:nvSpPr>
+        <dsp:cNvPr id="21" name="椭圆 20"/>
+        <dsp:cNvSpPr/>
+      </dsp:nvSpPr>
+      <dsp:spPr bwMode="white">
+        <a:xfrm>
+          <a:off x="2675841" y="1900953"/>
+          <a:ext cx="838676" cy="838676"/>
+        </a:xfrm>
+        <a:prstGeom prst="ellipse">
+          <a:avLst/>
+        </a:prstGeom>
+      </dsp:spPr>
+      <dsp:style>
+        <a:lnRef idx="2">
+          <a:schemeClr val="lt1"/>
+        </a:lnRef>
+        <a:fillRef idx="1">
+          <a:schemeClr val="accent1"/>
+        </a:fillRef>
+        <a:effectRef idx="0">
+          <a:scrgbClr r="0" g="0" b="0"/>
+        </a:effectRef>
+        <a:fontRef idx="minor">
+          <a:schemeClr val="lt1"/>
+        </a:fontRef>
+      </dsp:style>
+      <dsp:txBody>
+        <a:bodyPr lIns="10160" tIns="10160" rIns="10160" bIns="10160" anchor="ctr"/>
+        <a:lstStyle>
+          <a:lvl1pPr algn="ctr">
+            <a:defRPr sz="800"/>
+          </a:lvl1pPr>
+          <a:lvl2pPr marL="57150" indent="-57150" algn="ctr">
+            <a:defRPr sz="600"/>
+          </a:lvl2pPr>
+          <a:lvl3pPr marL="114300" indent="-57150" algn="ctr">
+            <a:defRPr sz="600"/>
+          </a:lvl3pPr>
+          <a:lvl4pPr marL="171450" indent="-57150" algn="ctr">
+            <a:defRPr sz="600"/>
+          </a:lvl4pPr>
+          <a:lvl5pPr marL="228600" indent="-57150" algn="ctr">
+            <a:defRPr sz="600"/>
+          </a:lvl5pPr>
+          <a:lvl6pPr marL="285750" indent="-57150" algn="ctr">
+            <a:defRPr sz="600"/>
+          </a:lvl6pPr>
+          <a:lvl7pPr marL="342900" indent="-57150" algn="ctr">
+            <a:defRPr sz="600"/>
+          </a:lvl7pPr>
+          <a:lvl8pPr marL="400050" indent="-57150" algn="ctr">
+            <a:defRPr sz="600"/>
+          </a:lvl8pPr>
+          <a:lvl9pPr marL="457200" indent="-57150" algn="ctr">
+            <a:defRPr sz="600"/>
+          </a:lvl9pPr>
+        </a:lstStyle>
+        <a:p>
+          <a:pPr lvl="0">
+            <a:lnSpc>
+              <a:spcPct val="100000"/>
+            </a:lnSpc>
+            <a:spcBef>
+              <a:spcPct val="0"/>
+            </a:spcBef>
+            <a:spcAft>
+              <a:spcPct val="35000"/>
+            </a:spcAft>
+          </a:pPr>
+          <a:r>
+            <a:rPr lang="zh-CN" altLang="en-US" dirty="0" smtClean="0"/>
+            <a:t>测试，等待</a:t>
+          </a:r>
+          <a:r>
+            <a:rPr lang="en-US" altLang="zh-CN" dirty="0" smtClean="0"/>
+            <a:t>PLC</a:t>
+          </a:r>
+          <a:r>
+            <a:rPr lang="zh-CN" altLang="en-US" dirty="0" smtClean="0"/>
+            <a:t>发动测试请求</a:t>
+          </a:r>
+          <a:endParaRPr lang="zh-CN" altLang="en-US" dirty="0"/>
+        </a:p>
+      </dsp:txBody>
+      <dsp:txXfrm>
+        <a:off x="2675841" y="1900953"/>
+        <a:ext cx="838676" cy="838676"/>
+      </dsp:txXfrm>
+    </dsp:sp>
+    <dsp:sp modelId="{A9C1ABC0-2F83-4862-8598-305C06E75CC8}">
+      <dsp:nvSpPr>
+        <dsp:cNvPr id="22" name="等腰三角形 21"/>
+        <dsp:cNvSpPr/>
+      </dsp:nvSpPr>
+      <dsp:spPr bwMode="white">
+        <a:xfrm>
+          <a:off x="2875136" y="1299401"/>
+          <a:ext cx="440085" cy="344310"/>
+        </a:xfrm>
+        <a:prstGeom prst="triangle">
+          <a:avLst/>
+        </a:prstGeom>
+      </dsp:spPr>
+      <dsp:style>
+        <a:lnRef idx="0">
+          <a:schemeClr val="accent1">
+            <a:tint val="60000"/>
+          </a:schemeClr>
+        </a:lnRef>
+        <a:fillRef idx="1">
+          <a:schemeClr val="accent1">
+            <a:tint val="60000"/>
+          </a:schemeClr>
+        </a:fillRef>
+        <a:effectRef idx="0">
+          <a:scrgbClr r="0" g="0" b="0"/>
+        </a:effectRef>
+        <a:fontRef idx="minor">
+          <a:schemeClr val="lt1"/>
+        </a:fontRef>
+      </dsp:style>
+      <dsp:txXfrm>
+        <a:off x="2875136" y="1299401"/>
+        <a:ext cx="440085" cy="344310"/>
+      </dsp:txXfrm>
+    </dsp:sp>
+    <dsp:sp modelId="{8CE3665B-06B6-4127-8A60-857E06BF3FCD}">
+      <dsp:nvSpPr>
+        <dsp:cNvPr id="24" name="椭圆 23"/>
+        <dsp:cNvSpPr/>
+      </dsp:nvSpPr>
+      <dsp:spPr bwMode="white">
+        <a:xfrm>
+          <a:off x="2675841" y="203483"/>
+          <a:ext cx="838676" cy="838676"/>
+        </a:xfrm>
+        <a:prstGeom prst="ellipse">
+          <a:avLst/>
+        </a:prstGeom>
+      </dsp:spPr>
+      <dsp:style>
+        <a:lnRef idx="2">
+          <a:schemeClr val="lt1"/>
+        </a:lnRef>
+        <a:fillRef idx="1">
+          <a:schemeClr val="accent1"/>
+        </a:fillRef>
+        <a:effectRef idx="0">
+          <a:scrgbClr r="0" g="0" b="0"/>
+        </a:effectRef>
+        <a:fontRef idx="minor">
+          <a:schemeClr val="lt1"/>
+        </a:fontRef>
+      </dsp:style>
+      <dsp:txBody>
+        <a:bodyPr lIns="10160" tIns="10160" rIns="10160" bIns="10160" anchor="ctr"/>
+        <a:lstStyle>
+          <a:lvl1pPr algn="ctr">
+            <a:defRPr sz="800"/>
+          </a:lvl1pPr>
+          <a:lvl2pPr marL="57150" indent="-57150" algn="ctr">
+            <a:defRPr sz="600"/>
+          </a:lvl2pPr>
+          <a:lvl3pPr marL="114300" indent="-57150" algn="ctr">
+            <a:defRPr sz="600"/>
+          </a:lvl3pPr>
+          <a:lvl4pPr marL="171450" indent="-57150" algn="ctr">
+            <a:defRPr sz="600"/>
+          </a:lvl4pPr>
+          <a:lvl5pPr marL="228600" indent="-57150" algn="ctr">
+            <a:defRPr sz="600"/>
+          </a:lvl5pPr>
+          <a:lvl6pPr marL="285750" indent="-57150" algn="ctr">
+            <a:defRPr sz="600"/>
+          </a:lvl6pPr>
+          <a:lvl7pPr marL="342900" indent="-57150" algn="ctr">
+            <a:defRPr sz="600"/>
+          </a:lvl7pPr>
+          <a:lvl8pPr marL="400050" indent="-57150" algn="ctr">
+            <a:defRPr sz="600"/>
+          </a:lvl8pPr>
+          <a:lvl9pPr marL="457200" indent="-57150" algn="ctr">
+            <a:defRPr sz="600"/>
+          </a:lvl9pPr>
+        </a:lstStyle>
+        <a:p>
+          <a:pPr lvl="0">
+            <a:lnSpc>
+              <a:spcPct val="100000"/>
+            </a:lnSpc>
+            <a:spcBef>
+              <a:spcPct val="0"/>
+            </a:spcBef>
+            <a:spcAft>
+              <a:spcPct val="35000"/>
+            </a:spcAft>
+          </a:pPr>
+          <a:r>
+            <a:rPr lang="zh-CN" altLang="en-US" dirty="0" smtClean="0"/>
+            <a:t>测试温度</a:t>
+          </a:r>
+          <a:endParaRPr lang="zh-CN" altLang="en-US" dirty="0"/>
+        </a:p>
+      </dsp:txBody>
+      <dsp:txXfrm>
+        <a:off x="2675841" y="203483"/>
+        <a:ext cx="838676" cy="838676"/>
+      </dsp:txXfrm>
+    </dsp:sp>
+    <dsp:sp modelId="{4A3988B4-A5DE-4536-B8CD-75727BC870CB}">
+      <dsp:nvSpPr>
+        <dsp:cNvPr id="25" name="等腰三角形 24"/>
+        <dsp:cNvSpPr/>
+      </dsp:nvSpPr>
+      <dsp:spPr bwMode="white">
+        <a:xfrm rot="5436355">
+          <a:off x="3816205" y="460618"/>
+          <a:ext cx="440085" cy="344310"/>
+        </a:xfrm>
+        <a:prstGeom prst="triangle">
+          <a:avLst/>
+        </a:prstGeom>
+      </dsp:spPr>
+      <dsp:style>
+        <a:lnRef idx="0">
+          <a:schemeClr val="accent1">
+            <a:tint val="60000"/>
+          </a:schemeClr>
+        </a:lnRef>
+        <a:fillRef idx="1">
+          <a:schemeClr val="accent1">
+            <a:tint val="60000"/>
+          </a:schemeClr>
+        </a:fillRef>
+        <a:effectRef idx="0">
+          <a:scrgbClr r="0" g="0" b="0"/>
+        </a:effectRef>
+        <a:fontRef idx="minor">
+          <a:schemeClr val="lt1"/>
+        </a:fontRef>
+      </dsp:style>
+      <dsp:txXfrm rot="5436355">
+        <a:off x="3816205" y="460618"/>
+        <a:ext cx="440085" cy="344310"/>
+      </dsp:txXfrm>
+    </dsp:sp>
+    <dsp:sp modelId="{79B01941-F618-439C-B4EB-5FD94BCB128D}">
+      <dsp:nvSpPr>
+        <dsp:cNvPr id="27" name="椭圆 26"/>
+        <dsp:cNvSpPr/>
+      </dsp:nvSpPr>
+      <dsp:spPr bwMode="white">
+        <a:xfrm>
+          <a:off x="4557977" y="223388"/>
+          <a:ext cx="838676" cy="838676"/>
+        </a:xfrm>
+        <a:prstGeom prst="ellipse">
+          <a:avLst/>
+        </a:prstGeom>
+      </dsp:spPr>
+      <dsp:style>
+        <a:lnRef idx="2">
+          <a:schemeClr val="lt1"/>
+        </a:lnRef>
+        <a:fillRef idx="1">
+          <a:schemeClr val="accent1"/>
+        </a:fillRef>
+        <a:effectRef idx="0">
+          <a:scrgbClr r="0" g="0" b="0"/>
+        </a:effectRef>
+        <a:fontRef idx="minor">
+          <a:schemeClr val="lt1"/>
+        </a:fontRef>
+      </dsp:style>
+      <dsp:txBody>
+        <a:bodyPr lIns="10160" tIns="10160" rIns="10160" bIns="10160" anchor="ctr"/>
+        <a:lstStyle>
+          <a:lvl1pPr algn="ctr">
+            <a:defRPr sz="800"/>
+          </a:lvl1pPr>
+          <a:lvl2pPr marL="57150" indent="-57150" algn="ctr">
+            <a:defRPr sz="600"/>
+          </a:lvl2pPr>
+          <a:lvl3pPr marL="114300" indent="-57150" algn="ctr">
+            <a:defRPr sz="600"/>
+          </a:lvl3pPr>
+          <a:lvl4pPr marL="171450" indent="-57150" algn="ctr">
+            <a:defRPr sz="600"/>
+          </a:lvl4pPr>
+          <a:lvl5pPr marL="228600" indent="-57150" algn="ctr">
+            <a:defRPr sz="600"/>
+          </a:lvl5pPr>
+          <a:lvl6pPr marL="285750" indent="-57150" algn="ctr">
+            <a:defRPr sz="600"/>
+          </a:lvl6pPr>
+          <a:lvl7pPr marL="342900" indent="-57150" algn="ctr">
+            <a:defRPr sz="600"/>
+          </a:lvl7pPr>
+          <a:lvl8pPr marL="400050" indent="-57150" algn="ctr">
+            <a:defRPr sz="600"/>
+          </a:lvl8pPr>
+          <a:lvl9pPr marL="457200" indent="-57150" algn="ctr">
+            <a:defRPr sz="600"/>
+          </a:lvl9pPr>
+        </a:lstStyle>
+        <a:p>
+          <a:pPr lvl="0">
+            <a:lnSpc>
+              <a:spcPct val="100000"/>
+            </a:lnSpc>
+            <a:spcBef>
+              <a:spcPct val="0"/>
+            </a:spcBef>
+            <a:spcAft>
+              <a:spcPct val="35000"/>
+            </a:spcAft>
+          </a:pPr>
+          <a:r>
+            <a:rPr lang="en-US" altLang="zh-CN" dirty="0" smtClean="0"/>
+            <a:t>OCV</a:t>
+          </a:r>
+          <a:r>
+            <a:rPr lang="zh-CN" altLang="en-US" dirty="0" smtClean="0"/>
+            <a:t>逐个测量</a:t>
+          </a:r>
+          <a:endParaRPr lang="zh-CN" altLang="en-US" dirty="0"/>
+        </a:p>
+      </dsp:txBody>
+      <dsp:txXfrm>
+        <a:off x="4557977" y="223388"/>
+        <a:ext cx="838676" cy="838676"/>
+      </dsp:txXfrm>
+    </dsp:sp>
+    <dsp:sp modelId="{2D815FF0-CFD1-490F-968E-E66B11CDE2E1}">
+      <dsp:nvSpPr>
+        <dsp:cNvPr id="28" name="等腰三角形 27"/>
+        <dsp:cNvSpPr/>
+      </dsp:nvSpPr>
+      <dsp:spPr bwMode="white">
+        <a:xfrm rot="10799999">
+          <a:off x="4757273" y="1319306"/>
+          <a:ext cx="440085" cy="344310"/>
+        </a:xfrm>
+        <a:prstGeom prst="triangle">
+          <a:avLst/>
+        </a:prstGeom>
+      </dsp:spPr>
+      <dsp:style>
+        <a:lnRef idx="0">
+          <a:schemeClr val="accent1">
+            <a:tint val="60000"/>
+          </a:schemeClr>
+        </a:lnRef>
+        <a:fillRef idx="1">
+          <a:schemeClr val="accent1">
+            <a:tint val="60000"/>
+          </a:schemeClr>
+        </a:fillRef>
+        <a:effectRef idx="0">
+          <a:scrgbClr r="0" g="0" b="0"/>
+        </a:effectRef>
+        <a:fontRef idx="minor">
+          <a:schemeClr val="lt1"/>
+        </a:fontRef>
+      </dsp:style>
+      <dsp:txXfrm rot="10799999">
+        <a:off x="4757273" y="1319306"/>
+        <a:ext cx="440085" cy="344310"/>
+      </dsp:txXfrm>
+    </dsp:sp>
+    <dsp:sp modelId="{A13C6226-CA96-4B54-9040-9B6E1F6DD7AA}">
+      <dsp:nvSpPr>
+        <dsp:cNvPr id="30" name="椭圆 29"/>
+        <dsp:cNvSpPr/>
+      </dsp:nvSpPr>
+      <dsp:spPr bwMode="white">
+        <a:xfrm>
+          <a:off x="4557977" y="1920858"/>
+          <a:ext cx="838676" cy="838676"/>
+        </a:xfrm>
+        <a:prstGeom prst="ellipse">
+          <a:avLst/>
+        </a:prstGeom>
+      </dsp:spPr>
+      <dsp:style>
+        <a:lnRef idx="2">
+          <a:schemeClr val="lt1"/>
+        </a:lnRef>
+        <a:fillRef idx="1">
+          <a:schemeClr val="accent1"/>
+        </a:fillRef>
+        <a:effectRef idx="0">
+          <a:scrgbClr r="0" g="0" b="0"/>
+        </a:effectRef>
+        <a:fontRef idx="minor">
+          <a:schemeClr val="lt1"/>
+        </a:fontRef>
+      </dsp:style>
+      <dsp:txBody>
+        <a:bodyPr lIns="10160" tIns="10160" rIns="10160" bIns="10160" anchor="ctr">
+          <a:normAutofit/>
+        </a:bodyPr>
+        <a:lstStyle>
+          <a:lvl1pPr algn="ctr">
+            <a:defRPr sz="800"/>
+          </a:lvl1pPr>
+          <a:lvl2pPr marL="57150" indent="-57150" algn="ctr">
+            <a:defRPr sz="600"/>
+          </a:lvl2pPr>
+          <a:lvl3pPr marL="114300" indent="-57150" algn="ctr">
+            <a:defRPr sz="600"/>
+          </a:lvl3pPr>
+          <a:lvl4pPr marL="171450" indent="-57150" algn="ctr">
+            <a:defRPr sz="600"/>
+          </a:lvl4pPr>
+          <a:lvl5pPr marL="228600" indent="-57150" algn="ctr">
+            <a:defRPr sz="600"/>
+          </a:lvl5pPr>
+          <a:lvl6pPr marL="285750" indent="-57150" algn="ctr">
+            <a:defRPr sz="600"/>
+          </a:lvl6pPr>
+          <a:lvl7pPr marL="342900" indent="-57150" algn="ctr">
+            <a:defRPr sz="600"/>
+          </a:lvl7pPr>
+          <a:lvl8pPr marL="400050" indent="-57150" algn="ctr">
+            <a:defRPr sz="600"/>
+          </a:lvl8pPr>
+          <a:lvl9pPr marL="457200" indent="-57150" algn="ctr">
+            <a:defRPr sz="600"/>
+          </a:lvl9pPr>
+        </a:lstStyle>
+        <a:p>
+          <a:pPr lvl="0">
+            <a:lnSpc>
+              <a:spcPct val="100000"/>
+            </a:lnSpc>
+            <a:spcBef>
+              <a:spcPct val="0"/>
+            </a:spcBef>
+            <a:spcAft>
+              <a:spcPct val="35000"/>
+            </a:spcAft>
+            <a:buNone/>
+          </a:pPr>
+          <a:r>
+            <a:rPr lang="en-US" altLang="zh-CN" dirty="0" smtClean="0"/>
+            <a:t>OCV</a:t>
+          </a:r>
+          <a:r>
+            <a:rPr lang="zh-CN" altLang="en-US" dirty="0" smtClean="0"/>
+            <a:t>测试完成判断（</a:t>
+          </a:r>
+          <a:r>
+            <a:rPr lang="zh-CN" altLang="en-US" dirty="0" smtClean="0"/>
+            <a:t>测正负极</a:t>
+          </a:r>
+          <a:r>
+            <a:rPr lang="zh-CN" altLang="en-US" dirty="0" smtClean="0"/>
+            <a:t>，</a:t>
+          </a:r>
+          <a:r>
+            <a:rPr lang="en-US" altLang="zh-CN" dirty="0" smtClean="0"/>
+            <a:t>测试温度</a:t>
+          </a:r>
+          <a:r>
+            <a:rPr lang="zh-CN" altLang="en-US" dirty="0" smtClean="0"/>
+            <a:t>）</a:t>
+          </a:r>
+          <a:endParaRPr lang="zh-CN" altLang="en-US" dirty="0"/>
+        </a:p>
+      </dsp:txBody>
+      <dsp:txXfrm>
+        <a:off x="4557977" y="1920858"/>
+        <a:ext cx="838676" cy="838676"/>
+      </dsp:txXfrm>
+    </dsp:sp>
+    <dsp:sp modelId="{0EE1C8E4-06B6-41B1-B141-C7EAE3B2B5DF}">
+      <dsp:nvSpPr>
+        <dsp:cNvPr id="31" name="等腰三角形 30"/>
+        <dsp:cNvSpPr/>
+      </dsp:nvSpPr>
+      <dsp:spPr bwMode="white">
+        <a:xfrm rot="10799999">
+          <a:off x="4757273" y="3016777"/>
+          <a:ext cx="440085" cy="344310"/>
+        </a:xfrm>
+        <a:prstGeom prst="triangle">
+          <a:avLst/>
+        </a:prstGeom>
+      </dsp:spPr>
+      <dsp:style>
+        <a:lnRef idx="0">
+          <a:schemeClr val="accent1">
+            <a:tint val="60000"/>
+          </a:schemeClr>
+        </a:lnRef>
+        <a:fillRef idx="1">
+          <a:schemeClr val="accent1">
+            <a:tint val="60000"/>
+          </a:schemeClr>
+        </a:fillRef>
+        <a:effectRef idx="0">
+          <a:scrgbClr r="0" g="0" b="0"/>
+        </a:effectRef>
+        <a:fontRef idx="minor">
+          <a:schemeClr val="lt1"/>
+        </a:fontRef>
+      </dsp:style>
+      <dsp:txXfrm rot="10799999">
+        <a:off x="4757273" y="3016777"/>
+        <a:ext cx="440085" cy="344310"/>
+      </dsp:txXfrm>
+    </dsp:sp>
+    <dsp:sp modelId="{0221DA78-ECD3-4E3B-A28A-62649072BFBA}">
+      <dsp:nvSpPr>
+        <dsp:cNvPr id="33" name="椭圆 32"/>
+        <dsp:cNvSpPr/>
+      </dsp:nvSpPr>
+      <dsp:spPr bwMode="white">
+        <a:xfrm>
+          <a:off x="4557977" y="3618329"/>
+          <a:ext cx="838676" cy="838676"/>
+        </a:xfrm>
+        <a:prstGeom prst="ellipse">
+          <a:avLst/>
+        </a:prstGeom>
+      </dsp:spPr>
+      <dsp:style>
+        <a:lnRef idx="2">
+          <a:schemeClr val="lt1"/>
+        </a:lnRef>
+        <a:fillRef idx="1">
+          <a:schemeClr val="accent1"/>
+        </a:fillRef>
+        <a:effectRef idx="0">
+          <a:scrgbClr r="0" g="0" b="0"/>
+        </a:effectRef>
+        <a:fontRef idx="minor">
+          <a:schemeClr val="lt1"/>
+        </a:fontRef>
+      </dsp:style>
+      <dsp:txBody>
+        <a:bodyPr lIns="10160" tIns="10160" rIns="10160" bIns="10160" anchor="ctr"/>
+        <a:lstStyle>
+          <a:lvl1pPr algn="ctr">
+            <a:defRPr sz="800"/>
+          </a:lvl1pPr>
+          <a:lvl2pPr marL="57150" indent="-57150" algn="ctr">
+            <a:defRPr sz="600"/>
+          </a:lvl2pPr>
+          <a:lvl3pPr marL="114300" indent="-57150" algn="ctr">
+            <a:defRPr sz="600"/>
+          </a:lvl3pPr>
+          <a:lvl4pPr marL="171450" indent="-57150" algn="ctr">
+            <a:defRPr sz="600"/>
+          </a:lvl4pPr>
+          <a:lvl5pPr marL="228600" indent="-57150" algn="ctr">
+            <a:defRPr sz="600"/>
+          </a:lvl5pPr>
+          <a:lvl6pPr marL="285750" indent="-57150" algn="ctr">
+            <a:defRPr sz="600"/>
+          </a:lvl6pPr>
+          <a:lvl7pPr marL="342900" indent="-57150" algn="ctr">
+            <a:defRPr sz="600"/>
+          </a:lvl7pPr>
+          <a:lvl8pPr marL="400050" indent="-57150" algn="ctr">
+            <a:defRPr sz="600"/>
+          </a:lvl8pPr>
+          <a:lvl9pPr marL="457200" indent="-57150" algn="ctr">
+            <a:defRPr sz="600"/>
+          </a:lvl9pPr>
+        </a:lstStyle>
+        <a:p>
+          <a:pPr lvl="0">
+            <a:lnSpc>
+              <a:spcPct val="100000"/>
+            </a:lnSpc>
+            <a:spcBef>
+              <a:spcPct val="0"/>
+            </a:spcBef>
+            <a:spcAft>
+              <a:spcPct val="35000"/>
+            </a:spcAft>
+          </a:pPr>
+          <a:r>
+            <a:rPr lang="zh-CN" altLang="en-US" dirty="0" smtClean="0"/>
+            <a:t>数据处理</a:t>
+          </a:r>
+          <a:endParaRPr lang="zh-CN" altLang="en-US" dirty="0"/>
+        </a:p>
+      </dsp:txBody>
+      <dsp:txXfrm>
+        <a:off x="4557977" y="3618329"/>
+        <a:ext cx="838676" cy="838676"/>
+      </dsp:txXfrm>
+    </dsp:sp>
+    <dsp:sp modelId="{4F168077-B952-47C6-8730-0C40F27AF78A}">
+      <dsp:nvSpPr>
+        <dsp:cNvPr id="34" name="等腰三角形 33"/>
+        <dsp:cNvSpPr/>
+      </dsp:nvSpPr>
+      <dsp:spPr bwMode="white">
+        <a:xfrm rot="10799999">
+          <a:off x="4757273" y="4714247"/>
+          <a:ext cx="440085" cy="344310"/>
+        </a:xfrm>
+        <a:prstGeom prst="triangle">
+          <a:avLst/>
+        </a:prstGeom>
+      </dsp:spPr>
+      <dsp:style>
+        <a:lnRef idx="0">
+          <a:schemeClr val="accent1">
+            <a:tint val="60000"/>
+          </a:schemeClr>
+        </a:lnRef>
+        <a:fillRef idx="1">
+          <a:schemeClr val="accent1">
+            <a:tint val="60000"/>
+          </a:schemeClr>
+        </a:fillRef>
+        <a:effectRef idx="0">
+          <a:scrgbClr r="0" g="0" b="0"/>
+        </a:effectRef>
+        <a:fontRef idx="minor">
+          <a:schemeClr val="lt1"/>
+        </a:fontRef>
+      </dsp:style>
+      <dsp:txXfrm rot="10799999">
+        <a:off x="4757273" y="4714247"/>
+        <a:ext cx="440085" cy="344310"/>
+      </dsp:txXfrm>
+    </dsp:sp>
+    <dsp:sp modelId="{9EC41427-B82F-441B-99EB-115ED537FFFE}">
+      <dsp:nvSpPr>
+        <dsp:cNvPr id="36" name="椭圆 35"/>
+        <dsp:cNvSpPr/>
+      </dsp:nvSpPr>
+      <dsp:spPr bwMode="white">
+        <a:xfrm>
+          <a:off x="4557977" y="5315799"/>
+          <a:ext cx="838676" cy="838676"/>
+        </a:xfrm>
+        <a:prstGeom prst="ellipse">
+          <a:avLst/>
+        </a:prstGeom>
+      </dsp:spPr>
+      <dsp:style>
+        <a:lnRef idx="2">
+          <a:schemeClr val="lt1"/>
+        </a:lnRef>
+        <a:fillRef idx="1">
+          <a:schemeClr val="accent1"/>
+        </a:fillRef>
+        <a:effectRef idx="0">
+          <a:scrgbClr r="0" g="0" b="0"/>
+        </a:effectRef>
+        <a:fontRef idx="minor">
+          <a:schemeClr val="lt1"/>
+        </a:fontRef>
+      </dsp:style>
+      <dsp:txBody>
+        <a:bodyPr lIns="10160" tIns="10160" rIns="10160" bIns="10160" anchor="ctr"/>
+        <a:lstStyle>
+          <a:lvl1pPr algn="ctr">
+            <a:defRPr sz="800"/>
+          </a:lvl1pPr>
+          <a:lvl2pPr marL="57150" indent="-57150" algn="ctr">
+            <a:defRPr sz="600"/>
+          </a:lvl2pPr>
+          <a:lvl3pPr marL="114300" indent="-57150" algn="ctr">
+            <a:defRPr sz="600"/>
+          </a:lvl3pPr>
+          <a:lvl4pPr marL="171450" indent="-57150" algn="ctr">
+            <a:defRPr sz="600"/>
+          </a:lvl4pPr>
+          <a:lvl5pPr marL="228600" indent="-57150" algn="ctr">
+            <a:defRPr sz="600"/>
+          </a:lvl5pPr>
+          <a:lvl6pPr marL="285750" indent="-57150" algn="ctr">
+            <a:defRPr sz="600"/>
+          </a:lvl6pPr>
+          <a:lvl7pPr marL="342900" indent="-57150" algn="ctr">
+            <a:defRPr sz="600"/>
+          </a:lvl7pPr>
+          <a:lvl8pPr marL="400050" indent="-57150" algn="ctr">
+            <a:defRPr sz="600"/>
+          </a:lvl8pPr>
+          <a:lvl9pPr marL="457200" indent="-57150" algn="ctr">
+            <a:defRPr sz="600"/>
+          </a:lvl9pPr>
+        </a:lstStyle>
+        <a:p>
+          <a:pPr lvl="0">
+            <a:lnSpc>
+              <a:spcPct val="100000"/>
+            </a:lnSpc>
+            <a:spcBef>
+              <a:spcPct val="0"/>
+            </a:spcBef>
+            <a:spcAft>
+              <a:spcPct val="35000"/>
+            </a:spcAft>
+          </a:pPr>
+          <a:r>
+            <a:rPr lang="zh-CN" altLang="en-US" dirty="0" smtClean="0"/>
+            <a:t>保存数据并上传</a:t>
+          </a:r>
+          <a:r>
+            <a:rPr lang="en-US" altLang="zh-CN" dirty="0" smtClean="0"/>
+            <a:t>MES</a:t>
+          </a:r>
+          <a:endParaRPr lang="zh-CN" altLang="en-US" dirty="0"/>
+        </a:p>
+      </dsp:txBody>
+      <dsp:txXfrm>
+        <a:off x="4557977" y="5315799"/>
+        <a:ext cx="838676" cy="838676"/>
+      </dsp:txXfrm>
+    </dsp:sp>
+    <dsp:sp modelId="{74FF711C-7D8D-46EC-B8AC-E6C4A296F923}">
+      <dsp:nvSpPr>
+        <dsp:cNvPr id="37" name="等腰三角形 36"/>
+        <dsp:cNvSpPr/>
+      </dsp:nvSpPr>
+      <dsp:spPr bwMode="white">
+        <a:xfrm rot="5363644">
+          <a:off x="5698341" y="5553030"/>
+          <a:ext cx="440085" cy="344310"/>
+        </a:xfrm>
+        <a:prstGeom prst="triangle">
+          <a:avLst/>
+        </a:prstGeom>
+      </dsp:spPr>
+      <dsp:style>
+        <a:lnRef idx="0">
+          <a:schemeClr val="accent1">
+            <a:tint val="60000"/>
+          </a:schemeClr>
+        </a:lnRef>
+        <a:fillRef idx="1">
+          <a:schemeClr val="accent1">
+            <a:tint val="60000"/>
+          </a:schemeClr>
+        </a:fillRef>
+        <a:effectRef idx="0">
+          <a:scrgbClr r="0" g="0" b="0"/>
+        </a:effectRef>
+        <a:fontRef idx="minor">
+          <a:schemeClr val="lt1"/>
+        </a:fontRef>
+      </dsp:style>
+      <dsp:txXfrm rot="5363644">
+        <a:off x="5698341" y="5553030"/>
+        <a:ext cx="440085" cy="344310"/>
+      </dsp:txXfrm>
+    </dsp:sp>
+    <dsp:sp modelId="{89946A38-C436-40F5-A830-AF1DBFDE465F}">
+      <dsp:nvSpPr>
+        <dsp:cNvPr id="39" name="椭圆 38"/>
+        <dsp:cNvSpPr/>
+      </dsp:nvSpPr>
+      <dsp:spPr bwMode="white">
+        <a:xfrm>
+          <a:off x="6440114" y="5295894"/>
+          <a:ext cx="838676" cy="838676"/>
+        </a:xfrm>
+        <a:prstGeom prst="ellipse">
+          <a:avLst/>
+        </a:prstGeom>
+      </dsp:spPr>
+      <dsp:style>
+        <a:lnRef idx="2">
+          <a:schemeClr val="lt1"/>
+        </a:lnRef>
+        <a:fillRef idx="1">
+          <a:schemeClr val="accent1"/>
+        </a:fillRef>
+        <a:effectRef idx="0">
+          <a:scrgbClr r="0" g="0" b="0"/>
+        </a:effectRef>
+        <a:fontRef idx="minor">
+          <a:schemeClr val="lt1"/>
+        </a:fontRef>
+      </dsp:style>
+      <dsp:txBody>
+        <a:bodyPr lIns="10160" tIns="10160" rIns="10160" bIns="10160" anchor="ctr"/>
+        <a:lstStyle>
+          <a:lvl1pPr algn="ctr">
+            <a:defRPr sz="800"/>
+          </a:lvl1pPr>
+          <a:lvl2pPr marL="57150" indent="-57150" algn="ctr">
+            <a:defRPr sz="600"/>
+          </a:lvl2pPr>
+          <a:lvl3pPr marL="114300" indent="-57150" algn="ctr">
+            <a:defRPr sz="600"/>
+          </a:lvl3pPr>
+          <a:lvl4pPr marL="171450" indent="-57150" algn="ctr">
+            <a:defRPr sz="600"/>
+          </a:lvl4pPr>
+          <a:lvl5pPr marL="228600" indent="-57150" algn="ctr">
+            <a:defRPr sz="600"/>
+          </a:lvl5pPr>
+          <a:lvl6pPr marL="285750" indent="-57150" algn="ctr">
+            <a:defRPr sz="600"/>
+          </a:lvl6pPr>
+          <a:lvl7pPr marL="342900" indent="-57150" algn="ctr">
+            <a:defRPr sz="600"/>
+          </a:lvl7pPr>
+          <a:lvl8pPr marL="400050" indent="-57150" algn="ctr">
+            <a:defRPr sz="600"/>
+          </a:lvl8pPr>
+          <a:lvl9pPr marL="457200" indent="-57150" algn="ctr">
+            <a:defRPr sz="600"/>
+          </a:lvl9pPr>
+        </a:lstStyle>
+        <a:p>
+          <a:pPr lvl="0">
+            <a:lnSpc>
+              <a:spcPct val="100000"/>
+            </a:lnSpc>
+            <a:spcBef>
+              <a:spcPct val="0"/>
+            </a:spcBef>
+            <a:spcAft>
+              <a:spcPct val="35000"/>
+            </a:spcAft>
+          </a:pPr>
+          <a:r>
+            <a:rPr lang="zh-CN" altLang="en-US" dirty="0" smtClean="0"/>
+            <a:t>判断是否再次测试</a:t>
+          </a:r>
+          <a:endParaRPr lang="zh-CN" altLang="en-US" dirty="0"/>
+        </a:p>
+      </dsp:txBody>
+      <dsp:txXfrm>
+        <a:off x="6440114" y="5295894"/>
+        <a:ext cx="838676" cy="838676"/>
+      </dsp:txXfrm>
+    </dsp:sp>
+    <dsp:sp modelId="{58C0B097-FF37-48AF-A63F-37B3E58EC357}">
+      <dsp:nvSpPr>
+        <dsp:cNvPr id="40" name="等腰三角形 39"/>
+        <dsp:cNvSpPr/>
+      </dsp:nvSpPr>
+      <dsp:spPr bwMode="white">
+        <a:xfrm>
+          <a:off x="6639410" y="4694342"/>
+          <a:ext cx="440085" cy="344310"/>
+        </a:xfrm>
+        <a:prstGeom prst="triangle">
+          <a:avLst/>
+        </a:prstGeom>
+      </dsp:spPr>
+      <dsp:style>
+        <a:lnRef idx="0">
+          <a:schemeClr val="accent1">
+            <a:tint val="60000"/>
+          </a:schemeClr>
+        </a:lnRef>
+        <a:fillRef idx="1">
+          <a:schemeClr val="accent1">
+            <a:tint val="60000"/>
+          </a:schemeClr>
+        </a:fillRef>
+        <a:effectRef idx="0">
+          <a:scrgbClr r="0" g="0" b="0"/>
+        </a:effectRef>
+        <a:fontRef idx="minor">
+          <a:schemeClr val="lt1"/>
+        </a:fontRef>
+      </dsp:style>
+      <dsp:txXfrm>
+        <a:off x="6639410" y="4694342"/>
+        <a:ext cx="440085" cy="344310"/>
+      </dsp:txXfrm>
+    </dsp:sp>
+    <dsp:sp modelId="{1CA4E8C6-4323-4106-BE67-7E987C17AC88}">
+      <dsp:nvSpPr>
+        <dsp:cNvPr id="42" name="椭圆 41"/>
+        <dsp:cNvSpPr/>
+      </dsp:nvSpPr>
+      <dsp:spPr bwMode="white">
+        <a:xfrm>
+          <a:off x="6440114" y="3598424"/>
+          <a:ext cx="838676" cy="838676"/>
+        </a:xfrm>
+        <a:prstGeom prst="ellipse">
+          <a:avLst/>
+        </a:prstGeom>
+      </dsp:spPr>
+      <dsp:style>
+        <a:lnRef idx="2">
+          <a:schemeClr val="lt1"/>
+        </a:lnRef>
+        <a:fillRef idx="1">
+          <a:schemeClr val="accent1"/>
+        </a:fillRef>
+        <a:effectRef idx="0">
+          <a:scrgbClr r="0" g="0" b="0"/>
+        </a:effectRef>
+        <a:fontRef idx="minor">
+          <a:schemeClr val="lt1"/>
+        </a:fontRef>
+      </dsp:style>
+      <dsp:txBody>
+        <a:bodyPr lIns="10160" tIns="10160" rIns="10160" bIns="10160" anchor="ctr"/>
+        <a:lstStyle>
+          <a:lvl1pPr algn="ctr">
+            <a:defRPr sz="800"/>
+          </a:lvl1pPr>
+          <a:lvl2pPr marL="57150" indent="-57150" algn="ctr">
+            <a:defRPr sz="600"/>
+          </a:lvl2pPr>
+          <a:lvl3pPr marL="114300" indent="-57150" algn="ctr">
+            <a:defRPr sz="600"/>
+          </a:lvl3pPr>
+          <a:lvl4pPr marL="171450" indent="-57150" algn="ctr">
+            <a:defRPr sz="600"/>
+          </a:lvl4pPr>
+          <a:lvl5pPr marL="228600" indent="-57150" algn="ctr">
+            <a:defRPr sz="600"/>
+          </a:lvl5pPr>
+          <a:lvl6pPr marL="285750" indent="-57150" algn="ctr">
+            <a:defRPr sz="600"/>
+          </a:lvl6pPr>
+          <a:lvl7pPr marL="342900" indent="-57150" algn="ctr">
+            <a:defRPr sz="600"/>
+          </a:lvl7pPr>
+          <a:lvl8pPr marL="400050" indent="-57150" algn="ctr">
+            <a:defRPr sz="600"/>
+          </a:lvl8pPr>
+          <a:lvl9pPr marL="457200" indent="-57150" algn="ctr">
+            <a:defRPr sz="600"/>
+          </a:lvl9pPr>
+        </a:lstStyle>
+        <a:p>
+          <a:pPr lvl="0">
+            <a:lnSpc>
+              <a:spcPct val="100000"/>
+            </a:lnSpc>
+            <a:spcBef>
+              <a:spcPct val="0"/>
+            </a:spcBef>
+            <a:spcAft>
+              <a:spcPct val="35000"/>
+            </a:spcAft>
+          </a:pPr>
+          <a:r>
+            <a:rPr lang="zh-CN" altLang="en-US" dirty="0" smtClean="0"/>
+            <a:t>数据分析</a:t>
+          </a:r>
+          <a:endParaRPr lang="zh-CN" altLang="en-US" dirty="0"/>
+        </a:p>
+      </dsp:txBody>
+      <dsp:txXfrm>
+        <a:off x="6440114" y="3598424"/>
+        <a:ext cx="838676" cy="838676"/>
+      </dsp:txXfrm>
+    </dsp:sp>
+    <dsp:sp modelId="{03476D4B-956A-46AE-AF5B-C9E1DDFBDE26}">
+      <dsp:nvSpPr>
+        <dsp:cNvPr id="43" name="等腰三角形 42"/>
+        <dsp:cNvSpPr/>
+      </dsp:nvSpPr>
+      <dsp:spPr bwMode="white">
+        <a:xfrm>
+          <a:off x="6639410" y="2996872"/>
+          <a:ext cx="440085" cy="344310"/>
+        </a:xfrm>
+        <a:prstGeom prst="triangle">
+          <a:avLst/>
+        </a:prstGeom>
+      </dsp:spPr>
+      <dsp:style>
+        <a:lnRef idx="0">
+          <a:schemeClr val="accent1">
+            <a:tint val="60000"/>
+          </a:schemeClr>
+        </a:lnRef>
+        <a:fillRef idx="1">
+          <a:schemeClr val="accent1">
+            <a:tint val="60000"/>
+          </a:schemeClr>
+        </a:fillRef>
+        <a:effectRef idx="0">
+          <a:scrgbClr r="0" g="0" b="0"/>
+        </a:effectRef>
+        <a:fontRef idx="minor">
+          <a:schemeClr val="lt1"/>
+        </a:fontRef>
+      </dsp:style>
+      <dsp:txXfrm>
+        <a:off x="6639410" y="2996872"/>
+        <a:ext cx="440085" cy="344310"/>
+      </dsp:txXfrm>
+    </dsp:sp>
+    <dsp:sp modelId="{5900D13B-BFCB-4FE7-BB9F-5F363256ED39}">
+      <dsp:nvSpPr>
+        <dsp:cNvPr id="45" name="椭圆 44"/>
+        <dsp:cNvSpPr/>
+      </dsp:nvSpPr>
+      <dsp:spPr bwMode="white">
+        <a:xfrm>
+          <a:off x="6440114" y="1900953"/>
+          <a:ext cx="838676" cy="838676"/>
+        </a:xfrm>
+        <a:prstGeom prst="ellipse">
+          <a:avLst/>
+        </a:prstGeom>
+      </dsp:spPr>
+      <dsp:style>
+        <a:lnRef idx="2">
+          <a:schemeClr val="lt1"/>
+        </a:lnRef>
+        <a:fillRef idx="1">
+          <a:schemeClr val="accent1"/>
+        </a:fillRef>
+        <a:effectRef idx="0">
+          <a:scrgbClr r="0" g="0" b="0"/>
+        </a:effectRef>
+        <a:fontRef idx="minor">
+          <a:schemeClr val="lt1"/>
+        </a:fontRef>
+      </dsp:style>
+      <dsp:txBody>
+        <a:bodyPr lIns="10160" tIns="10160" rIns="10160" bIns="10160" anchor="ctr"/>
+        <a:lstStyle>
+          <a:lvl1pPr algn="ctr">
+            <a:defRPr sz="800"/>
+          </a:lvl1pPr>
+          <a:lvl2pPr marL="57150" indent="-57150" algn="ctr">
+            <a:defRPr sz="600"/>
+          </a:lvl2pPr>
+          <a:lvl3pPr marL="114300" indent="-57150" algn="ctr">
+            <a:defRPr sz="600"/>
+          </a:lvl3pPr>
+          <a:lvl4pPr marL="171450" indent="-57150" algn="ctr">
+            <a:defRPr sz="600"/>
+          </a:lvl4pPr>
+          <a:lvl5pPr marL="228600" indent="-57150" algn="ctr">
+            <a:defRPr sz="600"/>
+          </a:lvl5pPr>
+          <a:lvl6pPr marL="285750" indent="-57150" algn="ctr">
+            <a:defRPr sz="600"/>
+          </a:lvl6pPr>
+          <a:lvl7pPr marL="342900" indent="-57150" algn="ctr">
+            <a:defRPr sz="600"/>
+          </a:lvl7pPr>
+          <a:lvl8pPr marL="400050" indent="-57150" algn="ctr">
+            <a:defRPr sz="600"/>
+          </a:lvl8pPr>
+          <a:lvl9pPr marL="457200" indent="-57150" algn="ctr">
+            <a:defRPr sz="600"/>
+          </a:lvl9pPr>
+        </a:lstStyle>
+        <a:p>
+          <a:pPr lvl="0">
+            <a:lnSpc>
+              <a:spcPct val="100000"/>
+            </a:lnSpc>
+            <a:spcBef>
+              <a:spcPct val="0"/>
+            </a:spcBef>
+            <a:spcAft>
+              <a:spcPct val="35000"/>
+            </a:spcAft>
+          </a:pPr>
+          <a:r>
+            <a:rPr lang="zh-CN" altLang="en-US" dirty="0" smtClean="0"/>
+            <a:t>测试完成</a:t>
+          </a:r>
+          <a:endParaRPr lang="zh-CN" altLang="en-US" dirty="0"/>
+        </a:p>
+      </dsp:txBody>
+      <dsp:txXfrm>
+        <a:off x="6440114" y="1900953"/>
+        <a:ext cx="838676" cy="838676"/>
+      </dsp:txXfrm>
+    </dsp:sp>
+    <dsp:sp modelId="{CC99198C-0D93-4A9A-977F-D0B4318DDFEA}">
+      <dsp:nvSpPr>
+        <dsp:cNvPr id="46" name="等腰三角形 45"/>
+        <dsp:cNvSpPr/>
+      </dsp:nvSpPr>
+      <dsp:spPr bwMode="white">
+        <a:xfrm>
+          <a:off x="6639410" y="1404078"/>
+          <a:ext cx="440085" cy="344310"/>
+        </a:xfrm>
+        <a:prstGeom prst="triangle">
+          <a:avLst/>
+        </a:prstGeom>
+      </dsp:spPr>
+      <dsp:style>
+        <a:lnRef idx="0">
+          <a:schemeClr val="accent1">
+            <a:tint val="60000"/>
+          </a:schemeClr>
+        </a:lnRef>
+        <a:fillRef idx="1">
+          <a:schemeClr val="accent1">
+            <a:tint val="60000"/>
+          </a:schemeClr>
+        </a:fillRef>
+        <a:effectRef idx="0">
+          <a:scrgbClr r="0" g="0" b="0"/>
+        </a:effectRef>
+        <a:fontRef idx="minor">
+          <a:schemeClr val="lt1"/>
+        </a:fontRef>
+      </dsp:style>
+      <dsp:txXfrm>
+        <a:off x="6639410" y="1404078"/>
+        <a:ext cx="440085" cy="344310"/>
+      </dsp:txXfrm>
+    </dsp:sp>
+    <dsp:sp modelId="{3D9D06BB-D3D3-4449-9FFE-B216A8724DBE}">
+      <dsp:nvSpPr>
+        <dsp:cNvPr id="47" name="椭圆 46"/>
+        <dsp:cNvSpPr/>
+      </dsp:nvSpPr>
+      <dsp:spPr bwMode="white">
+        <a:xfrm>
+          <a:off x="6230759" y="-5872"/>
+          <a:ext cx="1257386" cy="1257386"/>
+        </a:xfrm>
+        <a:prstGeom prst="ellipse">
+          <a:avLst/>
+        </a:prstGeom>
+      </dsp:spPr>
+      <dsp:style>
+        <a:lnRef idx="2">
+          <a:schemeClr val="lt1"/>
+        </a:lnRef>
+        <a:fillRef idx="1">
+          <a:schemeClr val="accent1"/>
+        </a:fillRef>
+        <a:effectRef idx="0">
+          <a:scrgbClr r="0" g="0" b="0"/>
+        </a:effectRef>
+        <a:fontRef idx="minor">
+          <a:schemeClr val="lt1"/>
+        </a:fontRef>
+      </dsp:style>
+      <dsp:txBody>
+        <a:bodyPr lIns="33020" tIns="33020" rIns="33020" bIns="33020" anchor="ctr"/>
+        <a:lstStyle>
+          <a:lvl1pPr algn="ctr">
+            <a:defRPr sz="2600"/>
+          </a:lvl1pPr>
+          <a:lvl2pPr marL="228600" indent="-228600" algn="ctr">
+            <a:defRPr sz="2000"/>
+          </a:lvl2pPr>
+          <a:lvl3pPr marL="457200" indent="-228600" algn="ctr">
+            <a:defRPr sz="2000"/>
+          </a:lvl3pPr>
+          <a:lvl4pPr marL="685800" indent="-228600" algn="ctr">
+            <a:defRPr sz="2000"/>
+          </a:lvl4pPr>
+          <a:lvl5pPr marL="914400" indent="-228600" algn="ctr">
+            <a:defRPr sz="2000"/>
+          </a:lvl5pPr>
+          <a:lvl6pPr marL="1143000" indent="-228600" algn="ctr">
+            <a:defRPr sz="2000"/>
+          </a:lvl6pPr>
+          <a:lvl7pPr marL="1371600" indent="-228600" algn="ctr">
+            <a:defRPr sz="2000"/>
+          </a:lvl7pPr>
+          <a:lvl8pPr marL="1600200" indent="-228600" algn="ctr">
+            <a:defRPr sz="2000"/>
+          </a:lvl8pPr>
+          <a:lvl9pPr marL="1828800" indent="-228600" algn="ctr">
+            <a:defRPr sz="2000"/>
+          </a:lvl9pPr>
+        </a:lstStyle>
+        <a:p>
+          <a:pPr lvl="0">
+            <a:lnSpc>
+              <a:spcPct val="100000"/>
+            </a:lnSpc>
+            <a:spcBef>
+              <a:spcPct val="0"/>
+            </a:spcBef>
+            <a:spcAft>
+              <a:spcPct val="35000"/>
+            </a:spcAft>
+          </a:pPr>
+          <a:r>
+            <a:rPr lang="zh-CN" altLang="en-US" dirty="0" smtClean="0"/>
+            <a:t>出托盘</a:t>
+          </a:r>
+          <a:endParaRPr lang="zh-CN" altLang="en-US" dirty="0"/>
+        </a:p>
+      </dsp:txBody>
+      <dsp:txXfrm>
+        <a:off x="6230759" y="-5872"/>
+        <a:ext cx="1257386" cy="1257386"/>
+      </dsp:txXfrm>
+    </dsp:sp>
+    <dsp:sp modelId="{89865745-9095-4BBE-A14A-22C15F0F31DE}">
+      <dsp:nvSpPr>
+        <dsp:cNvPr id="5" name="椭圆 4" hidden="1"/>
+        <dsp:cNvSpPr/>
+      </dsp:nvSpPr>
+      <dsp:spPr>
+        <a:xfrm>
+          <a:off x="584349" y="1711504"/>
+          <a:ext cx="1257386" cy="1257386"/>
+        </a:xfrm>
+        <a:prstGeom prst="ellipse">
+          <a:avLst/>
+        </a:prstGeom>
+      </dsp:spPr>
+      <dsp:txXfrm>
+        <a:off x="584349" y="1711504"/>
+        <a:ext cx="1257386" cy="1257386"/>
+      </dsp:txXfrm>
+    </dsp:sp>
+    <dsp:sp modelId="{8E66003D-225F-40F9-8E83-59169B8F1445}">
+      <dsp:nvSpPr>
+        <dsp:cNvPr id="8" name="椭圆 7" hidden="1"/>
+        <dsp:cNvSpPr/>
+      </dsp:nvSpPr>
+      <dsp:spPr>
+        <a:xfrm>
+          <a:off x="584349" y="3408974"/>
+          <a:ext cx="1257386" cy="1257386"/>
+        </a:xfrm>
+        <a:prstGeom prst="ellipse">
+          <a:avLst/>
+        </a:prstGeom>
+      </dsp:spPr>
+      <dsp:txXfrm>
+        <a:off x="584349" y="3408974"/>
+        <a:ext cx="1257386" cy="1257386"/>
+      </dsp:txXfrm>
+    </dsp:sp>
+    <dsp:sp modelId="{A739A5FE-BD39-4892-A81D-A6F5AB8C367E}">
+      <dsp:nvSpPr>
+        <dsp:cNvPr id="11" name="椭圆 10" hidden="1"/>
+        <dsp:cNvSpPr/>
+      </dsp:nvSpPr>
+      <dsp:spPr>
+        <a:xfrm>
+          <a:off x="584349" y="5106445"/>
+          <a:ext cx="1257386" cy="1257386"/>
+        </a:xfrm>
+        <a:prstGeom prst="ellipse">
+          <a:avLst/>
+        </a:prstGeom>
+      </dsp:spPr>
+      <dsp:txXfrm>
+        <a:off x="584349" y="5106445"/>
+        <a:ext cx="1257386" cy="1257386"/>
+      </dsp:txXfrm>
+    </dsp:sp>
+    <dsp:sp modelId="{48D9128D-121F-49B4-9C31-AB0A906DDF7D}">
+      <dsp:nvSpPr>
+        <dsp:cNvPr id="14" name="椭圆 13" hidden="1"/>
+        <dsp:cNvSpPr/>
+      </dsp:nvSpPr>
+      <dsp:spPr>
+        <a:xfrm>
+          <a:off x="2466486" y="5086539"/>
+          <a:ext cx="1257386" cy="1257386"/>
+        </a:xfrm>
+        <a:prstGeom prst="ellipse">
+          <a:avLst/>
+        </a:prstGeom>
+      </dsp:spPr>
+      <dsp:txXfrm>
+        <a:off x="2466486" y="5086539"/>
+        <a:ext cx="1257386" cy="1257386"/>
+      </dsp:txXfrm>
+    </dsp:sp>
+    <dsp:sp modelId="{99AB5E13-77B8-4396-BCEC-C9CA562E8893}">
+      <dsp:nvSpPr>
+        <dsp:cNvPr id="17" name="椭圆 16" hidden="1"/>
+        <dsp:cNvSpPr/>
+      </dsp:nvSpPr>
+      <dsp:spPr>
+        <a:xfrm>
+          <a:off x="2466486" y="3389069"/>
+          <a:ext cx="1257386" cy="1257386"/>
+        </a:xfrm>
+        <a:prstGeom prst="ellipse">
+          <a:avLst/>
+        </a:prstGeom>
+      </dsp:spPr>
+      <dsp:txXfrm>
+        <a:off x="2466486" y="3389069"/>
+        <a:ext cx="1257386" cy="1257386"/>
+      </dsp:txXfrm>
+    </dsp:sp>
+    <dsp:sp modelId="{FEA78E5E-C177-4209-9D24-BA31E1C3EC72}">
+      <dsp:nvSpPr>
+        <dsp:cNvPr id="20" name="椭圆 19" hidden="1"/>
+        <dsp:cNvSpPr/>
+      </dsp:nvSpPr>
+      <dsp:spPr>
+        <a:xfrm>
+          <a:off x="2466486" y="1691598"/>
+          <a:ext cx="1257386" cy="1257386"/>
+        </a:xfrm>
+        <a:prstGeom prst="ellipse">
+          <a:avLst/>
+        </a:prstGeom>
+      </dsp:spPr>
+      <dsp:txXfrm>
+        <a:off x="2466486" y="1691598"/>
+        <a:ext cx="1257386" cy="1257386"/>
+      </dsp:txXfrm>
+    </dsp:sp>
+    <dsp:sp modelId="{3234BA02-1D0B-46E6-B69B-DE2E33CD3298}">
+      <dsp:nvSpPr>
+        <dsp:cNvPr id="23" name="椭圆 22" hidden="1"/>
+        <dsp:cNvSpPr/>
+      </dsp:nvSpPr>
+      <dsp:spPr>
+        <a:xfrm>
+          <a:off x="2466486" y="-5872"/>
+          <a:ext cx="1257386" cy="1257386"/>
+        </a:xfrm>
+        <a:prstGeom prst="ellipse">
+          <a:avLst/>
+        </a:prstGeom>
+      </dsp:spPr>
+      <dsp:txXfrm>
+        <a:off x="2466486" y="-5872"/>
+        <a:ext cx="1257386" cy="1257386"/>
+      </dsp:txXfrm>
+    </dsp:sp>
+    <dsp:sp modelId="{624B4E51-5C84-418C-BEF4-A839265894D0}">
+      <dsp:nvSpPr>
+        <dsp:cNvPr id="26" name="椭圆 25" hidden="1"/>
+        <dsp:cNvSpPr/>
+      </dsp:nvSpPr>
+      <dsp:spPr>
+        <a:xfrm>
+          <a:off x="4348623" y="14033"/>
+          <a:ext cx="1257386" cy="1257386"/>
+        </a:xfrm>
+        <a:prstGeom prst="ellipse">
+          <a:avLst/>
+        </a:prstGeom>
+      </dsp:spPr>
+      <dsp:txXfrm>
+        <a:off x="4348623" y="14033"/>
+        <a:ext cx="1257386" cy="1257386"/>
+      </dsp:txXfrm>
+    </dsp:sp>
+    <dsp:sp modelId="{5D699ABB-577D-4D95-ADB1-C2E60F15654F}">
+      <dsp:nvSpPr>
+        <dsp:cNvPr id="29" name="椭圆 28" hidden="1"/>
+        <dsp:cNvSpPr/>
+      </dsp:nvSpPr>
+      <dsp:spPr>
+        <a:xfrm>
+          <a:off x="4348623" y="1711504"/>
+          <a:ext cx="1257386" cy="1257386"/>
+        </a:xfrm>
+        <a:prstGeom prst="ellipse">
+          <a:avLst/>
+        </a:prstGeom>
+      </dsp:spPr>
+      <dsp:txXfrm>
+        <a:off x="4348623" y="1711504"/>
+        <a:ext cx="1257386" cy="1257386"/>
+      </dsp:txXfrm>
+    </dsp:sp>
+    <dsp:sp modelId="{C12F7518-8F05-4F92-BD09-258C75DBF597}">
+      <dsp:nvSpPr>
+        <dsp:cNvPr id="32" name="椭圆 31" hidden="1"/>
+        <dsp:cNvSpPr/>
+      </dsp:nvSpPr>
+      <dsp:spPr>
+        <a:xfrm>
+          <a:off x="4348623" y="3408974"/>
+          <a:ext cx="1257386" cy="1257386"/>
+        </a:xfrm>
+        <a:prstGeom prst="ellipse">
+          <a:avLst/>
+        </a:prstGeom>
+      </dsp:spPr>
+      <dsp:txXfrm>
+        <a:off x="4348623" y="3408974"/>
+        <a:ext cx="1257386" cy="1257386"/>
+      </dsp:txXfrm>
+    </dsp:sp>
+    <dsp:sp modelId="{7BB46F0E-61E5-4364-BC21-3C8E13F7A9F2}">
+      <dsp:nvSpPr>
+        <dsp:cNvPr id="35" name="椭圆 34" hidden="1"/>
+        <dsp:cNvSpPr/>
+      </dsp:nvSpPr>
+      <dsp:spPr>
+        <a:xfrm>
+          <a:off x="4348623" y="5106445"/>
+          <a:ext cx="1257386" cy="1257386"/>
+        </a:xfrm>
+        <a:prstGeom prst="ellipse">
+          <a:avLst/>
+        </a:prstGeom>
+      </dsp:spPr>
+      <dsp:txXfrm>
+        <a:off x="4348623" y="5106445"/>
+        <a:ext cx="1257386" cy="1257386"/>
+      </dsp:txXfrm>
+    </dsp:sp>
+    <dsp:sp modelId="{AC29D36F-DAC7-4DE1-89F7-B0959FB7401D}">
+      <dsp:nvSpPr>
+        <dsp:cNvPr id="38" name="椭圆 37" hidden="1"/>
+        <dsp:cNvSpPr/>
+      </dsp:nvSpPr>
+      <dsp:spPr>
+        <a:xfrm>
+          <a:off x="6230759" y="5086539"/>
+          <a:ext cx="1257386" cy="1257386"/>
+        </a:xfrm>
+        <a:prstGeom prst="ellipse">
+          <a:avLst/>
+        </a:prstGeom>
+      </dsp:spPr>
+      <dsp:txXfrm>
+        <a:off x="6230759" y="5086539"/>
+        <a:ext cx="1257386" cy="1257386"/>
+      </dsp:txXfrm>
+    </dsp:sp>
+    <dsp:sp modelId="{EE42FCAD-35DC-47D9-BE8B-5B5D20352EA2}">
+      <dsp:nvSpPr>
+        <dsp:cNvPr id="41" name="椭圆 40" hidden="1"/>
+        <dsp:cNvSpPr/>
+      </dsp:nvSpPr>
+      <dsp:spPr>
+        <a:xfrm>
+          <a:off x="6230759" y="3389069"/>
+          <a:ext cx="1257386" cy="1257386"/>
+        </a:xfrm>
+        <a:prstGeom prst="ellipse">
+          <a:avLst/>
+        </a:prstGeom>
+      </dsp:spPr>
+      <dsp:txXfrm>
+        <a:off x="6230759" y="3389069"/>
+        <a:ext cx="1257386" cy="1257386"/>
+      </dsp:txXfrm>
+    </dsp:sp>
+    <dsp:sp modelId="{BA0ED8A5-CB28-4D1A-9DC9-354BF52F85F3}">
+      <dsp:nvSpPr>
+        <dsp:cNvPr id="44" name="椭圆 43" hidden="1"/>
+        <dsp:cNvSpPr/>
+      </dsp:nvSpPr>
+      <dsp:spPr>
+        <a:xfrm>
+          <a:off x="6230759" y="1691598"/>
+          <a:ext cx="1257386" cy="1257386"/>
+        </a:xfrm>
+        <a:prstGeom prst="ellipse">
+          <a:avLst/>
+        </a:prstGeom>
+      </dsp:spPr>
+      <dsp:txXfrm>
+        <a:off x="6230759" y="1691598"/>
+        <a:ext cx="1257386" cy="1257386"/>
+      </dsp:txXfrm>
+    </dsp:sp>
+  </dsp:spTree>
+</dsp:drawing>
 </file>
 
 <file path=ppt/diagrams/layout1.xml><?xml version="1.0" encoding="utf-8"?>
@@ -2009,7 +4271,9 @@
   <dgm:styleData>
     <dgm:dataModel>
       <dgm:ptLst>
-        <dgm:pt modelId="0" type="doc"/>
+        <dgm:pt modelId="0" type="doc">
+          <dgm:prSet qsTypeId="urn:microsoft.com/office/officeart/2005/8/quickstyle/simple5"/>
+        </dgm:pt>
         <dgm:pt modelId="1"/>
         <dgm:pt modelId="2"/>
       </dgm:ptLst>
@@ -2052,16 +4316,16 @@
     <dgm:choose name="Name0">
       <dgm:if name="Name1" func="var" arg="dir" op="equ" val="norm">
         <dgm:alg type="snake">
+          <dgm:param type="contDir" val="revDir"/>
           <dgm:param type="grDir" val="tL"/>
           <dgm:param type="flowDir" val="col"/>
-          <dgm:param type="contDir" val="revDir"/>
         </dgm:alg>
       </dgm:if>
       <dgm:else name="Name2">
         <dgm:alg type="snake">
+          <dgm:param type="contDir" val="revDir"/>
           <dgm:param type="grDir" val="tR"/>
           <dgm:param type="flowDir" val="col"/>
-          <dgm:param type="contDir" val="revDir"/>
         </dgm:alg>
       </dgm:else>
     </dgm:choose>
@@ -2191,26 +4455,26 @@
               <dgm:choose name="Name11">
                 <dgm:if name="Name12" axis="self" ptType="sibTrans" func="pos" op="equ" val="1">
                   <dgm:alg type="conn">
+                    <dgm:param type="srcNode" val="firstNode"/>
+                    <dgm:param type="dstNode" val="shape"/>
                     <dgm:param type="begPts" val="auto"/>
                     <dgm:param type="endPts" val="auto"/>
-                    <dgm:param type="srcNode" val="firstNode"/>
-                    <dgm:param type="dstNode" val="shape"/>
                   </dgm:alg>
                 </dgm:if>
                 <dgm:if name="Name13" axis="self" ptType="sibTrans" func="revPos" op="equ" val="1">
                   <dgm:alg type="conn">
+                    <dgm:param type="srcNode" val="shape"/>
+                    <dgm:param type="dstNode" val="lastNode"/>
                     <dgm:param type="begPts" val="auto"/>
                     <dgm:param type="endPts" val="auto"/>
-                    <dgm:param type="srcNode" val="shape"/>
-                    <dgm:param type="dstNode" val="lastNode"/>
                   </dgm:alg>
                 </dgm:if>
                 <dgm:else name="Name14">
                   <dgm:alg type="conn">
+                    <dgm:param type="srcNode" val="shape"/>
+                    <dgm:param type="dstNode" val="shape"/>
                     <dgm:param type="begPts" val="auto"/>
                     <dgm:param type="endPts" val="auto"/>
-                    <dgm:param type="srcNode" val="shape"/>
-                    <dgm:param type="dstNode" val="shape"/>
                   </dgm:alg>
                 </dgm:else>
               </dgm:choose>
@@ -2219,32 +4483,32 @@
               <dgm:choose name="Name16">
                 <dgm:if name="Name17" axis="self" ptType="sibTrans" func="pos" op="equ" val="1">
                   <dgm:alg type="conn">
+                    <dgm:param type="srcNode" val="firstNode"/>
+                    <dgm:param type="dstNode" val="shape"/>
                     <dgm:param type="begPts" val="auto"/>
                     <dgm:param type="endPts" val="auto"/>
-                    <dgm:param type="srcNode" val="firstNode"/>
-                    <dgm:param type="dstNode" val="shape"/>
                   </dgm:alg>
                 </dgm:if>
                 <dgm:if name="Name18" axis="self" ptType="sibTrans" func="revPos" op="equ" val="1">
                   <dgm:alg type="conn">
+                    <dgm:param type="srcNode" val="shape"/>
+                    <dgm:param type="dstNode" val="lastNode"/>
                     <dgm:param type="begPts" val="auto"/>
                     <dgm:param type="endPts" val="auto"/>
-                    <dgm:param type="srcNode" val="shape"/>
-                    <dgm:param type="dstNode" val="lastNode"/>
                   </dgm:alg>
                 </dgm:if>
                 <dgm:else name="Name19">
                   <dgm:alg type="conn">
+                    <dgm:param type="srcNode" val="shape"/>
+                    <dgm:param type="dstNode" val="shape"/>
                     <dgm:param type="begPts" val="auto"/>
                     <dgm:param type="endPts" val="auto"/>
-                    <dgm:param type="srcNode" val="shape"/>
-                    <dgm:param type="dstNode" val="shape"/>
                   </dgm:alg>
                 </dgm:else>
               </dgm:choose>
             </dgm:else>
           </dgm:choose>
-          <dgm:shape xmlns:r="http://schemas.openxmlformats.org/officeDocument/2006/relationships" rot="90" type="triangle" r:blip="">
+          <dgm:shape xmlns:r="http://schemas.openxmlformats.org/officeDocument/2006/relationships" type="triangle" r:blip="" rot="90">
             <dgm:adjLst/>
           </dgm:shape>
           <dgm:presOf axis="self"/>
@@ -2273,12 +4537,542 @@
     <a:camera prst="orthographicFront"/>
     <a:lightRig rig="threePt" dir="t"/>
   </dgm:scene3d>
+  <dgm:styleLbl name="alignAcc1">
+    <dgm:scene3d>
+      <a:camera prst="orthographicFront"/>
+      <a:lightRig rig="threePt" dir="t"/>
+    </dgm:scene3d>
+    <dgm:txPr/>
+    <dgm:style>
+      <a:lnRef idx="2">
+        <a:scrgbClr r="0" g="0" b="0"/>
+      </a:lnRef>
+      <a:fillRef idx="1">
+        <a:scrgbClr r="0" g="0" b="0"/>
+      </a:fillRef>
+      <a:effectRef idx="0">
+        <a:scrgbClr r="0" g="0" b="0"/>
+      </a:effectRef>
+      <a:fontRef idx="minor"/>
+    </dgm:style>
+  </dgm:styleLbl>
+  <dgm:styleLbl name="alignAccFollowNode1">
+    <dgm:scene3d>
+      <a:camera prst="orthographicFront"/>
+      <a:lightRig rig="threePt" dir="t"/>
+    </dgm:scene3d>
+    <dgm:txPr/>
+    <dgm:style>
+      <a:lnRef idx="2">
+        <a:scrgbClr r="0" g="0" b="0"/>
+      </a:lnRef>
+      <a:fillRef idx="1">
+        <a:scrgbClr r="0" g="0" b="0"/>
+      </a:fillRef>
+      <a:effectRef idx="0">
+        <a:scrgbClr r="0" g="0" b="0"/>
+      </a:effectRef>
+      <a:fontRef idx="minor"/>
+    </dgm:style>
+  </dgm:styleLbl>
+  <dgm:styleLbl name="alignImgPlace1">
+    <dgm:scene3d>
+      <a:camera prst="orthographicFront"/>
+      <a:lightRig rig="threePt" dir="t"/>
+    </dgm:scene3d>
+    <dgm:txPr/>
+    <dgm:style>
+      <a:lnRef idx="2">
+        <a:scrgbClr r="0" g="0" b="0"/>
+      </a:lnRef>
+      <a:fillRef idx="1">
+        <a:scrgbClr r="0" g="0" b="0"/>
+      </a:fillRef>
+      <a:effectRef idx="0">
+        <a:scrgbClr r="0" g="0" b="0"/>
+      </a:effectRef>
+      <a:fontRef idx="minor"/>
+    </dgm:style>
+  </dgm:styleLbl>
+  <dgm:styleLbl name="alignNode1">
+    <dgm:scene3d>
+      <a:camera prst="orthographicFront"/>
+      <a:lightRig rig="threePt" dir="t"/>
+    </dgm:scene3d>
+    <dgm:txPr/>
+    <dgm:style>
+      <a:lnRef idx="2">
+        <a:scrgbClr r="0" g="0" b="0"/>
+      </a:lnRef>
+      <a:fillRef idx="1">
+        <a:scrgbClr r="0" g="0" b="0"/>
+      </a:fillRef>
+      <a:effectRef idx="0">
+        <a:scrgbClr r="0" g="0" b="0"/>
+      </a:effectRef>
+      <a:fontRef idx="minor">
+        <a:schemeClr val="lt1"/>
+      </a:fontRef>
+    </dgm:style>
+  </dgm:styleLbl>
+  <dgm:styleLbl name="asst0">
+    <dgm:scene3d>
+      <a:camera prst="orthographicFront"/>
+      <a:lightRig rig="threePt" dir="t"/>
+    </dgm:scene3d>
+    <dgm:txPr/>
+    <dgm:style>
+      <a:lnRef idx="2">
+        <a:scrgbClr r="0" g="0" b="0"/>
+      </a:lnRef>
+      <a:fillRef idx="1">
+        <a:scrgbClr r="0" g="0" b="0"/>
+      </a:fillRef>
+      <a:effectRef idx="0">
+        <a:scrgbClr r="0" g="0" b="0"/>
+      </a:effectRef>
+      <a:fontRef idx="minor">
+        <a:schemeClr val="lt1"/>
+      </a:fontRef>
+    </dgm:style>
+  </dgm:styleLbl>
+  <dgm:styleLbl name="asst1">
+    <dgm:scene3d>
+      <a:camera prst="orthographicFront"/>
+      <a:lightRig rig="threePt" dir="t"/>
+    </dgm:scene3d>
+    <dgm:txPr/>
+    <dgm:style>
+      <a:lnRef idx="2">
+        <a:scrgbClr r="0" g="0" b="0"/>
+      </a:lnRef>
+      <a:fillRef idx="1">
+        <a:scrgbClr r="0" g="0" b="0"/>
+      </a:fillRef>
+      <a:effectRef idx="0">
+        <a:scrgbClr r="0" g="0" b="0"/>
+      </a:effectRef>
+      <a:fontRef idx="minor">
+        <a:schemeClr val="lt1"/>
+      </a:fontRef>
+    </dgm:style>
+  </dgm:styleLbl>
+  <dgm:styleLbl name="asst2">
+    <dgm:scene3d>
+      <a:camera prst="orthographicFront"/>
+      <a:lightRig rig="threePt" dir="t"/>
+    </dgm:scene3d>
+    <dgm:txPr/>
+    <dgm:style>
+      <a:lnRef idx="2">
+        <a:scrgbClr r="0" g="0" b="0"/>
+      </a:lnRef>
+      <a:fillRef idx="1">
+        <a:scrgbClr r="0" g="0" b="0"/>
+      </a:fillRef>
+      <a:effectRef idx="0">
+        <a:scrgbClr r="0" g="0" b="0"/>
+      </a:effectRef>
+      <a:fontRef idx="minor">
+        <a:schemeClr val="lt1"/>
+      </a:fontRef>
+    </dgm:style>
+  </dgm:styleLbl>
+  <dgm:styleLbl name="asst3">
+    <dgm:scene3d>
+      <a:camera prst="orthographicFront"/>
+      <a:lightRig rig="threePt" dir="t"/>
+    </dgm:scene3d>
+    <dgm:txPr/>
+    <dgm:style>
+      <a:lnRef idx="2">
+        <a:scrgbClr r="0" g="0" b="0"/>
+      </a:lnRef>
+      <a:fillRef idx="1">
+        <a:scrgbClr r="0" g="0" b="0"/>
+      </a:fillRef>
+      <a:effectRef idx="0">
+        <a:scrgbClr r="0" g="0" b="0"/>
+      </a:effectRef>
+      <a:fontRef idx="minor">
+        <a:schemeClr val="lt1"/>
+      </a:fontRef>
+    </dgm:style>
+  </dgm:styleLbl>
+  <dgm:styleLbl name="asst4">
+    <dgm:scene3d>
+      <a:camera prst="orthographicFront"/>
+      <a:lightRig rig="threePt" dir="t"/>
+    </dgm:scene3d>
+    <dgm:txPr/>
+    <dgm:style>
+      <a:lnRef idx="2">
+        <a:scrgbClr r="0" g="0" b="0"/>
+      </a:lnRef>
+      <a:fillRef idx="1">
+        <a:scrgbClr r="0" g="0" b="0"/>
+      </a:fillRef>
+      <a:effectRef idx="0">
+        <a:scrgbClr r="0" g="0" b="0"/>
+      </a:effectRef>
+      <a:fontRef idx="minor">
+        <a:schemeClr val="lt1"/>
+      </a:fontRef>
+    </dgm:style>
+  </dgm:styleLbl>
+  <dgm:styleLbl name="bgAcc1">
+    <dgm:scene3d>
+      <a:camera prst="orthographicFront"/>
+      <a:lightRig rig="threePt" dir="t"/>
+    </dgm:scene3d>
+    <dgm:txPr/>
+    <dgm:style>
+      <a:lnRef idx="2">
+        <a:scrgbClr r="0" g="0" b="0"/>
+      </a:lnRef>
+      <a:fillRef idx="1">
+        <a:scrgbClr r="0" g="0" b="0"/>
+      </a:fillRef>
+      <a:effectRef idx="0">
+        <a:scrgbClr r="0" g="0" b="0"/>
+      </a:effectRef>
+      <a:fontRef idx="minor"/>
+    </dgm:style>
+  </dgm:styleLbl>
+  <dgm:styleLbl name="bgAccFollowNode1">
+    <dgm:scene3d>
+      <a:camera prst="orthographicFront"/>
+      <a:lightRig rig="threePt" dir="t"/>
+    </dgm:scene3d>
+    <dgm:txPr/>
+    <dgm:style>
+      <a:lnRef idx="2">
+        <a:scrgbClr r="0" g="0" b="0"/>
+      </a:lnRef>
+      <a:fillRef idx="1">
+        <a:scrgbClr r="0" g="0" b="0"/>
+      </a:fillRef>
+      <a:effectRef idx="0">
+        <a:scrgbClr r="0" g="0" b="0"/>
+      </a:effectRef>
+      <a:fontRef idx="minor"/>
+    </dgm:style>
+  </dgm:styleLbl>
+  <dgm:styleLbl name="bgImgPlace1">
+    <dgm:scene3d>
+      <a:camera prst="orthographicFront"/>
+      <a:lightRig rig="threePt" dir="t"/>
+    </dgm:scene3d>
+    <dgm:txPr/>
+    <dgm:style>
+      <a:lnRef idx="2">
+        <a:scrgbClr r="0" g="0" b="0"/>
+      </a:lnRef>
+      <a:fillRef idx="1">
+        <a:scrgbClr r="0" g="0" b="0"/>
+      </a:fillRef>
+      <a:effectRef idx="0">
+        <a:scrgbClr r="0" g="0" b="0"/>
+      </a:effectRef>
+      <a:fontRef idx="minor"/>
+    </dgm:style>
+  </dgm:styleLbl>
+  <dgm:styleLbl name="bgShp">
+    <dgm:scene3d>
+      <a:camera prst="orthographicFront"/>
+      <a:lightRig rig="threePt" dir="t"/>
+    </dgm:scene3d>
+    <dgm:txPr/>
+    <dgm:style>
+      <a:lnRef idx="0">
+        <a:scrgbClr r="0" g="0" b="0"/>
+      </a:lnRef>
+      <a:fillRef idx="1">
+        <a:scrgbClr r="0" g="0" b="0"/>
+      </a:fillRef>
+      <a:effectRef idx="0">
+        <a:scrgbClr r="0" g="0" b="0"/>
+      </a:effectRef>
+      <a:fontRef idx="minor"/>
+    </dgm:style>
+  </dgm:styleLbl>
+  <dgm:styleLbl name="bgSibTrans2D1">
+    <dgm:scene3d>
+      <a:camera prst="orthographicFront"/>
+      <a:lightRig rig="threePt" dir="t"/>
+    </dgm:scene3d>
+    <dgm:txPr/>
+    <dgm:style>
+      <a:lnRef idx="0">
+        <a:scrgbClr r="0" g="0" b="0"/>
+      </a:lnRef>
+      <a:fillRef idx="1">
+        <a:scrgbClr r="0" g="0" b="0"/>
+      </a:fillRef>
+      <a:effectRef idx="0">
+        <a:scrgbClr r="0" g="0" b="0"/>
+      </a:effectRef>
+      <a:fontRef idx="minor">
+        <a:schemeClr val="lt1"/>
+      </a:fontRef>
+    </dgm:style>
+  </dgm:styleLbl>
+  <dgm:styleLbl name="callout">
+    <dgm:scene3d>
+      <a:camera prst="orthographicFront"/>
+      <a:lightRig rig="threePt" dir="t"/>
+    </dgm:scene3d>
+    <dgm:txPr/>
+    <dgm:style>
+      <a:lnRef idx="2">
+        <a:scrgbClr r="0" g="0" b="0"/>
+      </a:lnRef>
+      <a:fillRef idx="1">
+        <a:scrgbClr r="0" g="0" b="0"/>
+      </a:fillRef>
+      <a:effectRef idx="0">
+        <a:scrgbClr r="0" g="0" b="0"/>
+      </a:effectRef>
+      <a:fontRef idx="minor"/>
+    </dgm:style>
+  </dgm:styleLbl>
+  <dgm:styleLbl name="conFgAcc1">
+    <dgm:scene3d>
+      <a:camera prst="orthographicFront"/>
+      <a:lightRig rig="threePt" dir="t"/>
+    </dgm:scene3d>
+    <dgm:txPr/>
+    <dgm:style>
+      <a:lnRef idx="2">
+        <a:scrgbClr r="0" g="0" b="0"/>
+      </a:lnRef>
+      <a:fillRef idx="1">
+        <a:scrgbClr r="0" g="0" b="0"/>
+      </a:fillRef>
+      <a:effectRef idx="0">
+        <a:scrgbClr r="0" g="0" b="0"/>
+      </a:effectRef>
+      <a:fontRef idx="minor"/>
+    </dgm:style>
+  </dgm:styleLbl>
+  <dgm:styleLbl name="dkBgShp">
+    <dgm:scene3d>
+      <a:camera prst="orthographicFront"/>
+      <a:lightRig rig="threePt" dir="t"/>
+    </dgm:scene3d>
+    <dgm:txPr/>
+    <dgm:style>
+      <a:lnRef idx="0">
+        <a:scrgbClr r="0" g="0" b="0"/>
+      </a:lnRef>
+      <a:fillRef idx="1">
+        <a:scrgbClr r="0" g="0" b="0"/>
+      </a:fillRef>
+      <a:effectRef idx="0">
+        <a:scrgbClr r="0" g="0" b="0"/>
+      </a:effectRef>
+      <a:fontRef idx="minor"/>
+    </dgm:style>
+  </dgm:styleLbl>
+  <dgm:styleLbl name="fgAcc0">
+    <dgm:scene3d>
+      <a:camera prst="orthographicFront"/>
+      <a:lightRig rig="threePt" dir="t"/>
+    </dgm:scene3d>
+    <dgm:txPr/>
+    <dgm:style>
+      <a:lnRef idx="2">
+        <a:scrgbClr r="0" g="0" b="0"/>
+      </a:lnRef>
+      <a:fillRef idx="1">
+        <a:scrgbClr r="0" g="0" b="0"/>
+      </a:fillRef>
+      <a:effectRef idx="0">
+        <a:scrgbClr r="0" g="0" b="0"/>
+      </a:effectRef>
+      <a:fontRef idx="minor"/>
+    </dgm:style>
+  </dgm:styleLbl>
+  <dgm:styleLbl name="fgAcc1">
+    <dgm:scene3d>
+      <a:camera prst="orthographicFront"/>
+      <a:lightRig rig="threePt" dir="t"/>
+    </dgm:scene3d>
+    <dgm:txPr/>
+    <dgm:style>
+      <a:lnRef idx="2">
+        <a:scrgbClr r="0" g="0" b="0"/>
+      </a:lnRef>
+      <a:fillRef idx="1">
+        <a:scrgbClr r="0" g="0" b="0"/>
+      </a:fillRef>
+      <a:effectRef idx="0">
+        <a:scrgbClr r="0" g="0" b="0"/>
+      </a:effectRef>
+      <a:fontRef idx="minor"/>
+    </dgm:style>
+  </dgm:styleLbl>
+  <dgm:styleLbl name="fgAcc2">
+    <dgm:scene3d>
+      <a:camera prst="orthographicFront"/>
+      <a:lightRig rig="threePt" dir="t"/>
+    </dgm:scene3d>
+    <dgm:txPr/>
+    <dgm:style>
+      <a:lnRef idx="2">
+        <a:scrgbClr r="0" g="0" b="0"/>
+      </a:lnRef>
+      <a:fillRef idx="1">
+        <a:scrgbClr r="0" g="0" b="0"/>
+      </a:fillRef>
+      <a:effectRef idx="0">
+        <a:scrgbClr r="0" g="0" b="0"/>
+      </a:effectRef>
+      <a:fontRef idx="minor"/>
+    </dgm:style>
+  </dgm:styleLbl>
+  <dgm:styleLbl name="fgAcc3">
+    <dgm:scene3d>
+      <a:camera prst="orthographicFront"/>
+      <a:lightRig rig="threePt" dir="t"/>
+    </dgm:scene3d>
+    <dgm:txPr/>
+    <dgm:style>
+      <a:lnRef idx="2">
+        <a:scrgbClr r="0" g="0" b="0"/>
+      </a:lnRef>
+      <a:fillRef idx="1">
+        <a:scrgbClr r="0" g="0" b="0"/>
+      </a:fillRef>
+      <a:effectRef idx="0">
+        <a:scrgbClr r="0" g="0" b="0"/>
+      </a:effectRef>
+      <a:fontRef idx="minor"/>
+    </dgm:style>
+  </dgm:styleLbl>
+  <dgm:styleLbl name="fgAcc4">
+    <dgm:scene3d>
+      <a:camera prst="orthographicFront"/>
+      <a:lightRig rig="threePt" dir="t"/>
+    </dgm:scene3d>
+    <dgm:txPr/>
+    <dgm:style>
+      <a:lnRef idx="2">
+        <a:scrgbClr r="0" g="0" b="0"/>
+      </a:lnRef>
+      <a:fillRef idx="1">
+        <a:scrgbClr r="0" g="0" b="0"/>
+      </a:fillRef>
+      <a:effectRef idx="0">
+        <a:scrgbClr r="0" g="0" b="0"/>
+      </a:effectRef>
+      <a:fontRef idx="minor"/>
+    </dgm:style>
+  </dgm:styleLbl>
+  <dgm:styleLbl name="fgAccFollowNode1">
+    <dgm:scene3d>
+      <a:camera prst="orthographicFront"/>
+      <a:lightRig rig="threePt" dir="t"/>
+    </dgm:scene3d>
+    <dgm:txPr/>
+    <dgm:style>
+      <a:lnRef idx="2">
+        <a:scrgbClr r="0" g="0" b="0"/>
+      </a:lnRef>
+      <a:fillRef idx="1">
+        <a:scrgbClr r="0" g="0" b="0"/>
+      </a:fillRef>
+      <a:effectRef idx="0">
+        <a:scrgbClr r="0" g="0" b="0"/>
+      </a:effectRef>
+      <a:fontRef idx="minor"/>
+    </dgm:style>
+  </dgm:styleLbl>
+  <dgm:styleLbl name="fgImgPlace1">
+    <dgm:scene3d>
+      <a:camera prst="orthographicFront"/>
+      <a:lightRig rig="threePt" dir="t"/>
+    </dgm:scene3d>
+    <dgm:txPr/>
+    <dgm:style>
+      <a:lnRef idx="2">
+        <a:scrgbClr r="0" g="0" b="0"/>
+      </a:lnRef>
+      <a:fillRef idx="1">
+        <a:scrgbClr r="0" g="0" b="0"/>
+      </a:fillRef>
+      <a:effectRef idx="0">
+        <a:scrgbClr r="0" g="0" b="0"/>
+      </a:effectRef>
+      <a:fontRef idx="minor"/>
+    </dgm:style>
+  </dgm:styleLbl>
+  <dgm:styleLbl name="fgShp">
+    <dgm:scene3d>
+      <a:camera prst="orthographicFront"/>
+      <a:lightRig rig="threePt" dir="t"/>
+    </dgm:scene3d>
+    <dgm:txPr/>
+    <dgm:style>
+      <a:lnRef idx="2">
+        <a:scrgbClr r="0" g="0" b="0"/>
+      </a:lnRef>
+      <a:fillRef idx="1">
+        <a:scrgbClr r="0" g="0" b="0"/>
+      </a:fillRef>
+      <a:effectRef idx="0">
+        <a:scrgbClr r="0" g="0" b="0"/>
+      </a:effectRef>
+      <a:fontRef idx="minor"/>
+    </dgm:style>
+  </dgm:styleLbl>
+  <dgm:styleLbl name="fgSibTrans2D1">
+    <dgm:scene3d>
+      <a:camera prst="orthographicFront"/>
+      <a:lightRig rig="threePt" dir="t"/>
+    </dgm:scene3d>
+    <dgm:txPr/>
+    <dgm:style>
+      <a:lnRef idx="0">
+        <a:scrgbClr r="0" g="0" b="0"/>
+      </a:lnRef>
+      <a:fillRef idx="1">
+        <a:scrgbClr r="0" g="0" b="0"/>
+      </a:fillRef>
+      <a:effectRef idx="0">
+        <a:scrgbClr r="0" g="0" b="0"/>
+      </a:effectRef>
+      <a:fontRef idx="minor">
+        <a:schemeClr val="lt1"/>
+      </a:fontRef>
+    </dgm:style>
+  </dgm:styleLbl>
+  <dgm:styleLbl name="lnNode1">
+    <dgm:scene3d>
+      <a:camera prst="orthographicFront"/>
+      <a:lightRig rig="threePt" dir="t"/>
+    </dgm:scene3d>
+    <dgm:txPr/>
+    <dgm:style>
+      <a:lnRef idx="2">
+        <a:scrgbClr r="0" g="0" b="0"/>
+      </a:lnRef>
+      <a:fillRef idx="1">
+        <a:scrgbClr r="0" g="0" b="0"/>
+      </a:fillRef>
+      <a:effectRef idx="0">
+        <a:scrgbClr r="0" g="0" b="0"/>
+      </a:effectRef>
+      <a:fontRef idx="minor">
+        <a:schemeClr val="lt1"/>
+      </a:fontRef>
+    </dgm:style>
+  </dgm:styleLbl>
   <dgm:styleLbl name="node0">
     <dgm:scene3d>
       <a:camera prst="orthographicFront"/>
       <a:lightRig rig="threePt" dir="t"/>
     </dgm:scene3d>
-    <dgm:sp3d/>
     <dgm:txPr/>
     <dgm:style>
       <a:lnRef idx="2">
@@ -2295,12 +5089,11 @@
       </a:fontRef>
     </dgm:style>
   </dgm:styleLbl>
-  <dgm:styleLbl name="lnNode1">
+  <dgm:styleLbl name="node1">
     <dgm:scene3d>
       <a:camera prst="orthographicFront"/>
       <a:lightRig rig="threePt" dir="t"/>
     </dgm:scene3d>
-    <dgm:sp3d/>
     <dgm:txPr/>
     <dgm:style>
       <a:lnRef idx="2">
@@ -2317,12 +5110,388 @@
       </a:fontRef>
     </dgm:style>
   </dgm:styleLbl>
+  <dgm:styleLbl name="node2">
+    <dgm:scene3d>
+      <a:camera prst="orthographicFront"/>
+      <a:lightRig rig="threePt" dir="t"/>
+    </dgm:scene3d>
+    <dgm:txPr/>
+    <dgm:style>
+      <a:lnRef idx="2">
+        <a:scrgbClr r="0" g="0" b="0"/>
+      </a:lnRef>
+      <a:fillRef idx="1">
+        <a:scrgbClr r="0" g="0" b="0"/>
+      </a:fillRef>
+      <a:effectRef idx="0">
+        <a:scrgbClr r="0" g="0" b="0"/>
+      </a:effectRef>
+      <a:fontRef idx="minor">
+        <a:schemeClr val="lt1"/>
+      </a:fontRef>
+    </dgm:style>
+  </dgm:styleLbl>
+  <dgm:styleLbl name="node3">
+    <dgm:scene3d>
+      <a:camera prst="orthographicFront"/>
+      <a:lightRig rig="threePt" dir="t"/>
+    </dgm:scene3d>
+    <dgm:txPr/>
+    <dgm:style>
+      <a:lnRef idx="2">
+        <a:scrgbClr r="0" g="0" b="0"/>
+      </a:lnRef>
+      <a:fillRef idx="1">
+        <a:scrgbClr r="0" g="0" b="0"/>
+      </a:fillRef>
+      <a:effectRef idx="0">
+        <a:scrgbClr r="0" g="0" b="0"/>
+      </a:effectRef>
+      <a:fontRef idx="minor">
+        <a:schemeClr val="lt1"/>
+      </a:fontRef>
+    </dgm:style>
+  </dgm:styleLbl>
+  <dgm:styleLbl name="node4">
+    <dgm:scene3d>
+      <a:camera prst="orthographicFront"/>
+      <a:lightRig rig="threePt" dir="t"/>
+    </dgm:scene3d>
+    <dgm:txPr/>
+    <dgm:style>
+      <a:lnRef idx="2">
+        <a:scrgbClr r="0" g="0" b="0"/>
+      </a:lnRef>
+      <a:fillRef idx="1">
+        <a:scrgbClr r="0" g="0" b="0"/>
+      </a:fillRef>
+      <a:effectRef idx="0">
+        <a:scrgbClr r="0" g="0" b="0"/>
+      </a:effectRef>
+      <a:fontRef idx="minor">
+        <a:schemeClr val="lt1"/>
+      </a:fontRef>
+    </dgm:style>
+  </dgm:styleLbl>
+  <dgm:styleLbl name="parChTrans1D1">
+    <dgm:scene3d>
+      <a:camera prst="orthographicFront"/>
+      <a:lightRig rig="threePt" dir="t"/>
+    </dgm:scene3d>
+    <dgm:txPr/>
+    <dgm:style>
+      <a:lnRef idx="2">
+        <a:scrgbClr r="0" g="0" b="0"/>
+      </a:lnRef>
+      <a:fillRef idx="0">
+        <a:scrgbClr r="0" g="0" b="0"/>
+      </a:fillRef>
+      <a:effectRef idx="0">
+        <a:scrgbClr r="0" g="0" b="0"/>
+      </a:effectRef>
+      <a:fontRef idx="minor"/>
+    </dgm:style>
+  </dgm:styleLbl>
+  <dgm:styleLbl name="parChTrans1D2">
+    <dgm:scene3d>
+      <a:camera prst="orthographicFront"/>
+      <a:lightRig rig="threePt" dir="t"/>
+    </dgm:scene3d>
+    <dgm:txPr/>
+    <dgm:style>
+      <a:lnRef idx="2">
+        <a:scrgbClr r="0" g="0" b="0"/>
+      </a:lnRef>
+      <a:fillRef idx="0">
+        <a:scrgbClr r="0" g="0" b="0"/>
+      </a:fillRef>
+      <a:effectRef idx="0">
+        <a:scrgbClr r="0" g="0" b="0"/>
+      </a:effectRef>
+      <a:fontRef idx="minor"/>
+    </dgm:style>
+  </dgm:styleLbl>
+  <dgm:styleLbl name="parChTrans1D3">
+    <dgm:scene3d>
+      <a:camera prst="orthographicFront"/>
+      <a:lightRig rig="threePt" dir="t"/>
+    </dgm:scene3d>
+    <dgm:txPr/>
+    <dgm:style>
+      <a:lnRef idx="2">
+        <a:scrgbClr r="0" g="0" b="0"/>
+      </a:lnRef>
+      <a:fillRef idx="0">
+        <a:scrgbClr r="0" g="0" b="0"/>
+      </a:fillRef>
+      <a:effectRef idx="0">
+        <a:scrgbClr r="0" g="0" b="0"/>
+      </a:effectRef>
+      <a:fontRef idx="minor"/>
+    </dgm:style>
+  </dgm:styleLbl>
+  <dgm:styleLbl name="parChTrans1D4">
+    <dgm:scene3d>
+      <a:camera prst="orthographicFront"/>
+      <a:lightRig rig="threePt" dir="t"/>
+    </dgm:scene3d>
+    <dgm:txPr/>
+    <dgm:style>
+      <a:lnRef idx="2">
+        <a:scrgbClr r="0" g="0" b="0"/>
+      </a:lnRef>
+      <a:fillRef idx="0">
+        <a:scrgbClr r="0" g="0" b="0"/>
+      </a:fillRef>
+      <a:effectRef idx="0">
+        <a:scrgbClr r="0" g="0" b="0"/>
+      </a:effectRef>
+      <a:fontRef idx="minor"/>
+    </dgm:style>
+  </dgm:styleLbl>
+  <dgm:styleLbl name="parChTrans2D1">
+    <dgm:scene3d>
+      <a:camera prst="orthographicFront"/>
+      <a:lightRig rig="threePt" dir="t"/>
+    </dgm:scene3d>
+    <dgm:txPr/>
+    <dgm:style>
+      <a:lnRef idx="2">
+        <a:scrgbClr r="0" g="0" b="0"/>
+      </a:lnRef>
+      <a:fillRef idx="1">
+        <a:scrgbClr r="0" g="0" b="0"/>
+      </a:fillRef>
+      <a:effectRef idx="0">
+        <a:scrgbClr r="0" g="0" b="0"/>
+      </a:effectRef>
+      <a:fontRef idx="minor">
+        <a:schemeClr val="lt1"/>
+      </a:fontRef>
+    </dgm:style>
+  </dgm:styleLbl>
+  <dgm:styleLbl name="parChTrans2D2">
+    <dgm:scene3d>
+      <a:camera prst="orthographicFront"/>
+      <a:lightRig rig="threePt" dir="t"/>
+    </dgm:scene3d>
+    <dgm:txPr/>
+    <dgm:style>
+      <a:lnRef idx="2">
+        <a:scrgbClr r="0" g="0" b="0"/>
+      </a:lnRef>
+      <a:fillRef idx="1">
+        <a:scrgbClr r="0" g="0" b="0"/>
+      </a:fillRef>
+      <a:effectRef idx="0">
+        <a:scrgbClr r="0" g="0" b="0"/>
+      </a:effectRef>
+      <a:fontRef idx="minor">
+        <a:schemeClr val="lt1"/>
+      </a:fontRef>
+    </dgm:style>
+  </dgm:styleLbl>
+  <dgm:styleLbl name="parChTrans2D3">
+    <dgm:scene3d>
+      <a:camera prst="orthographicFront"/>
+      <a:lightRig rig="threePt" dir="t"/>
+    </dgm:scene3d>
+    <dgm:txPr/>
+    <dgm:style>
+      <a:lnRef idx="2">
+        <a:scrgbClr r="0" g="0" b="0"/>
+      </a:lnRef>
+      <a:fillRef idx="1">
+        <a:scrgbClr r="0" g="0" b="0"/>
+      </a:fillRef>
+      <a:effectRef idx="0">
+        <a:scrgbClr r="0" g="0" b="0"/>
+      </a:effectRef>
+      <a:fontRef idx="minor">
+        <a:schemeClr val="lt1"/>
+      </a:fontRef>
+    </dgm:style>
+  </dgm:styleLbl>
+  <dgm:styleLbl name="parChTrans2D4">
+    <dgm:scene3d>
+      <a:camera prst="orthographicFront"/>
+      <a:lightRig rig="threePt" dir="t"/>
+    </dgm:scene3d>
+    <dgm:txPr/>
+    <dgm:style>
+      <a:lnRef idx="2">
+        <a:scrgbClr r="0" g="0" b="0"/>
+      </a:lnRef>
+      <a:fillRef idx="1">
+        <a:scrgbClr r="0" g="0" b="0"/>
+      </a:fillRef>
+      <a:effectRef idx="0">
+        <a:scrgbClr r="0" g="0" b="0"/>
+      </a:effectRef>
+      <a:fontRef idx="minor">
+        <a:schemeClr val="lt1"/>
+      </a:fontRef>
+    </dgm:style>
+  </dgm:styleLbl>
+  <dgm:styleLbl name="revTx">
+    <dgm:scene3d>
+      <a:camera prst="orthographicFront"/>
+      <a:lightRig rig="threePt" dir="t"/>
+    </dgm:scene3d>
+    <dgm:txPr/>
+    <dgm:style>
+      <a:lnRef idx="0">
+        <a:scrgbClr r="0" g="0" b="0"/>
+      </a:lnRef>
+      <a:fillRef idx="0">
+        <a:scrgbClr r="0" g="0" b="0"/>
+      </a:fillRef>
+      <a:effectRef idx="0">
+        <a:scrgbClr r="0" g="0" b="0"/>
+      </a:effectRef>
+      <a:fontRef idx="minor"/>
+    </dgm:style>
+  </dgm:styleLbl>
+  <dgm:styleLbl name="sibTrans1D1">
+    <dgm:scene3d>
+      <a:camera prst="orthographicFront"/>
+      <a:lightRig rig="threePt" dir="t"/>
+    </dgm:scene3d>
+    <dgm:txPr/>
+    <dgm:style>
+      <a:lnRef idx="1">
+        <a:scrgbClr r="0" g="0" b="0"/>
+      </a:lnRef>
+      <a:fillRef idx="0">
+        <a:scrgbClr r="0" g="0" b="0"/>
+      </a:fillRef>
+      <a:effectRef idx="0">
+        <a:scrgbClr r="0" g="0" b="0"/>
+      </a:effectRef>
+      <a:fontRef idx="minor"/>
+    </dgm:style>
+  </dgm:styleLbl>
+  <dgm:styleLbl name="sibTrans2D1">
+    <dgm:scene3d>
+      <a:camera prst="orthographicFront"/>
+      <a:lightRig rig="threePt" dir="t"/>
+    </dgm:scene3d>
+    <dgm:txPr/>
+    <dgm:style>
+      <a:lnRef idx="0">
+        <a:scrgbClr r="0" g="0" b="0"/>
+      </a:lnRef>
+      <a:fillRef idx="1">
+        <a:scrgbClr r="0" g="0" b="0"/>
+      </a:fillRef>
+      <a:effectRef idx="0">
+        <a:scrgbClr r="0" g="0" b="0"/>
+      </a:effectRef>
+      <a:fontRef idx="minor">
+        <a:schemeClr val="lt1"/>
+      </a:fontRef>
+    </dgm:style>
+  </dgm:styleLbl>
+  <dgm:styleLbl name="solidAlignAcc1">
+    <dgm:scene3d>
+      <a:camera prst="orthographicFront"/>
+      <a:lightRig rig="threePt" dir="t"/>
+    </dgm:scene3d>
+    <dgm:txPr/>
+    <dgm:style>
+      <a:lnRef idx="2">
+        <a:scrgbClr r="0" g="0" b="0"/>
+      </a:lnRef>
+      <a:fillRef idx="1">
+        <a:scrgbClr r="0" g="0" b="0"/>
+      </a:fillRef>
+      <a:effectRef idx="0">
+        <a:scrgbClr r="0" g="0" b="0"/>
+      </a:effectRef>
+      <a:fontRef idx="minor"/>
+    </dgm:style>
+  </dgm:styleLbl>
+  <dgm:styleLbl name="solidBgAcc1">
+    <dgm:scene3d>
+      <a:camera prst="orthographicFront"/>
+      <a:lightRig rig="threePt" dir="t"/>
+    </dgm:scene3d>
+    <dgm:txPr/>
+    <dgm:style>
+      <a:lnRef idx="2">
+        <a:scrgbClr r="0" g="0" b="0"/>
+      </a:lnRef>
+      <a:fillRef idx="1">
+        <a:scrgbClr r="0" g="0" b="0"/>
+      </a:fillRef>
+      <a:effectRef idx="0">
+        <a:scrgbClr r="0" g="0" b="0"/>
+      </a:effectRef>
+      <a:fontRef idx="minor"/>
+    </dgm:style>
+  </dgm:styleLbl>
+  <dgm:styleLbl name="solidFgAcc1">
+    <dgm:scene3d>
+      <a:camera prst="orthographicFront"/>
+      <a:lightRig rig="threePt" dir="t"/>
+    </dgm:scene3d>
+    <dgm:txPr/>
+    <dgm:style>
+      <a:lnRef idx="2">
+        <a:scrgbClr r="0" g="0" b="0"/>
+      </a:lnRef>
+      <a:fillRef idx="1">
+        <a:scrgbClr r="0" g="0" b="0"/>
+      </a:fillRef>
+      <a:effectRef idx="0">
+        <a:scrgbClr r="0" g="0" b="0"/>
+      </a:effectRef>
+      <a:fontRef idx="minor"/>
+    </dgm:style>
+  </dgm:styleLbl>
+  <dgm:styleLbl name="trAlignAcc1">
+    <dgm:scene3d>
+      <a:camera prst="orthographicFront"/>
+      <a:lightRig rig="threePt" dir="t"/>
+    </dgm:scene3d>
+    <dgm:txPr/>
+    <dgm:style>
+      <a:lnRef idx="1">
+        <a:scrgbClr r="0" g="0" b="0"/>
+      </a:lnRef>
+      <a:fillRef idx="1">
+        <a:scrgbClr r="0" g="0" b="0"/>
+      </a:fillRef>
+      <a:effectRef idx="0">
+        <a:scrgbClr r="0" g="0" b="0"/>
+      </a:effectRef>
+      <a:fontRef idx="minor"/>
+    </dgm:style>
+  </dgm:styleLbl>
+  <dgm:styleLbl name="trBgShp">
+    <dgm:scene3d>
+      <a:camera prst="orthographicFront"/>
+      <a:lightRig rig="threePt" dir="t"/>
+    </dgm:scene3d>
+    <dgm:txPr/>
+    <dgm:style>
+      <a:lnRef idx="0">
+        <a:scrgbClr r="0" g="0" b="0"/>
+      </a:lnRef>
+      <a:fillRef idx="1">
+        <a:scrgbClr r="0" g="0" b="0"/>
+      </a:fillRef>
+      <a:effectRef idx="0">
+        <a:scrgbClr r="0" g="0" b="0"/>
+      </a:effectRef>
+      <a:fontRef idx="minor"/>
+    </dgm:style>
+  </dgm:styleLbl>
   <dgm:styleLbl name="vennNode1">
     <dgm:scene3d>
       <a:camera prst="orthographicFront"/>
       <a:lightRig rig="threePt" dir="t"/>
     </dgm:scene3d>
-    <dgm:sp3d/>
     <dgm:txPr/>
     <dgm:style>
       <a:lnRef idx="2">
@@ -2337,960 +5506,6 @@
       <a:fontRef idx="minor">
         <a:schemeClr val="tx1"/>
       </a:fontRef>
-    </dgm:style>
-  </dgm:styleLbl>
-  <dgm:styleLbl name="alignNode1">
-    <dgm:scene3d>
-      <a:camera prst="orthographicFront"/>
-      <a:lightRig rig="threePt" dir="t"/>
-    </dgm:scene3d>
-    <dgm:sp3d/>
-    <dgm:txPr/>
-    <dgm:style>
-      <a:lnRef idx="2">
-        <a:scrgbClr r="0" g="0" b="0"/>
-      </a:lnRef>
-      <a:fillRef idx="1">
-        <a:scrgbClr r="0" g="0" b="0"/>
-      </a:fillRef>
-      <a:effectRef idx="0">
-        <a:scrgbClr r="0" g="0" b="0"/>
-      </a:effectRef>
-      <a:fontRef idx="minor">
-        <a:schemeClr val="lt1"/>
-      </a:fontRef>
-    </dgm:style>
-  </dgm:styleLbl>
-  <dgm:styleLbl name="node1">
-    <dgm:scene3d>
-      <a:camera prst="orthographicFront"/>
-      <a:lightRig rig="threePt" dir="t"/>
-    </dgm:scene3d>
-    <dgm:sp3d/>
-    <dgm:txPr/>
-    <dgm:style>
-      <a:lnRef idx="2">
-        <a:scrgbClr r="0" g="0" b="0"/>
-      </a:lnRef>
-      <a:fillRef idx="1">
-        <a:scrgbClr r="0" g="0" b="0"/>
-      </a:fillRef>
-      <a:effectRef idx="0">
-        <a:scrgbClr r="0" g="0" b="0"/>
-      </a:effectRef>
-      <a:fontRef idx="minor">
-        <a:schemeClr val="lt1"/>
-      </a:fontRef>
-    </dgm:style>
-  </dgm:styleLbl>
-  <dgm:styleLbl name="node2">
-    <dgm:scene3d>
-      <a:camera prst="orthographicFront"/>
-      <a:lightRig rig="threePt" dir="t"/>
-    </dgm:scene3d>
-    <dgm:sp3d/>
-    <dgm:txPr/>
-    <dgm:style>
-      <a:lnRef idx="2">
-        <a:scrgbClr r="0" g="0" b="0"/>
-      </a:lnRef>
-      <a:fillRef idx="1">
-        <a:scrgbClr r="0" g="0" b="0"/>
-      </a:fillRef>
-      <a:effectRef idx="0">
-        <a:scrgbClr r="0" g="0" b="0"/>
-      </a:effectRef>
-      <a:fontRef idx="minor">
-        <a:schemeClr val="lt1"/>
-      </a:fontRef>
-    </dgm:style>
-  </dgm:styleLbl>
-  <dgm:styleLbl name="node3">
-    <dgm:scene3d>
-      <a:camera prst="orthographicFront"/>
-      <a:lightRig rig="threePt" dir="t"/>
-    </dgm:scene3d>
-    <dgm:sp3d/>
-    <dgm:txPr/>
-    <dgm:style>
-      <a:lnRef idx="2">
-        <a:scrgbClr r="0" g="0" b="0"/>
-      </a:lnRef>
-      <a:fillRef idx="1">
-        <a:scrgbClr r="0" g="0" b="0"/>
-      </a:fillRef>
-      <a:effectRef idx="0">
-        <a:scrgbClr r="0" g="0" b="0"/>
-      </a:effectRef>
-      <a:fontRef idx="minor">
-        <a:schemeClr val="lt1"/>
-      </a:fontRef>
-    </dgm:style>
-  </dgm:styleLbl>
-  <dgm:styleLbl name="node4">
-    <dgm:scene3d>
-      <a:camera prst="orthographicFront"/>
-      <a:lightRig rig="threePt" dir="t"/>
-    </dgm:scene3d>
-    <dgm:sp3d/>
-    <dgm:txPr/>
-    <dgm:style>
-      <a:lnRef idx="2">
-        <a:scrgbClr r="0" g="0" b="0"/>
-      </a:lnRef>
-      <a:fillRef idx="1">
-        <a:scrgbClr r="0" g="0" b="0"/>
-      </a:fillRef>
-      <a:effectRef idx="0">
-        <a:scrgbClr r="0" g="0" b="0"/>
-      </a:effectRef>
-      <a:fontRef idx="minor">
-        <a:schemeClr val="lt1"/>
-      </a:fontRef>
-    </dgm:style>
-  </dgm:styleLbl>
-  <dgm:styleLbl name="fgImgPlace1">
-    <dgm:scene3d>
-      <a:camera prst="orthographicFront"/>
-      <a:lightRig rig="threePt" dir="t"/>
-    </dgm:scene3d>
-    <dgm:sp3d/>
-    <dgm:txPr/>
-    <dgm:style>
-      <a:lnRef idx="2">
-        <a:scrgbClr r="0" g="0" b="0"/>
-      </a:lnRef>
-      <a:fillRef idx="1">
-        <a:scrgbClr r="0" g="0" b="0"/>
-      </a:fillRef>
-      <a:effectRef idx="0">
-        <a:scrgbClr r="0" g="0" b="0"/>
-      </a:effectRef>
-      <a:fontRef idx="minor"/>
-    </dgm:style>
-  </dgm:styleLbl>
-  <dgm:styleLbl name="alignImgPlace1">
-    <dgm:scene3d>
-      <a:camera prst="orthographicFront"/>
-      <a:lightRig rig="threePt" dir="t"/>
-    </dgm:scene3d>
-    <dgm:sp3d/>
-    <dgm:txPr/>
-    <dgm:style>
-      <a:lnRef idx="2">
-        <a:scrgbClr r="0" g="0" b="0"/>
-      </a:lnRef>
-      <a:fillRef idx="1">
-        <a:scrgbClr r="0" g="0" b="0"/>
-      </a:fillRef>
-      <a:effectRef idx="0">
-        <a:scrgbClr r="0" g="0" b="0"/>
-      </a:effectRef>
-      <a:fontRef idx="minor"/>
-    </dgm:style>
-  </dgm:styleLbl>
-  <dgm:styleLbl name="bgImgPlace1">
-    <dgm:scene3d>
-      <a:camera prst="orthographicFront"/>
-      <a:lightRig rig="threePt" dir="t"/>
-    </dgm:scene3d>
-    <dgm:sp3d/>
-    <dgm:txPr/>
-    <dgm:style>
-      <a:lnRef idx="2">
-        <a:scrgbClr r="0" g="0" b="0"/>
-      </a:lnRef>
-      <a:fillRef idx="1">
-        <a:scrgbClr r="0" g="0" b="0"/>
-      </a:fillRef>
-      <a:effectRef idx="0">
-        <a:scrgbClr r="0" g="0" b="0"/>
-      </a:effectRef>
-      <a:fontRef idx="minor"/>
-    </dgm:style>
-  </dgm:styleLbl>
-  <dgm:styleLbl name="sibTrans2D1">
-    <dgm:scene3d>
-      <a:camera prst="orthographicFront"/>
-      <a:lightRig rig="threePt" dir="t"/>
-    </dgm:scene3d>
-    <dgm:sp3d/>
-    <dgm:txPr/>
-    <dgm:style>
-      <a:lnRef idx="0">
-        <a:scrgbClr r="0" g="0" b="0"/>
-      </a:lnRef>
-      <a:fillRef idx="1">
-        <a:scrgbClr r="0" g="0" b="0"/>
-      </a:fillRef>
-      <a:effectRef idx="0">
-        <a:scrgbClr r="0" g="0" b="0"/>
-      </a:effectRef>
-      <a:fontRef idx="minor">
-        <a:schemeClr val="lt1"/>
-      </a:fontRef>
-    </dgm:style>
-  </dgm:styleLbl>
-  <dgm:styleLbl name="fgSibTrans2D1">
-    <dgm:scene3d>
-      <a:camera prst="orthographicFront"/>
-      <a:lightRig rig="threePt" dir="t"/>
-    </dgm:scene3d>
-    <dgm:sp3d/>
-    <dgm:txPr/>
-    <dgm:style>
-      <a:lnRef idx="0">
-        <a:scrgbClr r="0" g="0" b="0"/>
-      </a:lnRef>
-      <a:fillRef idx="1">
-        <a:scrgbClr r="0" g="0" b="0"/>
-      </a:fillRef>
-      <a:effectRef idx="0">
-        <a:scrgbClr r="0" g="0" b="0"/>
-      </a:effectRef>
-      <a:fontRef idx="minor">
-        <a:schemeClr val="lt1"/>
-      </a:fontRef>
-    </dgm:style>
-  </dgm:styleLbl>
-  <dgm:styleLbl name="bgSibTrans2D1">
-    <dgm:scene3d>
-      <a:camera prst="orthographicFront"/>
-      <a:lightRig rig="threePt" dir="t"/>
-    </dgm:scene3d>
-    <dgm:sp3d/>
-    <dgm:txPr/>
-    <dgm:style>
-      <a:lnRef idx="0">
-        <a:scrgbClr r="0" g="0" b="0"/>
-      </a:lnRef>
-      <a:fillRef idx="1">
-        <a:scrgbClr r="0" g="0" b="0"/>
-      </a:fillRef>
-      <a:effectRef idx="0">
-        <a:scrgbClr r="0" g="0" b="0"/>
-      </a:effectRef>
-      <a:fontRef idx="minor">
-        <a:schemeClr val="lt1"/>
-      </a:fontRef>
-    </dgm:style>
-  </dgm:styleLbl>
-  <dgm:styleLbl name="sibTrans1D1">
-    <dgm:scene3d>
-      <a:camera prst="orthographicFront"/>
-      <a:lightRig rig="threePt" dir="t"/>
-    </dgm:scene3d>
-    <dgm:sp3d/>
-    <dgm:txPr/>
-    <dgm:style>
-      <a:lnRef idx="1">
-        <a:scrgbClr r="0" g="0" b="0"/>
-      </a:lnRef>
-      <a:fillRef idx="0">
-        <a:scrgbClr r="0" g="0" b="0"/>
-      </a:fillRef>
-      <a:effectRef idx="0">
-        <a:scrgbClr r="0" g="0" b="0"/>
-      </a:effectRef>
-      <a:fontRef idx="minor"/>
-    </dgm:style>
-  </dgm:styleLbl>
-  <dgm:styleLbl name="callout">
-    <dgm:scene3d>
-      <a:camera prst="orthographicFront"/>
-      <a:lightRig rig="threePt" dir="t"/>
-    </dgm:scene3d>
-    <dgm:sp3d/>
-    <dgm:txPr/>
-    <dgm:style>
-      <a:lnRef idx="2">
-        <a:scrgbClr r="0" g="0" b="0"/>
-      </a:lnRef>
-      <a:fillRef idx="1">
-        <a:scrgbClr r="0" g="0" b="0"/>
-      </a:fillRef>
-      <a:effectRef idx="0">
-        <a:scrgbClr r="0" g="0" b="0"/>
-      </a:effectRef>
-      <a:fontRef idx="minor"/>
-    </dgm:style>
-  </dgm:styleLbl>
-  <dgm:styleLbl name="asst0">
-    <dgm:scene3d>
-      <a:camera prst="orthographicFront"/>
-      <a:lightRig rig="threePt" dir="t"/>
-    </dgm:scene3d>
-    <dgm:sp3d/>
-    <dgm:txPr/>
-    <dgm:style>
-      <a:lnRef idx="2">
-        <a:scrgbClr r="0" g="0" b="0"/>
-      </a:lnRef>
-      <a:fillRef idx="1">
-        <a:scrgbClr r="0" g="0" b="0"/>
-      </a:fillRef>
-      <a:effectRef idx="0">
-        <a:scrgbClr r="0" g="0" b="0"/>
-      </a:effectRef>
-      <a:fontRef idx="minor">
-        <a:schemeClr val="lt1"/>
-      </a:fontRef>
-    </dgm:style>
-  </dgm:styleLbl>
-  <dgm:styleLbl name="asst1">
-    <dgm:scene3d>
-      <a:camera prst="orthographicFront"/>
-      <a:lightRig rig="threePt" dir="t"/>
-    </dgm:scene3d>
-    <dgm:sp3d/>
-    <dgm:txPr/>
-    <dgm:style>
-      <a:lnRef idx="2">
-        <a:scrgbClr r="0" g="0" b="0"/>
-      </a:lnRef>
-      <a:fillRef idx="1">
-        <a:scrgbClr r="0" g="0" b="0"/>
-      </a:fillRef>
-      <a:effectRef idx="0">
-        <a:scrgbClr r="0" g="0" b="0"/>
-      </a:effectRef>
-      <a:fontRef idx="minor">
-        <a:schemeClr val="lt1"/>
-      </a:fontRef>
-    </dgm:style>
-  </dgm:styleLbl>
-  <dgm:styleLbl name="asst2">
-    <dgm:scene3d>
-      <a:camera prst="orthographicFront"/>
-      <a:lightRig rig="threePt" dir="t"/>
-    </dgm:scene3d>
-    <dgm:sp3d/>
-    <dgm:txPr/>
-    <dgm:style>
-      <a:lnRef idx="2">
-        <a:scrgbClr r="0" g="0" b="0"/>
-      </a:lnRef>
-      <a:fillRef idx="1">
-        <a:scrgbClr r="0" g="0" b="0"/>
-      </a:fillRef>
-      <a:effectRef idx="0">
-        <a:scrgbClr r="0" g="0" b="0"/>
-      </a:effectRef>
-      <a:fontRef idx="minor">
-        <a:schemeClr val="lt1"/>
-      </a:fontRef>
-    </dgm:style>
-  </dgm:styleLbl>
-  <dgm:styleLbl name="asst3">
-    <dgm:scene3d>
-      <a:camera prst="orthographicFront"/>
-      <a:lightRig rig="threePt" dir="t"/>
-    </dgm:scene3d>
-    <dgm:sp3d/>
-    <dgm:txPr/>
-    <dgm:style>
-      <a:lnRef idx="2">
-        <a:scrgbClr r="0" g="0" b="0"/>
-      </a:lnRef>
-      <a:fillRef idx="1">
-        <a:scrgbClr r="0" g="0" b="0"/>
-      </a:fillRef>
-      <a:effectRef idx="0">
-        <a:scrgbClr r="0" g="0" b="0"/>
-      </a:effectRef>
-      <a:fontRef idx="minor">
-        <a:schemeClr val="lt1"/>
-      </a:fontRef>
-    </dgm:style>
-  </dgm:styleLbl>
-  <dgm:styleLbl name="asst4">
-    <dgm:scene3d>
-      <a:camera prst="orthographicFront"/>
-      <a:lightRig rig="threePt" dir="t"/>
-    </dgm:scene3d>
-    <dgm:sp3d/>
-    <dgm:txPr/>
-    <dgm:style>
-      <a:lnRef idx="2">
-        <a:scrgbClr r="0" g="0" b="0"/>
-      </a:lnRef>
-      <a:fillRef idx="1">
-        <a:scrgbClr r="0" g="0" b="0"/>
-      </a:fillRef>
-      <a:effectRef idx="0">
-        <a:scrgbClr r="0" g="0" b="0"/>
-      </a:effectRef>
-      <a:fontRef idx="minor">
-        <a:schemeClr val="lt1"/>
-      </a:fontRef>
-    </dgm:style>
-  </dgm:styleLbl>
-  <dgm:styleLbl name="parChTrans2D1">
-    <dgm:scene3d>
-      <a:camera prst="orthographicFront"/>
-      <a:lightRig rig="threePt" dir="t"/>
-    </dgm:scene3d>
-    <dgm:sp3d/>
-    <dgm:txPr/>
-    <dgm:style>
-      <a:lnRef idx="2">
-        <a:scrgbClr r="0" g="0" b="0"/>
-      </a:lnRef>
-      <a:fillRef idx="1">
-        <a:scrgbClr r="0" g="0" b="0"/>
-      </a:fillRef>
-      <a:effectRef idx="0">
-        <a:scrgbClr r="0" g="0" b="0"/>
-      </a:effectRef>
-      <a:fontRef idx="minor">
-        <a:schemeClr val="lt1"/>
-      </a:fontRef>
-    </dgm:style>
-  </dgm:styleLbl>
-  <dgm:styleLbl name="parChTrans2D2">
-    <dgm:scene3d>
-      <a:camera prst="orthographicFront"/>
-      <a:lightRig rig="threePt" dir="t"/>
-    </dgm:scene3d>
-    <dgm:sp3d/>
-    <dgm:txPr/>
-    <dgm:style>
-      <a:lnRef idx="2">
-        <a:scrgbClr r="0" g="0" b="0"/>
-      </a:lnRef>
-      <a:fillRef idx="1">
-        <a:scrgbClr r="0" g="0" b="0"/>
-      </a:fillRef>
-      <a:effectRef idx="0">
-        <a:scrgbClr r="0" g="0" b="0"/>
-      </a:effectRef>
-      <a:fontRef idx="minor">
-        <a:schemeClr val="lt1"/>
-      </a:fontRef>
-    </dgm:style>
-  </dgm:styleLbl>
-  <dgm:styleLbl name="parChTrans2D3">
-    <dgm:scene3d>
-      <a:camera prst="orthographicFront"/>
-      <a:lightRig rig="threePt" dir="t"/>
-    </dgm:scene3d>
-    <dgm:sp3d/>
-    <dgm:txPr/>
-    <dgm:style>
-      <a:lnRef idx="2">
-        <a:scrgbClr r="0" g="0" b="0"/>
-      </a:lnRef>
-      <a:fillRef idx="1">
-        <a:scrgbClr r="0" g="0" b="0"/>
-      </a:fillRef>
-      <a:effectRef idx="0">
-        <a:scrgbClr r="0" g="0" b="0"/>
-      </a:effectRef>
-      <a:fontRef idx="minor">
-        <a:schemeClr val="lt1"/>
-      </a:fontRef>
-    </dgm:style>
-  </dgm:styleLbl>
-  <dgm:styleLbl name="parChTrans2D4">
-    <dgm:scene3d>
-      <a:camera prst="orthographicFront"/>
-      <a:lightRig rig="threePt" dir="t"/>
-    </dgm:scene3d>
-    <dgm:sp3d/>
-    <dgm:txPr/>
-    <dgm:style>
-      <a:lnRef idx="2">
-        <a:scrgbClr r="0" g="0" b="0"/>
-      </a:lnRef>
-      <a:fillRef idx="1">
-        <a:scrgbClr r="0" g="0" b="0"/>
-      </a:fillRef>
-      <a:effectRef idx="0">
-        <a:scrgbClr r="0" g="0" b="0"/>
-      </a:effectRef>
-      <a:fontRef idx="minor">
-        <a:schemeClr val="lt1"/>
-      </a:fontRef>
-    </dgm:style>
-  </dgm:styleLbl>
-  <dgm:styleLbl name="parChTrans1D1">
-    <dgm:scene3d>
-      <a:camera prst="orthographicFront"/>
-      <a:lightRig rig="threePt" dir="t"/>
-    </dgm:scene3d>
-    <dgm:sp3d/>
-    <dgm:txPr/>
-    <dgm:style>
-      <a:lnRef idx="2">
-        <a:scrgbClr r="0" g="0" b="0"/>
-      </a:lnRef>
-      <a:fillRef idx="0">
-        <a:scrgbClr r="0" g="0" b="0"/>
-      </a:fillRef>
-      <a:effectRef idx="0">
-        <a:scrgbClr r="0" g="0" b="0"/>
-      </a:effectRef>
-      <a:fontRef idx="minor"/>
-    </dgm:style>
-  </dgm:styleLbl>
-  <dgm:styleLbl name="parChTrans1D2">
-    <dgm:scene3d>
-      <a:camera prst="orthographicFront"/>
-      <a:lightRig rig="threePt" dir="t"/>
-    </dgm:scene3d>
-    <dgm:sp3d/>
-    <dgm:txPr/>
-    <dgm:style>
-      <a:lnRef idx="2">
-        <a:scrgbClr r="0" g="0" b="0"/>
-      </a:lnRef>
-      <a:fillRef idx="0">
-        <a:scrgbClr r="0" g="0" b="0"/>
-      </a:fillRef>
-      <a:effectRef idx="0">
-        <a:scrgbClr r="0" g="0" b="0"/>
-      </a:effectRef>
-      <a:fontRef idx="minor"/>
-    </dgm:style>
-  </dgm:styleLbl>
-  <dgm:styleLbl name="parChTrans1D3">
-    <dgm:scene3d>
-      <a:camera prst="orthographicFront"/>
-      <a:lightRig rig="threePt" dir="t"/>
-    </dgm:scene3d>
-    <dgm:sp3d/>
-    <dgm:txPr/>
-    <dgm:style>
-      <a:lnRef idx="2">
-        <a:scrgbClr r="0" g="0" b="0"/>
-      </a:lnRef>
-      <a:fillRef idx="0">
-        <a:scrgbClr r="0" g="0" b="0"/>
-      </a:fillRef>
-      <a:effectRef idx="0">
-        <a:scrgbClr r="0" g="0" b="0"/>
-      </a:effectRef>
-      <a:fontRef idx="minor"/>
-    </dgm:style>
-  </dgm:styleLbl>
-  <dgm:styleLbl name="parChTrans1D4">
-    <dgm:scene3d>
-      <a:camera prst="orthographicFront"/>
-      <a:lightRig rig="threePt" dir="t"/>
-    </dgm:scene3d>
-    <dgm:sp3d/>
-    <dgm:txPr/>
-    <dgm:style>
-      <a:lnRef idx="2">
-        <a:scrgbClr r="0" g="0" b="0"/>
-      </a:lnRef>
-      <a:fillRef idx="0">
-        <a:scrgbClr r="0" g="0" b="0"/>
-      </a:fillRef>
-      <a:effectRef idx="0">
-        <a:scrgbClr r="0" g="0" b="0"/>
-      </a:effectRef>
-      <a:fontRef idx="minor"/>
-    </dgm:style>
-  </dgm:styleLbl>
-  <dgm:styleLbl name="fgAcc1">
-    <dgm:scene3d>
-      <a:camera prst="orthographicFront"/>
-      <a:lightRig rig="threePt" dir="t"/>
-    </dgm:scene3d>
-    <dgm:sp3d/>
-    <dgm:txPr/>
-    <dgm:style>
-      <a:lnRef idx="2">
-        <a:scrgbClr r="0" g="0" b="0"/>
-      </a:lnRef>
-      <a:fillRef idx="1">
-        <a:scrgbClr r="0" g="0" b="0"/>
-      </a:fillRef>
-      <a:effectRef idx="0">
-        <a:scrgbClr r="0" g="0" b="0"/>
-      </a:effectRef>
-      <a:fontRef idx="minor"/>
-    </dgm:style>
-  </dgm:styleLbl>
-  <dgm:styleLbl name="conFgAcc1">
-    <dgm:scene3d>
-      <a:camera prst="orthographicFront"/>
-      <a:lightRig rig="threePt" dir="t"/>
-    </dgm:scene3d>
-    <dgm:sp3d/>
-    <dgm:txPr/>
-    <dgm:style>
-      <a:lnRef idx="2">
-        <a:scrgbClr r="0" g="0" b="0"/>
-      </a:lnRef>
-      <a:fillRef idx="1">
-        <a:scrgbClr r="0" g="0" b="0"/>
-      </a:fillRef>
-      <a:effectRef idx="0">
-        <a:scrgbClr r="0" g="0" b="0"/>
-      </a:effectRef>
-      <a:fontRef idx="minor"/>
-    </dgm:style>
-  </dgm:styleLbl>
-  <dgm:styleLbl name="alignAcc1">
-    <dgm:scene3d>
-      <a:camera prst="orthographicFront"/>
-      <a:lightRig rig="threePt" dir="t"/>
-    </dgm:scene3d>
-    <dgm:sp3d/>
-    <dgm:txPr/>
-    <dgm:style>
-      <a:lnRef idx="2">
-        <a:scrgbClr r="0" g="0" b="0"/>
-      </a:lnRef>
-      <a:fillRef idx="1">
-        <a:scrgbClr r="0" g="0" b="0"/>
-      </a:fillRef>
-      <a:effectRef idx="0">
-        <a:scrgbClr r="0" g="0" b="0"/>
-      </a:effectRef>
-      <a:fontRef idx="minor"/>
-    </dgm:style>
-  </dgm:styleLbl>
-  <dgm:styleLbl name="trAlignAcc1">
-    <dgm:scene3d>
-      <a:camera prst="orthographicFront"/>
-      <a:lightRig rig="threePt" dir="t"/>
-    </dgm:scene3d>
-    <dgm:sp3d/>
-    <dgm:txPr/>
-    <dgm:style>
-      <a:lnRef idx="1">
-        <a:scrgbClr r="0" g="0" b="0"/>
-      </a:lnRef>
-      <a:fillRef idx="1">
-        <a:scrgbClr r="0" g="0" b="0"/>
-      </a:fillRef>
-      <a:effectRef idx="0">
-        <a:scrgbClr r="0" g="0" b="0"/>
-      </a:effectRef>
-      <a:fontRef idx="minor"/>
-    </dgm:style>
-  </dgm:styleLbl>
-  <dgm:styleLbl name="bgAcc1">
-    <dgm:scene3d>
-      <a:camera prst="orthographicFront"/>
-      <a:lightRig rig="threePt" dir="t"/>
-    </dgm:scene3d>
-    <dgm:sp3d/>
-    <dgm:txPr/>
-    <dgm:style>
-      <a:lnRef idx="2">
-        <a:scrgbClr r="0" g="0" b="0"/>
-      </a:lnRef>
-      <a:fillRef idx="1">
-        <a:scrgbClr r="0" g="0" b="0"/>
-      </a:fillRef>
-      <a:effectRef idx="0">
-        <a:scrgbClr r="0" g="0" b="0"/>
-      </a:effectRef>
-      <a:fontRef idx="minor"/>
-    </dgm:style>
-  </dgm:styleLbl>
-  <dgm:styleLbl name="solidFgAcc1">
-    <dgm:scene3d>
-      <a:camera prst="orthographicFront"/>
-      <a:lightRig rig="threePt" dir="t"/>
-    </dgm:scene3d>
-    <dgm:sp3d/>
-    <dgm:txPr/>
-    <dgm:style>
-      <a:lnRef idx="2">
-        <a:scrgbClr r="0" g="0" b="0"/>
-      </a:lnRef>
-      <a:fillRef idx="1">
-        <a:scrgbClr r="0" g="0" b="0"/>
-      </a:fillRef>
-      <a:effectRef idx="0">
-        <a:scrgbClr r="0" g="0" b="0"/>
-      </a:effectRef>
-      <a:fontRef idx="minor"/>
-    </dgm:style>
-  </dgm:styleLbl>
-  <dgm:styleLbl name="solidAlignAcc1">
-    <dgm:scene3d>
-      <a:camera prst="orthographicFront"/>
-      <a:lightRig rig="threePt" dir="t"/>
-    </dgm:scene3d>
-    <dgm:sp3d/>
-    <dgm:txPr/>
-    <dgm:style>
-      <a:lnRef idx="2">
-        <a:scrgbClr r="0" g="0" b="0"/>
-      </a:lnRef>
-      <a:fillRef idx="1">
-        <a:scrgbClr r="0" g="0" b="0"/>
-      </a:fillRef>
-      <a:effectRef idx="0">
-        <a:scrgbClr r="0" g="0" b="0"/>
-      </a:effectRef>
-      <a:fontRef idx="minor"/>
-    </dgm:style>
-  </dgm:styleLbl>
-  <dgm:styleLbl name="solidBgAcc1">
-    <dgm:scene3d>
-      <a:camera prst="orthographicFront"/>
-      <a:lightRig rig="threePt" dir="t"/>
-    </dgm:scene3d>
-    <dgm:sp3d/>
-    <dgm:txPr/>
-    <dgm:style>
-      <a:lnRef idx="2">
-        <a:scrgbClr r="0" g="0" b="0"/>
-      </a:lnRef>
-      <a:fillRef idx="1">
-        <a:scrgbClr r="0" g="0" b="0"/>
-      </a:fillRef>
-      <a:effectRef idx="0">
-        <a:scrgbClr r="0" g="0" b="0"/>
-      </a:effectRef>
-      <a:fontRef idx="minor"/>
-    </dgm:style>
-  </dgm:styleLbl>
-  <dgm:styleLbl name="fgAccFollowNode1">
-    <dgm:scene3d>
-      <a:camera prst="orthographicFront"/>
-      <a:lightRig rig="threePt" dir="t"/>
-    </dgm:scene3d>
-    <dgm:sp3d/>
-    <dgm:txPr/>
-    <dgm:style>
-      <a:lnRef idx="2">
-        <a:scrgbClr r="0" g="0" b="0"/>
-      </a:lnRef>
-      <a:fillRef idx="1">
-        <a:scrgbClr r="0" g="0" b="0"/>
-      </a:fillRef>
-      <a:effectRef idx="0">
-        <a:scrgbClr r="0" g="0" b="0"/>
-      </a:effectRef>
-      <a:fontRef idx="minor"/>
-    </dgm:style>
-  </dgm:styleLbl>
-  <dgm:styleLbl name="alignAccFollowNode1">
-    <dgm:scene3d>
-      <a:camera prst="orthographicFront"/>
-      <a:lightRig rig="threePt" dir="t"/>
-    </dgm:scene3d>
-    <dgm:sp3d/>
-    <dgm:txPr/>
-    <dgm:style>
-      <a:lnRef idx="2">
-        <a:scrgbClr r="0" g="0" b="0"/>
-      </a:lnRef>
-      <a:fillRef idx="1">
-        <a:scrgbClr r="0" g="0" b="0"/>
-      </a:fillRef>
-      <a:effectRef idx="0">
-        <a:scrgbClr r="0" g="0" b="0"/>
-      </a:effectRef>
-      <a:fontRef idx="minor"/>
-    </dgm:style>
-  </dgm:styleLbl>
-  <dgm:styleLbl name="bgAccFollowNode1">
-    <dgm:scene3d>
-      <a:camera prst="orthographicFront"/>
-      <a:lightRig rig="threePt" dir="t"/>
-    </dgm:scene3d>
-    <dgm:sp3d/>
-    <dgm:txPr/>
-    <dgm:style>
-      <a:lnRef idx="2">
-        <a:scrgbClr r="0" g="0" b="0"/>
-      </a:lnRef>
-      <a:fillRef idx="1">
-        <a:scrgbClr r="0" g="0" b="0"/>
-      </a:fillRef>
-      <a:effectRef idx="0">
-        <a:scrgbClr r="0" g="0" b="0"/>
-      </a:effectRef>
-      <a:fontRef idx="minor"/>
-    </dgm:style>
-  </dgm:styleLbl>
-  <dgm:styleLbl name="fgAcc0">
-    <dgm:scene3d>
-      <a:camera prst="orthographicFront"/>
-      <a:lightRig rig="threePt" dir="t"/>
-    </dgm:scene3d>
-    <dgm:sp3d/>
-    <dgm:txPr/>
-    <dgm:style>
-      <a:lnRef idx="2">
-        <a:scrgbClr r="0" g="0" b="0"/>
-      </a:lnRef>
-      <a:fillRef idx="1">
-        <a:scrgbClr r="0" g="0" b="0"/>
-      </a:fillRef>
-      <a:effectRef idx="0">
-        <a:scrgbClr r="0" g="0" b="0"/>
-      </a:effectRef>
-      <a:fontRef idx="minor"/>
-    </dgm:style>
-  </dgm:styleLbl>
-  <dgm:styleLbl name="fgAcc2">
-    <dgm:scene3d>
-      <a:camera prst="orthographicFront"/>
-      <a:lightRig rig="threePt" dir="t"/>
-    </dgm:scene3d>
-    <dgm:sp3d/>
-    <dgm:txPr/>
-    <dgm:style>
-      <a:lnRef idx="2">
-        <a:scrgbClr r="0" g="0" b="0"/>
-      </a:lnRef>
-      <a:fillRef idx="1">
-        <a:scrgbClr r="0" g="0" b="0"/>
-      </a:fillRef>
-      <a:effectRef idx="0">
-        <a:scrgbClr r="0" g="0" b="0"/>
-      </a:effectRef>
-      <a:fontRef idx="minor"/>
-    </dgm:style>
-  </dgm:styleLbl>
-  <dgm:styleLbl name="fgAcc3">
-    <dgm:scene3d>
-      <a:camera prst="orthographicFront"/>
-      <a:lightRig rig="threePt" dir="t"/>
-    </dgm:scene3d>
-    <dgm:sp3d/>
-    <dgm:txPr/>
-    <dgm:style>
-      <a:lnRef idx="2">
-        <a:scrgbClr r="0" g="0" b="0"/>
-      </a:lnRef>
-      <a:fillRef idx="1">
-        <a:scrgbClr r="0" g="0" b="0"/>
-      </a:fillRef>
-      <a:effectRef idx="0">
-        <a:scrgbClr r="0" g="0" b="0"/>
-      </a:effectRef>
-      <a:fontRef idx="minor"/>
-    </dgm:style>
-  </dgm:styleLbl>
-  <dgm:styleLbl name="fgAcc4">
-    <dgm:scene3d>
-      <a:camera prst="orthographicFront"/>
-      <a:lightRig rig="threePt" dir="t"/>
-    </dgm:scene3d>
-    <dgm:sp3d/>
-    <dgm:txPr/>
-    <dgm:style>
-      <a:lnRef idx="2">
-        <a:scrgbClr r="0" g="0" b="0"/>
-      </a:lnRef>
-      <a:fillRef idx="1">
-        <a:scrgbClr r="0" g="0" b="0"/>
-      </a:fillRef>
-      <a:effectRef idx="0">
-        <a:scrgbClr r="0" g="0" b="0"/>
-      </a:effectRef>
-      <a:fontRef idx="minor"/>
-    </dgm:style>
-  </dgm:styleLbl>
-  <dgm:styleLbl name="bgShp">
-    <dgm:scene3d>
-      <a:camera prst="orthographicFront"/>
-      <a:lightRig rig="threePt" dir="t"/>
-    </dgm:scene3d>
-    <dgm:sp3d/>
-    <dgm:txPr/>
-    <dgm:style>
-      <a:lnRef idx="0">
-        <a:scrgbClr r="0" g="0" b="0"/>
-      </a:lnRef>
-      <a:fillRef idx="1">
-        <a:scrgbClr r="0" g="0" b="0"/>
-      </a:fillRef>
-      <a:effectRef idx="0">
-        <a:scrgbClr r="0" g="0" b="0"/>
-      </a:effectRef>
-      <a:fontRef idx="minor"/>
-    </dgm:style>
-  </dgm:styleLbl>
-  <dgm:styleLbl name="dkBgShp">
-    <dgm:scene3d>
-      <a:camera prst="orthographicFront"/>
-      <a:lightRig rig="threePt" dir="t"/>
-    </dgm:scene3d>
-    <dgm:sp3d/>
-    <dgm:txPr/>
-    <dgm:style>
-      <a:lnRef idx="0">
-        <a:scrgbClr r="0" g="0" b="0"/>
-      </a:lnRef>
-      <a:fillRef idx="1">
-        <a:scrgbClr r="0" g="0" b="0"/>
-      </a:fillRef>
-      <a:effectRef idx="0">
-        <a:scrgbClr r="0" g="0" b="0"/>
-      </a:effectRef>
-      <a:fontRef idx="minor"/>
-    </dgm:style>
-  </dgm:styleLbl>
-  <dgm:styleLbl name="trBgShp">
-    <dgm:scene3d>
-      <a:camera prst="orthographicFront"/>
-      <a:lightRig rig="threePt" dir="t"/>
-    </dgm:scene3d>
-    <dgm:sp3d/>
-    <dgm:txPr/>
-    <dgm:style>
-      <a:lnRef idx="0">
-        <a:scrgbClr r="0" g="0" b="0"/>
-      </a:lnRef>
-      <a:fillRef idx="1">
-        <a:scrgbClr r="0" g="0" b="0"/>
-      </a:fillRef>
-      <a:effectRef idx="0">
-        <a:scrgbClr r="0" g="0" b="0"/>
-      </a:effectRef>
-      <a:fontRef idx="minor"/>
-    </dgm:style>
-  </dgm:styleLbl>
-  <dgm:styleLbl name="fgShp">
-    <dgm:scene3d>
-      <a:camera prst="orthographicFront"/>
-      <a:lightRig rig="threePt" dir="t"/>
-    </dgm:scene3d>
-    <dgm:sp3d/>
-    <dgm:txPr/>
-    <dgm:style>
-      <a:lnRef idx="2">
-        <a:scrgbClr r="0" g="0" b="0"/>
-      </a:lnRef>
-      <a:fillRef idx="1">
-        <a:scrgbClr r="0" g="0" b="0"/>
-      </a:fillRef>
-      <a:effectRef idx="0">
-        <a:scrgbClr r="0" g="0" b="0"/>
-      </a:effectRef>
-      <a:fontRef idx="minor"/>
-    </dgm:style>
-  </dgm:styleLbl>
-  <dgm:styleLbl name="revTx">
-    <dgm:scene3d>
-      <a:camera prst="orthographicFront"/>
-      <a:lightRig rig="threePt" dir="t"/>
-    </dgm:scene3d>
-    <dgm:sp3d/>
-    <dgm:txPr/>
-    <dgm:style>
-      <a:lnRef idx="0">
-        <a:scrgbClr r="0" g="0" b="0"/>
-      </a:lnRef>
-      <a:fillRef idx="0">
-        <a:scrgbClr r="0" g="0" b="0"/>
-      </a:fillRef>
-      <a:effectRef idx="0">
-        <a:scrgbClr r="0" g="0" b="0"/>
-      </a:effectRef>
-      <a:fontRef idx="minor"/>
     </dgm:style>
   </dgm:styleLbl>
 </dgm:styleDef>
@@ -3477,7 +5692,6 @@
           <a:p>
             <a:fld id="{AD65FEC6-BB0B-403F-80B0-7F0CC4BE2B3D}" type="datetimeFigureOut">
               <a:rPr lang="zh-CN" altLang="en-US" smtClean="0"/>
-              <a:t>2021/6/11</a:t>
             </a:fld>
             <a:endParaRPr lang="zh-CN" altLang="en-US"/>
           </a:p>
@@ -3519,7 +5733,6 @@
           <a:p>
             <a:fld id="{0EF05B34-4D29-469C-854E-A5E77624378B}" type="slidenum">
               <a:rPr lang="zh-CN" altLang="en-US" smtClean="0"/>
-              <a:t>‹#›</a:t>
             </a:fld>
             <a:endParaRPr lang="zh-CN" altLang="en-US"/>
           </a:p>
@@ -3593,6 +5806,7 @@
               <a:rPr lang="zh-CN" altLang="en-US" smtClean="0"/>
               <a:t>单击此处编辑母版文本样式</a:t>
             </a:r>
+            <a:endParaRPr lang="zh-CN" altLang="en-US" smtClean="0"/>
           </a:p>
           <a:p>
             <a:pPr lvl="1"/>
@@ -3600,6 +5814,7 @@
               <a:rPr lang="zh-CN" altLang="en-US" smtClean="0"/>
               <a:t>第二级</a:t>
             </a:r>
+            <a:endParaRPr lang="zh-CN" altLang="en-US" smtClean="0"/>
           </a:p>
           <a:p>
             <a:pPr lvl="2"/>
@@ -3607,6 +5822,7 @@
               <a:rPr lang="zh-CN" altLang="en-US" smtClean="0"/>
               <a:t>第三级</a:t>
             </a:r>
+            <a:endParaRPr lang="zh-CN" altLang="en-US" smtClean="0"/>
           </a:p>
           <a:p>
             <a:pPr lvl="3"/>
@@ -3614,6 +5830,7 @@
               <a:rPr lang="zh-CN" altLang="en-US" smtClean="0"/>
               <a:t>第四级</a:t>
             </a:r>
+            <a:endParaRPr lang="zh-CN" altLang="en-US" smtClean="0"/>
           </a:p>
           <a:p>
             <a:pPr lvl="4"/>
@@ -3642,7 +5859,6 @@
           <a:p>
             <a:fld id="{AD65FEC6-BB0B-403F-80B0-7F0CC4BE2B3D}" type="datetimeFigureOut">
               <a:rPr lang="zh-CN" altLang="en-US" smtClean="0"/>
-              <a:t>2021/6/11</a:t>
             </a:fld>
             <a:endParaRPr lang="zh-CN" altLang="en-US"/>
           </a:p>
@@ -3684,7 +5900,6 @@
           <a:p>
             <a:fld id="{0EF05B34-4D29-469C-854E-A5E77624378B}" type="slidenum">
               <a:rPr lang="zh-CN" altLang="en-US" smtClean="0"/>
-              <a:t>‹#›</a:t>
             </a:fld>
             <a:endParaRPr lang="zh-CN" altLang="en-US"/>
           </a:p>
@@ -3768,6 +5983,7 @@
               <a:rPr lang="zh-CN" altLang="en-US" smtClean="0"/>
               <a:t>单击此处编辑母版文本样式</a:t>
             </a:r>
+            <a:endParaRPr lang="zh-CN" altLang="en-US" smtClean="0"/>
           </a:p>
           <a:p>
             <a:pPr lvl="1"/>
@@ -3775,6 +5991,7 @@
               <a:rPr lang="zh-CN" altLang="en-US" smtClean="0"/>
               <a:t>第二级</a:t>
             </a:r>
+            <a:endParaRPr lang="zh-CN" altLang="en-US" smtClean="0"/>
           </a:p>
           <a:p>
             <a:pPr lvl="2"/>
@@ -3782,6 +5999,7 @@
               <a:rPr lang="zh-CN" altLang="en-US" smtClean="0"/>
               <a:t>第三级</a:t>
             </a:r>
+            <a:endParaRPr lang="zh-CN" altLang="en-US" smtClean="0"/>
           </a:p>
           <a:p>
             <a:pPr lvl="3"/>
@@ -3789,6 +6007,7 @@
               <a:rPr lang="zh-CN" altLang="en-US" smtClean="0"/>
               <a:t>第四级</a:t>
             </a:r>
+            <a:endParaRPr lang="zh-CN" altLang="en-US" smtClean="0"/>
           </a:p>
           <a:p>
             <a:pPr lvl="4"/>
@@ -3817,7 +6036,6 @@
           <a:p>
             <a:fld id="{AD65FEC6-BB0B-403F-80B0-7F0CC4BE2B3D}" type="datetimeFigureOut">
               <a:rPr lang="zh-CN" altLang="en-US" smtClean="0"/>
-              <a:t>2021/6/11</a:t>
             </a:fld>
             <a:endParaRPr lang="zh-CN" altLang="en-US"/>
           </a:p>
@@ -3859,7 +6077,6 @@
           <a:p>
             <a:fld id="{0EF05B34-4D29-469C-854E-A5E77624378B}" type="slidenum">
               <a:rPr lang="zh-CN" altLang="en-US" smtClean="0"/>
-              <a:t>‹#›</a:t>
             </a:fld>
             <a:endParaRPr lang="zh-CN" altLang="en-US"/>
           </a:p>
@@ -3933,6 +6150,7 @@
               <a:rPr lang="zh-CN" altLang="en-US" smtClean="0"/>
               <a:t>单击此处编辑母版文本样式</a:t>
             </a:r>
+            <a:endParaRPr lang="zh-CN" altLang="en-US" smtClean="0"/>
           </a:p>
           <a:p>
             <a:pPr lvl="1"/>
@@ -3940,6 +6158,7 @@
               <a:rPr lang="zh-CN" altLang="en-US" smtClean="0"/>
               <a:t>第二级</a:t>
             </a:r>
+            <a:endParaRPr lang="zh-CN" altLang="en-US" smtClean="0"/>
           </a:p>
           <a:p>
             <a:pPr lvl="2"/>
@@ -3947,6 +6166,7 @@
               <a:rPr lang="zh-CN" altLang="en-US" smtClean="0"/>
               <a:t>第三级</a:t>
             </a:r>
+            <a:endParaRPr lang="zh-CN" altLang="en-US" smtClean="0"/>
           </a:p>
           <a:p>
             <a:pPr lvl="3"/>
@@ -3954,6 +6174,7 @@
               <a:rPr lang="zh-CN" altLang="en-US" smtClean="0"/>
               <a:t>第四级</a:t>
             </a:r>
+            <a:endParaRPr lang="zh-CN" altLang="en-US" smtClean="0"/>
           </a:p>
           <a:p>
             <a:pPr lvl="4"/>
@@ -3982,7 +6203,6 @@
           <a:p>
             <a:fld id="{AD65FEC6-BB0B-403F-80B0-7F0CC4BE2B3D}" type="datetimeFigureOut">
               <a:rPr lang="zh-CN" altLang="en-US" smtClean="0"/>
-              <a:t>2021/6/11</a:t>
             </a:fld>
             <a:endParaRPr lang="zh-CN" altLang="en-US"/>
           </a:p>
@@ -4024,7 +6244,6 @@
           <a:p>
             <a:fld id="{0EF05B34-4D29-469C-854E-A5E77624378B}" type="slidenum">
               <a:rPr lang="zh-CN" altLang="en-US" smtClean="0"/>
-              <a:t>‹#›</a:t>
             </a:fld>
             <a:endParaRPr lang="zh-CN" altLang="en-US"/>
           </a:p>
@@ -4203,6 +6422,7 @@
               <a:rPr lang="zh-CN" altLang="en-US" smtClean="0"/>
               <a:t>单击此处编辑母版文本样式</a:t>
             </a:r>
+            <a:endParaRPr lang="zh-CN" altLang="en-US" smtClean="0"/>
           </a:p>
         </p:txBody>
       </p:sp>
@@ -4223,7 +6443,6 @@
           <a:p>
             <a:fld id="{AD65FEC6-BB0B-403F-80B0-7F0CC4BE2B3D}" type="datetimeFigureOut">
               <a:rPr lang="zh-CN" altLang="en-US" smtClean="0"/>
-              <a:t>2021/6/11</a:t>
             </a:fld>
             <a:endParaRPr lang="zh-CN" altLang="en-US"/>
           </a:p>
@@ -4265,7 +6484,6 @@
           <a:p>
             <a:fld id="{0EF05B34-4D29-469C-854E-A5E77624378B}" type="slidenum">
               <a:rPr lang="zh-CN" altLang="en-US" smtClean="0"/>
-              <a:t>‹#›</a:t>
             </a:fld>
             <a:endParaRPr lang="zh-CN" altLang="en-US"/>
           </a:p>
@@ -4372,6 +6590,7 @@
               <a:rPr lang="zh-CN" altLang="en-US" smtClean="0"/>
               <a:t>单击此处编辑母版文本样式</a:t>
             </a:r>
+            <a:endParaRPr lang="zh-CN" altLang="en-US" smtClean="0"/>
           </a:p>
           <a:p>
             <a:pPr lvl="1"/>
@@ -4379,6 +6598,7 @@
               <a:rPr lang="zh-CN" altLang="en-US" smtClean="0"/>
               <a:t>第二级</a:t>
             </a:r>
+            <a:endParaRPr lang="zh-CN" altLang="en-US" smtClean="0"/>
           </a:p>
           <a:p>
             <a:pPr lvl="2"/>
@@ -4386,6 +6606,7 @@
               <a:rPr lang="zh-CN" altLang="en-US" smtClean="0"/>
               <a:t>第三级</a:t>
             </a:r>
+            <a:endParaRPr lang="zh-CN" altLang="en-US" smtClean="0"/>
           </a:p>
           <a:p>
             <a:pPr lvl="3"/>
@@ -4393,6 +6614,7 @@
               <a:rPr lang="zh-CN" altLang="en-US" smtClean="0"/>
               <a:t>第四级</a:t>
             </a:r>
+            <a:endParaRPr lang="zh-CN" altLang="en-US" smtClean="0"/>
           </a:p>
           <a:p>
             <a:pPr lvl="4"/>
@@ -4457,6 +6679,7 @@
               <a:rPr lang="zh-CN" altLang="en-US" smtClean="0"/>
               <a:t>单击此处编辑母版文本样式</a:t>
             </a:r>
+            <a:endParaRPr lang="zh-CN" altLang="en-US" smtClean="0"/>
           </a:p>
           <a:p>
             <a:pPr lvl="1"/>
@@ -4464,6 +6687,7 @@
               <a:rPr lang="zh-CN" altLang="en-US" smtClean="0"/>
               <a:t>第二级</a:t>
             </a:r>
+            <a:endParaRPr lang="zh-CN" altLang="en-US" smtClean="0"/>
           </a:p>
           <a:p>
             <a:pPr lvl="2"/>
@@ -4471,6 +6695,7 @@
               <a:rPr lang="zh-CN" altLang="en-US" smtClean="0"/>
               <a:t>第三级</a:t>
             </a:r>
+            <a:endParaRPr lang="zh-CN" altLang="en-US" smtClean="0"/>
           </a:p>
           <a:p>
             <a:pPr lvl="3"/>
@@ -4478,6 +6703,7 @@
               <a:rPr lang="zh-CN" altLang="en-US" smtClean="0"/>
               <a:t>第四级</a:t>
             </a:r>
+            <a:endParaRPr lang="zh-CN" altLang="en-US" smtClean="0"/>
           </a:p>
           <a:p>
             <a:pPr lvl="4"/>
@@ -4506,7 +6732,6 @@
           <a:p>
             <a:fld id="{AD65FEC6-BB0B-403F-80B0-7F0CC4BE2B3D}" type="datetimeFigureOut">
               <a:rPr lang="zh-CN" altLang="en-US" smtClean="0"/>
-              <a:t>2021/6/11</a:t>
             </a:fld>
             <a:endParaRPr lang="zh-CN" altLang="en-US"/>
           </a:p>
@@ -4548,7 +6773,6 @@
           <a:p>
             <a:fld id="{0EF05B34-4D29-469C-854E-A5E77624378B}" type="slidenum">
               <a:rPr lang="zh-CN" altLang="en-US" smtClean="0"/>
-              <a:t>‹#›</a:t>
             </a:fld>
             <a:endParaRPr lang="zh-CN" altLang="en-US"/>
           </a:p>
@@ -4668,6 +6892,7 @@
               <a:rPr lang="zh-CN" altLang="en-US" smtClean="0"/>
               <a:t>单击此处编辑母版文本样式</a:t>
             </a:r>
+            <a:endParaRPr lang="zh-CN" altLang="en-US" smtClean="0"/>
           </a:p>
         </p:txBody>
       </p:sp>
@@ -4724,6 +6949,7 @@
               <a:rPr lang="zh-CN" altLang="en-US" smtClean="0"/>
               <a:t>单击此处编辑母版文本样式</a:t>
             </a:r>
+            <a:endParaRPr lang="zh-CN" altLang="en-US" smtClean="0"/>
           </a:p>
           <a:p>
             <a:pPr lvl="1"/>
@@ -4731,6 +6957,7 @@
               <a:rPr lang="zh-CN" altLang="en-US" smtClean="0"/>
               <a:t>第二级</a:t>
             </a:r>
+            <a:endParaRPr lang="zh-CN" altLang="en-US" smtClean="0"/>
           </a:p>
           <a:p>
             <a:pPr lvl="2"/>
@@ -4738,6 +6965,7 @@
               <a:rPr lang="zh-CN" altLang="en-US" smtClean="0"/>
               <a:t>第三级</a:t>
             </a:r>
+            <a:endParaRPr lang="zh-CN" altLang="en-US" smtClean="0"/>
           </a:p>
           <a:p>
             <a:pPr lvl="3"/>
@@ -4745,6 +6973,7 @@
               <a:rPr lang="zh-CN" altLang="en-US" smtClean="0"/>
               <a:t>第四级</a:t>
             </a:r>
+            <a:endParaRPr lang="zh-CN" altLang="en-US" smtClean="0"/>
           </a:p>
           <a:p>
             <a:pPr lvl="4"/>
@@ -4818,6 +7047,7 @@
               <a:rPr lang="zh-CN" altLang="en-US" smtClean="0"/>
               <a:t>单击此处编辑母版文本样式</a:t>
             </a:r>
+            <a:endParaRPr lang="zh-CN" altLang="en-US" smtClean="0"/>
           </a:p>
         </p:txBody>
       </p:sp>
@@ -4874,6 +7104,7 @@
               <a:rPr lang="zh-CN" altLang="en-US" smtClean="0"/>
               <a:t>单击此处编辑母版文本样式</a:t>
             </a:r>
+            <a:endParaRPr lang="zh-CN" altLang="en-US" smtClean="0"/>
           </a:p>
           <a:p>
             <a:pPr lvl="1"/>
@@ -4881,6 +7112,7 @@
               <a:rPr lang="zh-CN" altLang="en-US" smtClean="0"/>
               <a:t>第二级</a:t>
             </a:r>
+            <a:endParaRPr lang="zh-CN" altLang="en-US" smtClean="0"/>
           </a:p>
           <a:p>
             <a:pPr lvl="2"/>
@@ -4888,6 +7120,7 @@
               <a:rPr lang="zh-CN" altLang="en-US" smtClean="0"/>
               <a:t>第三级</a:t>
             </a:r>
+            <a:endParaRPr lang="zh-CN" altLang="en-US" smtClean="0"/>
           </a:p>
           <a:p>
             <a:pPr lvl="3"/>
@@ -4895,6 +7128,7 @@
               <a:rPr lang="zh-CN" altLang="en-US" smtClean="0"/>
               <a:t>第四级</a:t>
             </a:r>
+            <a:endParaRPr lang="zh-CN" altLang="en-US" smtClean="0"/>
           </a:p>
           <a:p>
             <a:pPr lvl="4"/>
@@ -4923,7 +7157,6 @@
           <a:p>
             <a:fld id="{AD65FEC6-BB0B-403F-80B0-7F0CC4BE2B3D}" type="datetimeFigureOut">
               <a:rPr lang="zh-CN" altLang="en-US" smtClean="0"/>
-              <a:t>2021/6/11</a:t>
             </a:fld>
             <a:endParaRPr lang="zh-CN" altLang="en-US"/>
           </a:p>
@@ -4965,7 +7198,6 @@
           <a:p>
             <a:fld id="{0EF05B34-4D29-469C-854E-A5E77624378B}" type="slidenum">
               <a:rPr lang="zh-CN" altLang="en-US" smtClean="0"/>
-              <a:t>‹#›</a:t>
             </a:fld>
             <a:endParaRPr lang="zh-CN" altLang="en-US"/>
           </a:p>
@@ -5036,7 +7268,6 @@
           <a:p>
             <a:fld id="{AD65FEC6-BB0B-403F-80B0-7F0CC4BE2B3D}" type="datetimeFigureOut">
               <a:rPr lang="zh-CN" altLang="en-US" smtClean="0"/>
-              <a:t>2021/6/11</a:t>
             </a:fld>
             <a:endParaRPr lang="zh-CN" altLang="en-US"/>
           </a:p>
@@ -5078,7 +7309,6 @@
           <a:p>
             <a:fld id="{0EF05B34-4D29-469C-854E-A5E77624378B}" type="slidenum">
               <a:rPr lang="zh-CN" altLang="en-US" smtClean="0"/>
-              <a:t>‹#›</a:t>
             </a:fld>
             <a:endParaRPr lang="zh-CN" altLang="en-US"/>
           </a:p>
@@ -5126,7 +7356,6 @@
           <a:p>
             <a:fld id="{AD65FEC6-BB0B-403F-80B0-7F0CC4BE2B3D}" type="datetimeFigureOut">
               <a:rPr lang="zh-CN" altLang="en-US" smtClean="0"/>
-              <a:t>2021/6/11</a:t>
             </a:fld>
             <a:endParaRPr lang="zh-CN" altLang="en-US"/>
           </a:p>
@@ -5168,7 +7397,6 @@
           <a:p>
             <a:fld id="{0EF05B34-4D29-469C-854E-A5E77624378B}" type="slidenum">
               <a:rPr lang="zh-CN" altLang="en-US" smtClean="0"/>
-              <a:t>‹#›</a:t>
             </a:fld>
             <a:endParaRPr lang="zh-CN" altLang="en-US"/>
           </a:p>
@@ -5284,6 +7512,7 @@
               <a:rPr lang="zh-CN" altLang="en-US" smtClean="0"/>
               <a:t>单击此处编辑母版文本样式</a:t>
             </a:r>
+            <a:endParaRPr lang="zh-CN" altLang="en-US" smtClean="0"/>
           </a:p>
           <a:p>
             <a:pPr lvl="1"/>
@@ -5291,6 +7520,7 @@
               <a:rPr lang="zh-CN" altLang="en-US" smtClean="0"/>
               <a:t>第二级</a:t>
             </a:r>
+            <a:endParaRPr lang="zh-CN" altLang="en-US" smtClean="0"/>
           </a:p>
           <a:p>
             <a:pPr lvl="2"/>
@@ -5298,6 +7528,7 @@
               <a:rPr lang="zh-CN" altLang="en-US" smtClean="0"/>
               <a:t>第三级</a:t>
             </a:r>
+            <a:endParaRPr lang="zh-CN" altLang="en-US" smtClean="0"/>
           </a:p>
           <a:p>
             <a:pPr lvl="3"/>
@@ -5305,6 +7536,7 @@
               <a:rPr lang="zh-CN" altLang="en-US" smtClean="0"/>
               <a:t>第四级</a:t>
             </a:r>
+            <a:endParaRPr lang="zh-CN" altLang="en-US" smtClean="0"/>
           </a:p>
           <a:p>
             <a:pPr lvl="4"/>
@@ -5378,6 +7610,7 @@
               <a:rPr lang="zh-CN" altLang="en-US" smtClean="0"/>
               <a:t>单击此处编辑母版文本样式</a:t>
             </a:r>
+            <a:endParaRPr lang="zh-CN" altLang="en-US" smtClean="0"/>
           </a:p>
         </p:txBody>
       </p:sp>
@@ -5398,7 +7631,6 @@
           <a:p>
             <a:fld id="{AD65FEC6-BB0B-403F-80B0-7F0CC4BE2B3D}" type="datetimeFigureOut">
               <a:rPr lang="zh-CN" altLang="en-US" smtClean="0"/>
-              <a:t>2021/6/11</a:t>
             </a:fld>
             <a:endParaRPr lang="zh-CN" altLang="en-US"/>
           </a:p>
@@ -5440,7 +7672,6 @@
           <a:p>
             <a:fld id="{0EF05B34-4D29-469C-854E-A5E77624378B}" type="slidenum">
               <a:rPr lang="zh-CN" altLang="en-US" smtClean="0"/>
-              <a:t>‹#›</a:t>
             </a:fld>
             <a:endParaRPr lang="zh-CN" altLang="en-US"/>
           </a:p>
@@ -5626,6 +7857,7 @@
               <a:rPr lang="zh-CN" altLang="en-US" smtClean="0"/>
               <a:t>单击此处编辑母版文本样式</a:t>
             </a:r>
+            <a:endParaRPr lang="zh-CN" altLang="en-US" smtClean="0"/>
           </a:p>
         </p:txBody>
       </p:sp>
@@ -5646,7 +7878,6 @@
           <a:p>
             <a:fld id="{AD65FEC6-BB0B-403F-80B0-7F0CC4BE2B3D}" type="datetimeFigureOut">
               <a:rPr lang="zh-CN" altLang="en-US" smtClean="0"/>
-              <a:t>2021/6/11</a:t>
             </a:fld>
             <a:endParaRPr lang="zh-CN" altLang="en-US"/>
           </a:p>
@@ -5688,7 +7919,6 @@
           <a:p>
             <a:fld id="{0EF05B34-4D29-469C-854E-A5E77624378B}" type="slidenum">
               <a:rPr lang="zh-CN" altLang="en-US" smtClean="0"/>
-              <a:t>‹#›</a:t>
             </a:fld>
             <a:endParaRPr lang="zh-CN" altLang="en-US"/>
           </a:p>
@@ -5787,6 +8017,7 @@
               <a:rPr lang="zh-CN" altLang="en-US" smtClean="0"/>
               <a:t>单击此处编辑母版文本样式</a:t>
             </a:r>
+            <a:endParaRPr lang="zh-CN" altLang="en-US" smtClean="0"/>
           </a:p>
           <a:p>
             <a:pPr lvl="1"/>
@@ -5794,6 +8025,7 @@
               <a:rPr lang="zh-CN" altLang="en-US" smtClean="0"/>
               <a:t>第二级</a:t>
             </a:r>
+            <a:endParaRPr lang="zh-CN" altLang="en-US" smtClean="0"/>
           </a:p>
           <a:p>
             <a:pPr lvl="2"/>
@@ -5801,6 +8033,7 @@
               <a:rPr lang="zh-CN" altLang="en-US" smtClean="0"/>
               <a:t>第三级</a:t>
             </a:r>
+            <a:endParaRPr lang="zh-CN" altLang="en-US" smtClean="0"/>
           </a:p>
           <a:p>
             <a:pPr lvl="3"/>
@@ -5808,6 +8041,7 @@
               <a:rPr lang="zh-CN" altLang="en-US" smtClean="0"/>
               <a:t>第四级</a:t>
             </a:r>
+            <a:endParaRPr lang="zh-CN" altLang="en-US" smtClean="0"/>
           </a:p>
           <a:p>
             <a:pPr lvl="4"/>
@@ -5854,7 +8088,6 @@
           <a:p>
             <a:fld id="{AD65FEC6-BB0B-403F-80B0-7F0CC4BE2B3D}" type="datetimeFigureOut">
               <a:rPr lang="zh-CN" altLang="en-US" smtClean="0"/>
-              <a:t>2021/6/11</a:t>
             </a:fld>
             <a:endParaRPr lang="zh-CN" altLang="en-US"/>
           </a:p>
@@ -5932,7 +8165,6 @@
           <a:p>
             <a:fld id="{0EF05B34-4D29-469C-854E-A5E77624378B}" type="slidenum">
               <a:rPr lang="zh-CN" altLang="en-US" smtClean="0"/>
-              <a:t>‹#›</a:t>
             </a:fld>
             <a:endParaRPr lang="zh-CN" altLang="en-US"/>
           </a:p>
@@ -5976,7 +8208,7 @@
         <a:spcBef>
           <a:spcPct val="20000"/>
         </a:spcBef>
-        <a:buFont typeface="Arial" pitchFamily="34" charset="0"/>
+        <a:buFont typeface="Arial" panose="020B0604020202020204" pitchFamily="34" charset="0"/>
         <a:buChar char="•"/>
         <a:defRPr sz="3200" kern="1200">
           <a:solidFill>
@@ -5991,7 +8223,7 @@
         <a:spcBef>
           <a:spcPct val="20000"/>
         </a:spcBef>
-        <a:buFont typeface="Arial" pitchFamily="34" charset="0"/>
+        <a:buFont typeface="Arial" panose="020B0604020202020204" pitchFamily="34" charset="0"/>
         <a:buChar char="–"/>
         <a:defRPr sz="2800" kern="1200">
           <a:solidFill>
@@ -6006,7 +8238,7 @@
         <a:spcBef>
           <a:spcPct val="20000"/>
         </a:spcBef>
-        <a:buFont typeface="Arial" pitchFamily="34" charset="0"/>
+        <a:buFont typeface="Arial" panose="020B0604020202020204" pitchFamily="34" charset="0"/>
         <a:buChar char="•"/>
         <a:defRPr sz="2400" kern="1200">
           <a:solidFill>
@@ -6021,7 +8253,7 @@
         <a:spcBef>
           <a:spcPct val="20000"/>
         </a:spcBef>
-        <a:buFont typeface="Arial" pitchFamily="34" charset="0"/>
+        <a:buFont typeface="Arial" panose="020B0604020202020204" pitchFamily="34" charset="0"/>
         <a:buChar char="–"/>
         <a:defRPr sz="2000" kern="1200">
           <a:solidFill>
@@ -6036,7 +8268,7 @@
         <a:spcBef>
           <a:spcPct val="20000"/>
         </a:spcBef>
-        <a:buFont typeface="Arial" pitchFamily="34" charset="0"/>
+        <a:buFont typeface="Arial" panose="020B0604020202020204" pitchFamily="34" charset="0"/>
         <a:buChar char="»"/>
         <a:defRPr sz="2000" kern="1200">
           <a:solidFill>
@@ -6051,7 +8283,7 @@
         <a:spcBef>
           <a:spcPct val="20000"/>
         </a:spcBef>
-        <a:buFont typeface="Arial" pitchFamily="34" charset="0"/>
+        <a:buFont typeface="Arial" panose="020B0604020202020204" pitchFamily="34" charset="0"/>
         <a:buChar char="•"/>
         <a:defRPr sz="2000" kern="1200">
           <a:solidFill>
@@ -6066,7 +8298,7 @@
         <a:spcBef>
           <a:spcPct val="20000"/>
         </a:spcBef>
-        <a:buFont typeface="Arial" pitchFamily="34" charset="0"/>
+        <a:buFont typeface="Arial" panose="020B0604020202020204" pitchFamily="34" charset="0"/>
         <a:buChar char="•"/>
         <a:defRPr sz="2000" kern="1200">
           <a:solidFill>
@@ -6081,7 +8313,7 @@
         <a:spcBef>
           <a:spcPct val="20000"/>
         </a:spcBef>
-        <a:buFont typeface="Arial" pitchFamily="34" charset="0"/>
+        <a:buFont typeface="Arial" panose="020B0604020202020204" pitchFamily="34" charset="0"/>
         <a:buChar char="•"/>
         <a:defRPr sz="2000" kern="1200">
           <a:solidFill>
@@ -6096,7 +8328,7 @@
         <a:spcBef>
           <a:spcPct val="20000"/>
         </a:spcBef>
-        <a:buFont typeface="Arial" pitchFamily="34" charset="0"/>
+        <a:buFont typeface="Arial" panose="020B0604020202020204" pitchFamily="34" charset="0"/>
         <a:buChar char="•"/>
         <a:defRPr sz="2000" kern="1200">
           <a:solidFill>
@@ -6236,7 +8468,7 @@
         </p:xfrm>
         <a:graphic>
           <a:graphicData uri="http://schemas.openxmlformats.org/drawingml/2006/diagram">
-            <dgm:relIds xmlns:dgm="http://schemas.openxmlformats.org/drawingml/2006/diagram" xmlns:r="http://schemas.openxmlformats.org/officeDocument/2006/relationships" r:dm="rId2" r:lo="rId3" r:qs="rId4" r:cs="rId5"/>
+            <dgm:relIds xmlns:dgm="http://schemas.openxmlformats.org/drawingml/2006/diagram" xmlns:r="http://schemas.openxmlformats.org/officeDocument/2006/relationships" r:dm="rId1" r:lo="rId2" r:qs="rId3" r:cs="rId4"/>
           </a:graphicData>
         </a:graphic>
       </p:graphicFrame>
@@ -6526,7 +8758,10 @@
       </a:bgFillStyleLst>
     </a:fmtScheme>
   </a:themeElements>
-  <a:objectDefaults/>
-  <a:extraClrSchemeLst/>
+  <a:extLst>
+    <a:ext uri="{05A4C25C-085E-4340-85A3-A5531E510DB2}">
+      <thm15:themeFamily xmlns:thm15="http://schemas.microsoft.com/office/thememl/2012/main" name="Office Theme" id="{62F939B6-93AF-4DB8-9C6B-D6C7DFDC589F}" vid="{4A3C46E8-61CC-4603-A589-7422A47A8E4A}"/>
+    </a:ext>
+  </a:extLst>
 </a:theme>
 </file>